--- a/AprendizadoMaquina/Tópico 02 - Aprendizado Supervisionado/06 - Regressão/Tópico 02 - Aprendizado-Supervisionado - Regressao.pptx
+++ b/AprendizadoMaquina/Tópico 02 - Aprendizado Supervisionado/06 - Regressão/Tópico 02 - Aprendizado-Supervisionado - Regressao.pptx
@@ -383,7 +383,7 @@
             <a:pPr algn="r">
               <a:buNone/>
             </a:pPr>
-            <a:fld id="{B7D95C09-77A6-41CD-BA4E-02BA4EF5E628}" type="slidenum">
+            <a:fld id="{53F42973-BE17-49E6-AB2A-8001F0B2768B}" type="slidenum">
               <a:rPr b="0" lang="pt-BR" sz="1400" spc="-1" strike="noStrike">
                 <a:latin typeface="Times New Roman"/>
               </a:rPr>
@@ -431,7 +431,7 @@
         <p:spPr>
           <a:xfrm>
             <a:off x="1376280" y="1336680"/>
-            <a:ext cx="4795560" cy="3595320"/>
+            <a:ext cx="4795200" cy="3594960"/>
           </a:xfrm>
           <a:prstGeom prst="rect">
             <a:avLst/>
@@ -454,7 +454,7 @@
         <p:spPr>
           <a:xfrm>
             <a:off x="756000" y="5145120"/>
-            <a:ext cx="6035760" cy="4197960"/>
+            <a:ext cx="6035400" cy="4197600"/>
           </a:xfrm>
           <a:prstGeom prst="rect">
             <a:avLst/>
@@ -484,7 +484,7 @@
         <p:spPr>
           <a:xfrm>
             <a:off x="0" y="10155240"/>
-            <a:ext cx="3264120" cy="524520"/>
+            <a:ext cx="3263760" cy="524160"/>
           </a:xfrm>
           <a:prstGeom prst="rect">
             <a:avLst/>
@@ -562,7 +562,7 @@
         <p:spPr>
           <a:xfrm>
             <a:off x="1376280" y="1336680"/>
-            <a:ext cx="4795560" cy="3595320"/>
+            <a:ext cx="4795200" cy="3594960"/>
           </a:xfrm>
           <a:prstGeom prst="rect">
             <a:avLst/>
@@ -585,7 +585,7 @@
         <p:spPr>
           <a:xfrm>
             <a:off x="756000" y="5145120"/>
-            <a:ext cx="6035760" cy="4197960"/>
+            <a:ext cx="6035400" cy="4197600"/>
           </a:xfrm>
           <a:prstGeom prst="rect">
             <a:avLst/>
@@ -615,7 +615,7 @@
         <p:spPr>
           <a:xfrm>
             <a:off x="0" y="10155240"/>
-            <a:ext cx="3264120" cy="524520"/>
+            <a:ext cx="3263760" cy="524160"/>
           </a:xfrm>
           <a:prstGeom prst="rect">
             <a:avLst/>
@@ -693,7 +693,7 @@
         <p:spPr>
           <a:xfrm>
             <a:off x="1376280" y="1336680"/>
-            <a:ext cx="4795560" cy="3595320"/>
+            <a:ext cx="4795200" cy="3594960"/>
           </a:xfrm>
           <a:prstGeom prst="rect">
             <a:avLst/>
@@ -716,7 +716,7 @@
         <p:spPr>
           <a:xfrm>
             <a:off x="756000" y="5145120"/>
-            <a:ext cx="6035760" cy="4197960"/>
+            <a:ext cx="6035400" cy="4197600"/>
           </a:xfrm>
           <a:prstGeom prst="rect">
             <a:avLst/>
@@ -746,7 +746,7 @@
         <p:spPr>
           <a:xfrm>
             <a:off x="0" y="10155240"/>
-            <a:ext cx="3264120" cy="524520"/>
+            <a:ext cx="3263760" cy="524160"/>
           </a:xfrm>
           <a:prstGeom prst="rect">
             <a:avLst/>
@@ -824,7 +824,7 @@
         <p:spPr>
           <a:xfrm>
             <a:off x="1376280" y="1336680"/>
-            <a:ext cx="4795560" cy="3595320"/>
+            <a:ext cx="4795200" cy="3594960"/>
           </a:xfrm>
           <a:prstGeom prst="rect">
             <a:avLst/>
@@ -847,7 +847,7 @@
         <p:spPr>
           <a:xfrm>
             <a:off x="756000" y="5145120"/>
-            <a:ext cx="6035760" cy="4197960"/>
+            <a:ext cx="6035400" cy="4197600"/>
           </a:xfrm>
           <a:prstGeom prst="rect">
             <a:avLst/>
@@ -877,7 +877,7 @@
         <p:spPr>
           <a:xfrm>
             <a:off x="0" y="10155240"/>
-            <a:ext cx="3264120" cy="524520"/>
+            <a:ext cx="3263760" cy="524160"/>
           </a:xfrm>
           <a:prstGeom prst="rect">
             <a:avLst/>
@@ -955,7 +955,7 @@
         <p:spPr>
           <a:xfrm>
             <a:off x="1376280" y="1336680"/>
-            <a:ext cx="4795560" cy="3595320"/>
+            <a:ext cx="4795200" cy="3594960"/>
           </a:xfrm>
           <a:prstGeom prst="rect">
             <a:avLst/>
@@ -978,7 +978,7 @@
         <p:spPr>
           <a:xfrm>
             <a:off x="756000" y="5145120"/>
-            <a:ext cx="6035760" cy="4197960"/>
+            <a:ext cx="6035400" cy="4197600"/>
           </a:xfrm>
           <a:prstGeom prst="rect">
             <a:avLst/>
@@ -1008,7 +1008,7 @@
         <p:spPr>
           <a:xfrm>
             <a:off x="0" y="10155240"/>
-            <a:ext cx="3264120" cy="524520"/>
+            <a:ext cx="3263760" cy="524160"/>
           </a:xfrm>
           <a:prstGeom prst="rect">
             <a:avLst/>
@@ -1086,7 +1086,7 @@
         <p:spPr>
           <a:xfrm>
             <a:off x="1376280" y="1336680"/>
-            <a:ext cx="4795560" cy="3595320"/>
+            <a:ext cx="4795200" cy="3594960"/>
           </a:xfrm>
           <a:prstGeom prst="rect">
             <a:avLst/>
@@ -1109,7 +1109,7 @@
         <p:spPr>
           <a:xfrm>
             <a:off x="756000" y="5145120"/>
-            <a:ext cx="6035760" cy="4197960"/>
+            <a:ext cx="6035400" cy="4197600"/>
           </a:xfrm>
           <a:prstGeom prst="rect">
             <a:avLst/>
@@ -1139,7 +1139,7 @@
         <p:spPr>
           <a:xfrm>
             <a:off x="0" y="10155240"/>
-            <a:ext cx="3264120" cy="524520"/>
+            <a:ext cx="3263760" cy="524160"/>
           </a:xfrm>
           <a:prstGeom prst="rect">
             <a:avLst/>
@@ -1217,7 +1217,7 @@
         <p:spPr>
           <a:xfrm>
             <a:off x="1376280" y="1336680"/>
-            <a:ext cx="4795560" cy="3595320"/>
+            <a:ext cx="4795200" cy="3594960"/>
           </a:xfrm>
           <a:prstGeom prst="rect">
             <a:avLst/>
@@ -1240,7 +1240,7 @@
         <p:spPr>
           <a:xfrm>
             <a:off x="756000" y="5145120"/>
-            <a:ext cx="6035760" cy="4197960"/>
+            <a:ext cx="6035400" cy="4197600"/>
           </a:xfrm>
           <a:prstGeom prst="rect">
             <a:avLst/>
@@ -1270,7 +1270,7 @@
         <p:spPr>
           <a:xfrm>
             <a:off x="0" y="10155240"/>
-            <a:ext cx="3264120" cy="524520"/>
+            <a:ext cx="3263760" cy="524160"/>
           </a:xfrm>
           <a:prstGeom prst="rect">
             <a:avLst/>
@@ -1348,7 +1348,7 @@
         <p:spPr>
           <a:xfrm>
             <a:off x="1376280" y="1336680"/>
-            <a:ext cx="4795560" cy="3595320"/>
+            <a:ext cx="4795200" cy="3594960"/>
           </a:xfrm>
           <a:prstGeom prst="rect">
             <a:avLst/>
@@ -1371,7 +1371,7 @@
         <p:spPr>
           <a:xfrm>
             <a:off x="756000" y="5145120"/>
-            <a:ext cx="6035760" cy="4197960"/>
+            <a:ext cx="6035400" cy="4197600"/>
           </a:xfrm>
           <a:prstGeom prst="rect">
             <a:avLst/>
@@ -1401,7 +1401,7 @@
         <p:spPr>
           <a:xfrm>
             <a:off x="0" y="10155240"/>
-            <a:ext cx="3264120" cy="524520"/>
+            <a:ext cx="3263760" cy="524160"/>
           </a:xfrm>
           <a:prstGeom prst="rect">
             <a:avLst/>
@@ -1479,7 +1479,7 @@
         <p:spPr>
           <a:xfrm>
             <a:off x="1376280" y="1336680"/>
-            <a:ext cx="4795560" cy="3595320"/>
+            <a:ext cx="4795200" cy="3594960"/>
           </a:xfrm>
           <a:prstGeom prst="rect">
             <a:avLst/>
@@ -1502,7 +1502,7 @@
         <p:spPr>
           <a:xfrm>
             <a:off x="756000" y="5145120"/>
-            <a:ext cx="6035760" cy="4197960"/>
+            <a:ext cx="6035400" cy="4197600"/>
           </a:xfrm>
           <a:prstGeom prst="rect">
             <a:avLst/>
@@ -1532,7 +1532,7 @@
         <p:spPr>
           <a:xfrm>
             <a:off x="0" y="10155240"/>
-            <a:ext cx="3264120" cy="524520"/>
+            <a:ext cx="3263760" cy="524160"/>
           </a:xfrm>
           <a:prstGeom prst="rect">
             <a:avLst/>
@@ -1610,7 +1610,7 @@
         <p:spPr>
           <a:xfrm>
             <a:off x="1376280" y="1336680"/>
-            <a:ext cx="4795560" cy="3595320"/>
+            <a:ext cx="4795200" cy="3594960"/>
           </a:xfrm>
           <a:prstGeom prst="rect">
             <a:avLst/>
@@ -1633,7 +1633,7 @@
         <p:spPr>
           <a:xfrm>
             <a:off x="756000" y="5145120"/>
-            <a:ext cx="6035760" cy="4197960"/>
+            <a:ext cx="6035400" cy="4197600"/>
           </a:xfrm>
           <a:prstGeom prst="rect">
             <a:avLst/>
@@ -1663,7 +1663,7 @@
         <p:spPr>
           <a:xfrm>
             <a:off x="0" y="10155240"/>
-            <a:ext cx="3264120" cy="524520"/>
+            <a:ext cx="3263760" cy="524160"/>
           </a:xfrm>
           <a:prstGeom prst="rect">
             <a:avLst/>
@@ -1741,7 +1741,7 @@
         <p:spPr>
           <a:xfrm>
             <a:off x="1376280" y="1336680"/>
-            <a:ext cx="4795560" cy="3595320"/>
+            <a:ext cx="4795200" cy="3594960"/>
           </a:xfrm>
           <a:prstGeom prst="rect">
             <a:avLst/>
@@ -1764,7 +1764,7 @@
         <p:spPr>
           <a:xfrm>
             <a:off x="756000" y="5145120"/>
-            <a:ext cx="6035760" cy="4197960"/>
+            <a:ext cx="6035400" cy="4197600"/>
           </a:xfrm>
           <a:prstGeom prst="rect">
             <a:avLst/>
@@ -1794,7 +1794,7 @@
         <p:spPr>
           <a:xfrm>
             <a:off x="0" y="10155240"/>
-            <a:ext cx="3264120" cy="524520"/>
+            <a:ext cx="3263760" cy="524160"/>
           </a:xfrm>
           <a:prstGeom prst="rect">
             <a:avLst/>
@@ -1872,7 +1872,7 @@
         <p:spPr>
           <a:xfrm>
             <a:off x="1376280" y="1336680"/>
-            <a:ext cx="4795560" cy="3595320"/>
+            <a:ext cx="4795200" cy="3594960"/>
           </a:xfrm>
           <a:prstGeom prst="rect">
             <a:avLst/>
@@ -1895,7 +1895,7 @@
         <p:spPr>
           <a:xfrm>
             <a:off x="756000" y="5145120"/>
-            <a:ext cx="6035760" cy="4197960"/>
+            <a:ext cx="6035400" cy="4197600"/>
           </a:xfrm>
           <a:prstGeom prst="rect">
             <a:avLst/>
@@ -1925,7 +1925,7 @@
         <p:spPr>
           <a:xfrm>
             <a:off x="0" y="10155240"/>
-            <a:ext cx="3264120" cy="524520"/>
+            <a:ext cx="3263760" cy="524160"/>
           </a:xfrm>
           <a:prstGeom prst="rect">
             <a:avLst/>
@@ -2003,7 +2003,7 @@
         <p:spPr>
           <a:xfrm>
             <a:off x="1376280" y="1336680"/>
-            <a:ext cx="4795560" cy="3595320"/>
+            <a:ext cx="4795200" cy="3594960"/>
           </a:xfrm>
           <a:prstGeom prst="rect">
             <a:avLst/>
@@ -2026,7 +2026,7 @@
         <p:spPr>
           <a:xfrm>
             <a:off x="756000" y="5145120"/>
-            <a:ext cx="6035760" cy="4197960"/>
+            <a:ext cx="6035400" cy="4197600"/>
           </a:xfrm>
           <a:prstGeom prst="rect">
             <a:avLst/>
@@ -2056,7 +2056,7 @@
         <p:spPr>
           <a:xfrm>
             <a:off x="0" y="10155240"/>
-            <a:ext cx="3264120" cy="524520"/>
+            <a:ext cx="3263760" cy="524160"/>
           </a:xfrm>
           <a:prstGeom prst="rect">
             <a:avLst/>
@@ -2134,7 +2134,7 @@
         <p:spPr>
           <a:xfrm>
             <a:off x="1376280" y="1336680"/>
-            <a:ext cx="4795560" cy="3595320"/>
+            <a:ext cx="4795200" cy="3594960"/>
           </a:xfrm>
           <a:prstGeom prst="rect">
             <a:avLst/>
@@ -2157,7 +2157,7 @@
         <p:spPr>
           <a:xfrm>
             <a:off x="756000" y="5145120"/>
-            <a:ext cx="6035760" cy="4197960"/>
+            <a:ext cx="6035400" cy="4197600"/>
           </a:xfrm>
           <a:prstGeom prst="rect">
             <a:avLst/>
@@ -2187,7 +2187,7 @@
         <p:spPr>
           <a:xfrm>
             <a:off x="0" y="10155240"/>
-            <a:ext cx="3264120" cy="524520"/>
+            <a:ext cx="3263760" cy="524160"/>
           </a:xfrm>
           <a:prstGeom prst="rect">
             <a:avLst/>
@@ -2265,7 +2265,7 @@
         <p:spPr>
           <a:xfrm>
             <a:off x="1376280" y="1336680"/>
-            <a:ext cx="4795560" cy="3595320"/>
+            <a:ext cx="4795200" cy="3594960"/>
           </a:xfrm>
           <a:prstGeom prst="rect">
             <a:avLst/>
@@ -2288,7 +2288,7 @@
         <p:spPr>
           <a:xfrm>
             <a:off x="756000" y="5145120"/>
-            <a:ext cx="6035760" cy="4197960"/>
+            <a:ext cx="6035400" cy="4197600"/>
           </a:xfrm>
           <a:prstGeom prst="rect">
             <a:avLst/>
@@ -2318,7 +2318,7 @@
         <p:spPr>
           <a:xfrm>
             <a:off x="0" y="10155240"/>
-            <a:ext cx="3264120" cy="524520"/>
+            <a:ext cx="3263760" cy="524160"/>
           </a:xfrm>
           <a:prstGeom prst="rect">
             <a:avLst/>
@@ -2396,7 +2396,7 @@
         <p:spPr>
           <a:xfrm>
             <a:off x="1376280" y="1336680"/>
-            <a:ext cx="4795560" cy="3595320"/>
+            <a:ext cx="4795200" cy="3594960"/>
           </a:xfrm>
           <a:prstGeom prst="rect">
             <a:avLst/>
@@ -2419,7 +2419,7 @@
         <p:spPr>
           <a:xfrm>
             <a:off x="756000" y="5145120"/>
-            <a:ext cx="6035760" cy="4197960"/>
+            <a:ext cx="6035400" cy="4197600"/>
           </a:xfrm>
           <a:prstGeom prst="rect">
             <a:avLst/>
@@ -2449,7 +2449,7 @@
         <p:spPr>
           <a:xfrm>
             <a:off x="0" y="10155240"/>
-            <a:ext cx="3264120" cy="524520"/>
+            <a:ext cx="3263760" cy="524160"/>
           </a:xfrm>
           <a:prstGeom prst="rect">
             <a:avLst/>
@@ -2527,7 +2527,7 @@
         <p:spPr>
           <a:xfrm>
             <a:off x="1376280" y="1336680"/>
-            <a:ext cx="4795560" cy="3595320"/>
+            <a:ext cx="4795200" cy="3594960"/>
           </a:xfrm>
           <a:prstGeom prst="rect">
             <a:avLst/>
@@ -2550,7 +2550,7 @@
         <p:spPr>
           <a:xfrm>
             <a:off x="756000" y="5145120"/>
-            <a:ext cx="6035760" cy="4197960"/>
+            <a:ext cx="6035400" cy="4197600"/>
           </a:xfrm>
           <a:prstGeom prst="rect">
             <a:avLst/>
@@ -2580,7 +2580,7 @@
         <p:spPr>
           <a:xfrm>
             <a:off x="0" y="10155240"/>
-            <a:ext cx="3264120" cy="524520"/>
+            <a:ext cx="3263760" cy="524160"/>
           </a:xfrm>
           <a:prstGeom prst="rect">
             <a:avLst/>
@@ -2658,7 +2658,7 @@
         <p:spPr>
           <a:xfrm>
             <a:off x="1376280" y="1336680"/>
-            <a:ext cx="4795560" cy="3595320"/>
+            <a:ext cx="4795200" cy="3594960"/>
           </a:xfrm>
           <a:prstGeom prst="rect">
             <a:avLst/>
@@ -2681,7 +2681,7 @@
         <p:spPr>
           <a:xfrm>
             <a:off x="756000" y="5145120"/>
-            <a:ext cx="6035760" cy="4197960"/>
+            <a:ext cx="6035400" cy="4197600"/>
           </a:xfrm>
           <a:prstGeom prst="rect">
             <a:avLst/>
@@ -2711,7 +2711,7 @@
         <p:spPr>
           <a:xfrm>
             <a:off x="0" y="10155240"/>
-            <a:ext cx="3264120" cy="524520"/>
+            <a:ext cx="3263760" cy="524160"/>
           </a:xfrm>
           <a:prstGeom prst="rect">
             <a:avLst/>
@@ -2789,7 +2789,7 @@
         <p:spPr>
           <a:xfrm>
             <a:off x="1376280" y="1336680"/>
-            <a:ext cx="4795560" cy="3595320"/>
+            <a:ext cx="4795200" cy="3594960"/>
           </a:xfrm>
           <a:prstGeom prst="rect">
             <a:avLst/>
@@ -2812,7 +2812,7 @@
         <p:spPr>
           <a:xfrm>
             <a:off x="756000" y="5145120"/>
-            <a:ext cx="6035760" cy="4197960"/>
+            <a:ext cx="6035400" cy="4197600"/>
           </a:xfrm>
           <a:prstGeom prst="rect">
             <a:avLst/>
@@ -2842,7 +2842,7 @@
         <p:spPr>
           <a:xfrm>
             <a:off x="0" y="10155240"/>
-            <a:ext cx="3264120" cy="524520"/>
+            <a:ext cx="3263760" cy="524160"/>
           </a:xfrm>
           <a:prstGeom prst="rect">
             <a:avLst/>
@@ -5971,7 +5971,7 @@
         <p:spPr>
           <a:xfrm>
             <a:off x="0" y="3150000"/>
-            <a:ext cx="9708120" cy="1248120"/>
+            <a:ext cx="9707760" cy="1247760"/>
           </a:xfrm>
           <a:prstGeom prst="rect">
             <a:avLst/>
@@ -6269,7 +6269,7 @@
         <p:spPr>
           <a:xfrm>
             <a:off x="0" y="180000"/>
-            <a:ext cx="9708120" cy="1248120"/>
+            <a:ext cx="9707760" cy="1247760"/>
           </a:xfrm>
           <a:prstGeom prst="rect">
             <a:avLst/>
@@ -6297,7 +6297,7 @@
         <p:spPr>
           <a:xfrm>
             <a:off x="7560000" y="6840000"/>
-            <a:ext cx="2508120" cy="528120"/>
+            <a:ext cx="2507760" cy="527760"/>
           </a:xfrm>
           <a:prstGeom prst="rect">
             <a:avLst/>
@@ -6325,7 +6325,7 @@
         <p:spPr>
           <a:xfrm>
             <a:off x="900000" y="6840000"/>
-            <a:ext cx="6468120" cy="528120"/>
+            <a:ext cx="6467760" cy="527760"/>
           </a:xfrm>
           <a:prstGeom prst="rect">
             <a:avLst/>
@@ -6353,7 +6353,7 @@
         <p:spPr>
           <a:xfrm>
             <a:off x="180000" y="6840000"/>
-            <a:ext cx="528120" cy="528120"/>
+            <a:ext cx="527760" cy="527760"/>
           </a:xfrm>
           <a:prstGeom prst="rect">
             <a:avLst/>
@@ -6714,7 +6714,7 @@
         <p:spPr>
           <a:xfrm>
             <a:off x="360000" y="3330000"/>
-            <a:ext cx="9348120" cy="888120"/>
+            <a:ext cx="9347760" cy="887760"/>
           </a:xfrm>
           <a:prstGeom prst="rect">
             <a:avLst/>
@@ -6766,7 +6766,7 @@
         <p:spPr>
           <a:xfrm>
             <a:off x="540000" y="4680000"/>
-            <a:ext cx="9168120" cy="2508120"/>
+            <a:ext cx="9167760" cy="2507760"/>
           </a:xfrm>
           <a:prstGeom prst="rect">
             <a:avLst/>
@@ -7005,7 +7005,7 @@
         <p:spPr>
           <a:xfrm>
             <a:off x="360000" y="360000"/>
-            <a:ext cx="9348120" cy="888120"/>
+            <a:ext cx="9347760" cy="887760"/>
           </a:xfrm>
           <a:prstGeom prst="rect">
             <a:avLst/>
@@ -7057,7 +7057,7 @@
         <p:spPr>
           <a:xfrm>
             <a:off x="360000" y="1980000"/>
-            <a:ext cx="9168120" cy="4668120"/>
+            <a:ext cx="9167760" cy="4667760"/>
           </a:xfrm>
           <a:prstGeom prst="rect">
             <a:avLst/>
@@ -7116,7 +7116,7 @@
         <p:spPr>
           <a:xfrm>
             <a:off x="897120" y="6886080"/>
-            <a:ext cx="6435360" cy="353160"/>
+            <a:ext cx="6435000" cy="352800"/>
           </a:xfrm>
           <a:prstGeom prst="rect">
             <a:avLst/>
@@ -7168,7 +7168,7 @@
         <p:spPr>
           <a:xfrm>
             <a:off x="7608600" y="6886080"/>
-            <a:ext cx="2273400" cy="353160"/>
+            <a:ext cx="2273040" cy="352800"/>
           </a:xfrm>
           <a:prstGeom prst="rect">
             <a:avLst/>
@@ -7220,7 +7220,7 @@
         <p:spPr>
           <a:xfrm>
             <a:off x="342360" y="1529280"/>
-            <a:ext cx="9374400" cy="5357880"/>
+            <a:ext cx="9374040" cy="5357520"/>
           </a:xfrm>
           <a:prstGeom prst="rect">
             <a:avLst/>
@@ -7684,7 +7684,7 @@
         <p:spPr>
           <a:xfrm>
             <a:off x="720000" y="2520000"/>
-            <a:ext cx="7387560" cy="4139280"/>
+            <a:ext cx="7387200" cy="4138920"/>
           </a:xfrm>
           <a:prstGeom prst="rect">
             <a:avLst/>
@@ -7733,7 +7733,7 @@
         <p:spPr>
           <a:xfrm>
             <a:off x="360000" y="360000"/>
-            <a:ext cx="9348120" cy="888120"/>
+            <a:ext cx="9347760" cy="887760"/>
           </a:xfrm>
           <a:prstGeom prst="rect">
             <a:avLst/>
@@ -7785,7 +7785,7 @@
         <p:spPr>
           <a:xfrm>
             <a:off x="360000" y="1980000"/>
-            <a:ext cx="9168120" cy="4668120"/>
+            <a:ext cx="9167760" cy="4667760"/>
           </a:xfrm>
           <a:prstGeom prst="rect">
             <a:avLst/>
@@ -7844,7 +7844,7 @@
         <p:spPr>
           <a:xfrm>
             <a:off x="897120" y="6886080"/>
-            <a:ext cx="6435360" cy="353160"/>
+            <a:ext cx="6435000" cy="352800"/>
           </a:xfrm>
           <a:prstGeom prst="rect">
             <a:avLst/>
@@ -7896,7 +7896,7 @@
         <p:spPr>
           <a:xfrm>
             <a:off x="7608600" y="6886080"/>
-            <a:ext cx="2273400" cy="353160"/>
+            <a:ext cx="2273040" cy="352800"/>
           </a:xfrm>
           <a:prstGeom prst="rect">
             <a:avLst/>
@@ -7948,7 +7948,7 @@
         <p:spPr>
           <a:xfrm>
             <a:off x="342360" y="1529280"/>
-            <a:ext cx="9374400" cy="5357880"/>
+            <a:ext cx="9374040" cy="5357520"/>
           </a:xfrm>
           <a:prstGeom prst="rect">
             <a:avLst/>
@@ -8465,7 +8465,7 @@
         <p:spPr>
           <a:xfrm>
             <a:off x="4680000" y="1725840"/>
-            <a:ext cx="3779280" cy="577440"/>
+            <a:ext cx="3778920" cy="577080"/>
           </a:xfrm>
           <a:prstGeom prst="rect">
             <a:avLst/>
@@ -8488,7 +8488,7 @@
         <p:spPr>
           <a:xfrm>
             <a:off x="4289040" y="2196000"/>
-            <a:ext cx="4710240" cy="750240"/>
+            <a:ext cx="4709880" cy="749880"/>
           </a:xfrm>
           <a:prstGeom prst="rect">
             <a:avLst/>
@@ -8511,7 +8511,7 @@
         <p:spPr>
           <a:xfrm>
             <a:off x="2223000" y="3456720"/>
-            <a:ext cx="5588280" cy="3299400"/>
+            <a:ext cx="5587920" cy="3299040"/>
           </a:xfrm>
           <a:prstGeom prst="rect">
             <a:avLst/>
@@ -8560,7 +8560,7 @@
         <p:spPr>
           <a:xfrm>
             <a:off x="360000" y="360000"/>
-            <a:ext cx="9348120" cy="888120"/>
+            <a:ext cx="9347760" cy="887760"/>
           </a:xfrm>
           <a:prstGeom prst="rect">
             <a:avLst/>
@@ -8612,7 +8612,7 @@
         <p:spPr>
           <a:xfrm>
             <a:off x="360000" y="1980000"/>
-            <a:ext cx="9168120" cy="4668120"/>
+            <a:ext cx="9167760" cy="4667760"/>
           </a:xfrm>
           <a:prstGeom prst="rect">
             <a:avLst/>
@@ -8671,7 +8671,7 @@
         <p:spPr>
           <a:xfrm>
             <a:off x="897120" y="6886080"/>
-            <a:ext cx="6435360" cy="353160"/>
+            <a:ext cx="6435000" cy="352800"/>
           </a:xfrm>
           <a:prstGeom prst="rect">
             <a:avLst/>
@@ -8723,7 +8723,7 @@
         <p:spPr>
           <a:xfrm>
             <a:off x="7608600" y="6886080"/>
-            <a:ext cx="2273400" cy="353160"/>
+            <a:ext cx="2273040" cy="352800"/>
           </a:xfrm>
           <a:prstGeom prst="rect">
             <a:avLst/>
@@ -8775,7 +8775,7 @@
         <p:spPr>
           <a:xfrm>
             <a:off x="342360" y="1529280"/>
-            <a:ext cx="9374400" cy="5357880"/>
+            <a:ext cx="9374040" cy="5357520"/>
           </a:xfrm>
           <a:prstGeom prst="rect">
             <a:avLst/>
@@ -9227,7 +9227,7 @@
         <p:spPr>
           <a:xfrm>
             <a:off x="900000" y="2404800"/>
-            <a:ext cx="7723800" cy="3894480"/>
+            <a:ext cx="7723440" cy="3894120"/>
           </a:xfrm>
           <a:prstGeom prst="rect">
             <a:avLst/>
@@ -9276,7 +9276,7 @@
         <p:spPr>
           <a:xfrm>
             <a:off x="360000" y="360000"/>
-            <a:ext cx="9348120" cy="888120"/>
+            <a:ext cx="9347760" cy="887760"/>
           </a:xfrm>
           <a:prstGeom prst="rect">
             <a:avLst/>
@@ -9328,7 +9328,7 @@
         <p:spPr>
           <a:xfrm>
             <a:off x="360000" y="1980000"/>
-            <a:ext cx="9168120" cy="4668120"/>
+            <a:ext cx="9167760" cy="4667760"/>
           </a:xfrm>
           <a:prstGeom prst="rect">
             <a:avLst/>
@@ -9387,7 +9387,7 @@
         <p:spPr>
           <a:xfrm>
             <a:off x="897120" y="6886080"/>
-            <a:ext cx="6435360" cy="353160"/>
+            <a:ext cx="6435000" cy="352800"/>
           </a:xfrm>
           <a:prstGeom prst="rect">
             <a:avLst/>
@@ -9439,7 +9439,7 @@
         <p:spPr>
           <a:xfrm>
             <a:off x="7608600" y="6886080"/>
-            <a:ext cx="2273400" cy="353160"/>
+            <a:ext cx="2273040" cy="352800"/>
           </a:xfrm>
           <a:prstGeom prst="rect">
             <a:avLst/>
@@ -9491,7 +9491,7 @@
         <p:spPr>
           <a:xfrm>
             <a:off x="342360" y="1529280"/>
-            <a:ext cx="9374400" cy="5357880"/>
+            <a:ext cx="9374040" cy="5357520"/>
           </a:xfrm>
           <a:prstGeom prst="rect">
             <a:avLst/>
@@ -10018,7 +10018,7 @@
         <p:spPr>
           <a:xfrm>
             <a:off x="408600" y="3585960"/>
-            <a:ext cx="8770680" cy="2353320"/>
+            <a:ext cx="8770320" cy="2352960"/>
           </a:xfrm>
           <a:prstGeom prst="rect">
             <a:avLst/>
@@ -10067,7 +10067,7 @@
         <p:spPr>
           <a:xfrm>
             <a:off x="360000" y="360000"/>
-            <a:ext cx="9348120" cy="888120"/>
+            <a:ext cx="9347760" cy="887760"/>
           </a:xfrm>
           <a:prstGeom prst="rect">
             <a:avLst/>
@@ -10119,7 +10119,7 @@
         <p:spPr>
           <a:xfrm>
             <a:off x="360000" y="1980000"/>
-            <a:ext cx="9168120" cy="4668120"/>
+            <a:ext cx="9167760" cy="4667760"/>
           </a:xfrm>
           <a:prstGeom prst="rect">
             <a:avLst/>
@@ -10178,7 +10178,7 @@
         <p:spPr>
           <a:xfrm>
             <a:off x="897120" y="6886080"/>
-            <a:ext cx="6435360" cy="353160"/>
+            <a:ext cx="6435000" cy="352800"/>
           </a:xfrm>
           <a:prstGeom prst="rect">
             <a:avLst/>
@@ -10230,7 +10230,7 @@
         <p:spPr>
           <a:xfrm>
             <a:off x="7608600" y="6886080"/>
-            <a:ext cx="2273400" cy="353160"/>
+            <a:ext cx="2273040" cy="352800"/>
           </a:xfrm>
           <a:prstGeom prst="rect">
             <a:avLst/>
@@ -10282,7 +10282,7 @@
         <p:spPr>
           <a:xfrm>
             <a:off x="342360" y="1529280"/>
-            <a:ext cx="9374400" cy="5357880"/>
+            <a:ext cx="9374040" cy="5357520"/>
           </a:xfrm>
           <a:prstGeom prst="rect">
             <a:avLst/>
@@ -10884,7 +10884,7 @@
         <p:spPr>
           <a:xfrm>
             <a:off x="3240000" y="867960"/>
-            <a:ext cx="5939280" cy="3271320"/>
+            <a:ext cx="5938920" cy="3270960"/>
           </a:xfrm>
           <a:prstGeom prst="rect">
             <a:avLst/>
@@ -10907,7 +10907,7 @@
         <p:spPr>
           <a:xfrm>
             <a:off x="360000" y="3960000"/>
-            <a:ext cx="5651280" cy="2688120"/>
+            <a:ext cx="5650920" cy="2687760"/>
           </a:xfrm>
           <a:prstGeom prst="rect">
             <a:avLst/>
@@ -10960,7 +10960,7 @@
         <p:spPr>
           <a:xfrm>
             <a:off x="342360" y="3780000"/>
-            <a:ext cx="6299280" cy="2875680"/>
+            <a:ext cx="6298920" cy="2875320"/>
           </a:xfrm>
           <a:prstGeom prst="rect">
             <a:avLst/>
@@ -10979,7 +10979,7 @@
         <p:spPr>
           <a:xfrm>
             <a:off x="360000" y="360000"/>
-            <a:ext cx="9348120" cy="888120"/>
+            <a:ext cx="9347760" cy="887760"/>
           </a:xfrm>
           <a:prstGeom prst="rect">
             <a:avLst/>
@@ -11031,7 +11031,7 @@
         <p:spPr>
           <a:xfrm>
             <a:off x="360000" y="1980000"/>
-            <a:ext cx="9168120" cy="4668120"/>
+            <a:ext cx="9167760" cy="4667760"/>
           </a:xfrm>
           <a:prstGeom prst="rect">
             <a:avLst/>
@@ -11090,7 +11090,7 @@
         <p:spPr>
           <a:xfrm>
             <a:off x="897120" y="6886080"/>
-            <a:ext cx="6435360" cy="353160"/>
+            <a:ext cx="6435000" cy="352800"/>
           </a:xfrm>
           <a:prstGeom prst="rect">
             <a:avLst/>
@@ -11142,7 +11142,7 @@
         <p:spPr>
           <a:xfrm>
             <a:off x="7608600" y="6886080"/>
-            <a:ext cx="2273400" cy="353160"/>
+            <a:ext cx="2273040" cy="352800"/>
           </a:xfrm>
           <a:prstGeom prst="rect">
             <a:avLst/>
@@ -11194,7 +11194,7 @@
         <p:spPr>
           <a:xfrm>
             <a:off x="342360" y="1529280"/>
-            <a:ext cx="9374400" cy="5357880"/>
+            <a:ext cx="9374040" cy="5357520"/>
           </a:xfrm>
           <a:prstGeom prst="rect">
             <a:avLst/>
@@ -11774,7 +11774,7 @@
         <p:spPr>
           <a:xfrm>
             <a:off x="3361680" y="900000"/>
-            <a:ext cx="6166440" cy="3487320"/>
+            <a:ext cx="6166080" cy="3486960"/>
           </a:xfrm>
           <a:prstGeom prst="rect">
             <a:avLst/>
@@ -11823,7 +11823,7 @@
         <p:spPr>
           <a:xfrm>
             <a:off x="360000" y="360000"/>
-            <a:ext cx="9348120" cy="888120"/>
+            <a:ext cx="9347760" cy="887760"/>
           </a:xfrm>
           <a:prstGeom prst="rect">
             <a:avLst/>
@@ -11875,7 +11875,7 @@
         <p:spPr>
           <a:xfrm>
             <a:off x="360000" y="1980000"/>
-            <a:ext cx="9168120" cy="4668120"/>
+            <a:ext cx="9167760" cy="4667760"/>
           </a:xfrm>
           <a:prstGeom prst="rect">
             <a:avLst/>
@@ -11934,7 +11934,7 @@
         <p:spPr>
           <a:xfrm>
             <a:off x="897120" y="6886080"/>
-            <a:ext cx="6435360" cy="353160"/>
+            <a:ext cx="6435000" cy="352800"/>
           </a:xfrm>
           <a:prstGeom prst="rect">
             <a:avLst/>
@@ -11986,7 +11986,7 @@
         <p:spPr>
           <a:xfrm>
             <a:off x="7608600" y="6886080"/>
-            <a:ext cx="2273400" cy="353160"/>
+            <a:ext cx="2273040" cy="352800"/>
           </a:xfrm>
           <a:prstGeom prst="rect">
             <a:avLst/>
@@ -12038,7 +12038,7 @@
         <p:spPr>
           <a:xfrm>
             <a:off x="342360" y="1529280"/>
-            <a:ext cx="9374400" cy="5357880"/>
+            <a:ext cx="9374040" cy="5357520"/>
           </a:xfrm>
           <a:prstGeom prst="rect">
             <a:avLst/>
@@ -12513,7 +12513,7 @@
         <p:spPr>
           <a:xfrm>
             <a:off x="2160000" y="2038680"/>
-            <a:ext cx="5857560" cy="4260600"/>
+            <a:ext cx="5857200" cy="4260240"/>
           </a:xfrm>
           <a:prstGeom prst="rect">
             <a:avLst/>
@@ -12562,7 +12562,7 @@
         <p:spPr>
           <a:xfrm>
             <a:off x="360000" y="360000"/>
-            <a:ext cx="9348120" cy="888120"/>
+            <a:ext cx="9347760" cy="887760"/>
           </a:xfrm>
           <a:prstGeom prst="rect">
             <a:avLst/>
@@ -12614,7 +12614,7 @@
         <p:spPr>
           <a:xfrm>
             <a:off x="360000" y="1980000"/>
-            <a:ext cx="9168120" cy="4668120"/>
+            <a:ext cx="9167760" cy="4667760"/>
           </a:xfrm>
           <a:prstGeom prst="rect">
             <a:avLst/>
@@ -12673,7 +12673,7 @@
         <p:spPr>
           <a:xfrm>
             <a:off x="897120" y="6886080"/>
-            <a:ext cx="6435360" cy="353160"/>
+            <a:ext cx="6435000" cy="352800"/>
           </a:xfrm>
           <a:prstGeom prst="rect">
             <a:avLst/>
@@ -12725,7 +12725,7 @@
         <p:spPr>
           <a:xfrm>
             <a:off x="7608600" y="6886080"/>
-            <a:ext cx="2273400" cy="353160"/>
+            <a:ext cx="2273040" cy="352800"/>
           </a:xfrm>
           <a:prstGeom prst="rect">
             <a:avLst/>
@@ -12777,7 +12777,7 @@
         <p:spPr>
           <a:xfrm>
             <a:off x="342360" y="1529280"/>
-            <a:ext cx="9374400" cy="5357880"/>
+            <a:ext cx="9374040" cy="5357520"/>
           </a:xfrm>
           <a:prstGeom prst="rect">
             <a:avLst/>
@@ -13248,7 +13248,7 @@
         <p:spPr>
           <a:xfrm>
             <a:off x="159840" y="1475280"/>
-            <a:ext cx="9374400" cy="5357880"/>
+            <a:ext cx="9374040" cy="5357520"/>
           </a:xfrm>
           <a:prstGeom prst="rect">
             <a:avLst/>
@@ -13831,7 +13831,7 @@
         <p:spPr>
           <a:xfrm>
             <a:off x="2520000" y="2207160"/>
-            <a:ext cx="4319280" cy="1932120"/>
+            <a:ext cx="4318920" cy="1931760"/>
           </a:xfrm>
           <a:prstGeom prst="rect">
             <a:avLst/>
@@ -13854,7 +13854,7 @@
         <p:spPr>
           <a:xfrm>
             <a:off x="2551680" y="4696200"/>
-            <a:ext cx="4287600" cy="1933560"/>
+            <a:ext cx="4287240" cy="1933200"/>
           </a:xfrm>
           <a:prstGeom prst="rect">
             <a:avLst/>
@@ -13903,7 +13903,7 @@
         <p:spPr>
           <a:xfrm>
             <a:off x="360000" y="360000"/>
-            <a:ext cx="9348120" cy="888120"/>
+            <a:ext cx="9347760" cy="887760"/>
           </a:xfrm>
           <a:prstGeom prst="rect">
             <a:avLst/>
@@ -13955,7 +13955,7 @@
         <p:spPr>
           <a:xfrm>
             <a:off x="360000" y="1980000"/>
-            <a:ext cx="9168120" cy="4668120"/>
+            <a:ext cx="9167760" cy="4667760"/>
           </a:xfrm>
           <a:prstGeom prst="rect">
             <a:avLst/>
@@ -14014,7 +14014,7 @@
         <p:spPr>
           <a:xfrm>
             <a:off x="897120" y="6886080"/>
-            <a:ext cx="6435360" cy="353160"/>
+            <a:ext cx="6435000" cy="352800"/>
           </a:xfrm>
           <a:prstGeom prst="rect">
             <a:avLst/>
@@ -14066,7 +14066,7 @@
         <p:spPr>
           <a:xfrm>
             <a:off x="7608600" y="6886080"/>
-            <a:ext cx="2273400" cy="353160"/>
+            <a:ext cx="2273040" cy="352800"/>
           </a:xfrm>
           <a:prstGeom prst="rect">
             <a:avLst/>
@@ -14118,7 +14118,7 @@
         <p:spPr>
           <a:xfrm>
             <a:off x="342360" y="1529280"/>
-            <a:ext cx="9374400" cy="5357880"/>
+            <a:ext cx="9374040" cy="5357520"/>
           </a:xfrm>
           <a:prstGeom prst="rect">
             <a:avLst/>
@@ -14589,7 +14589,7 @@
         <p:spPr>
           <a:xfrm>
             <a:off x="159840" y="1475280"/>
-            <a:ext cx="9374400" cy="5357880"/>
+            <a:ext cx="9374040" cy="5357520"/>
           </a:xfrm>
           <a:prstGeom prst="rect">
             <a:avLst/>
@@ -15162,7 +15162,7 @@
         <p:spPr>
           <a:xfrm>
             <a:off x="3056400" y="2592360"/>
-            <a:ext cx="4046400" cy="3646440"/>
+            <a:ext cx="4046040" cy="3646080"/>
           </a:xfrm>
           <a:prstGeom prst="rect">
             <a:avLst/>
@@ -15211,7 +15211,7 @@
         <p:spPr>
           <a:xfrm>
             <a:off x="360000" y="360000"/>
-            <a:ext cx="9348120" cy="888120"/>
+            <a:ext cx="9347760" cy="887760"/>
           </a:xfrm>
           <a:prstGeom prst="rect">
             <a:avLst/>
@@ -15263,7 +15263,7 @@
         <p:spPr>
           <a:xfrm>
             <a:off x="360000" y="1980000"/>
-            <a:ext cx="9168120" cy="4668120"/>
+            <a:ext cx="9167760" cy="4667760"/>
           </a:xfrm>
           <a:prstGeom prst="rect">
             <a:avLst/>
@@ -15322,7 +15322,7 @@
         <p:spPr>
           <a:xfrm>
             <a:off x="897120" y="6886080"/>
-            <a:ext cx="6435360" cy="353160"/>
+            <a:ext cx="6435000" cy="352800"/>
           </a:xfrm>
           <a:prstGeom prst="rect">
             <a:avLst/>
@@ -15374,7 +15374,7 @@
         <p:spPr>
           <a:xfrm>
             <a:off x="7608600" y="6886080"/>
-            <a:ext cx="2273400" cy="353160"/>
+            <a:ext cx="2273040" cy="352800"/>
           </a:xfrm>
           <a:prstGeom prst="rect">
             <a:avLst/>
@@ -15426,7 +15426,7 @@
         <p:spPr>
           <a:xfrm>
             <a:off x="342360" y="1529280"/>
-            <a:ext cx="9374400" cy="5357880"/>
+            <a:ext cx="9374040" cy="5357520"/>
           </a:xfrm>
           <a:prstGeom prst="rect">
             <a:avLst/>
@@ -15897,7 +15897,7 @@
         <p:spPr>
           <a:xfrm>
             <a:off x="159840" y="1475280"/>
-            <a:ext cx="9374400" cy="5357880"/>
+            <a:ext cx="9374040" cy="5357520"/>
           </a:xfrm>
           <a:prstGeom prst="rect">
             <a:avLst/>
@@ -16594,7 +16594,7 @@
         <p:spPr>
           <a:xfrm>
             <a:off x="360000" y="360000"/>
-            <a:ext cx="9348120" cy="888120"/>
+            <a:ext cx="9347760" cy="887760"/>
           </a:xfrm>
           <a:prstGeom prst="rect">
             <a:avLst/>
@@ -16646,7 +16646,7 @@
         <p:spPr>
           <a:xfrm>
             <a:off x="360000" y="1980000"/>
-            <a:ext cx="9168120" cy="4668120"/>
+            <a:ext cx="9167760" cy="4667760"/>
           </a:xfrm>
           <a:prstGeom prst="rect">
             <a:avLst/>
@@ -16681,16 +16681,6 @@
               <a:buFont typeface="Wingdings" charset="2"/>
               <a:buChar char=""/>
             </a:pPr>
-            <a:r>
-              <a:rPr b="0" lang="pt-BR" sz="1600" spc="-1" strike="noStrike">
-                <a:solidFill>
-                  <a:srgbClr val="1c1c1c"/>
-                </a:solidFill>
-                <a:latin typeface="Latin Modern Sans"/>
-                <a:ea typeface="DejaVu Sans"/>
-              </a:rPr>
-              <a:t>Revisão Avaliação 1</a:t>
-            </a:r>
             <a:endParaRPr b="0" lang="pt-BR" sz="1600" spc="-1" strike="noStrike">
               <a:latin typeface="Arial"/>
             </a:endParaRPr>
@@ -16778,7 +16768,7 @@
         <p:spPr>
           <a:xfrm>
             <a:off x="897120" y="6886080"/>
-            <a:ext cx="6435360" cy="353160"/>
+            <a:ext cx="6435000" cy="352800"/>
           </a:xfrm>
           <a:prstGeom prst="rect">
             <a:avLst/>
@@ -16830,7 +16820,7 @@
         <p:spPr>
           <a:xfrm>
             <a:off x="7608600" y="6886080"/>
-            <a:ext cx="2273400" cy="353160"/>
+            <a:ext cx="2273040" cy="352800"/>
           </a:xfrm>
           <a:prstGeom prst="rect">
             <a:avLst/>
@@ -16882,7 +16872,7 @@
         <p:spPr>
           <a:xfrm>
             <a:off x="2520360" y="5508360"/>
-            <a:ext cx="262800" cy="262800"/>
+            <a:ext cx="262440" cy="262440"/>
           </a:xfrm>
           <a:prstGeom prst="ellipse">
             <a:avLst/>
@@ -16912,7 +16902,7 @@
         <p:spPr>
           <a:xfrm>
             <a:off x="2052360" y="5508360"/>
-            <a:ext cx="262800" cy="262800"/>
+            <a:ext cx="262440" cy="262440"/>
           </a:xfrm>
           <a:prstGeom prst="ellipse">
             <a:avLst/>
@@ -16942,7 +16932,7 @@
         <p:spPr>
           <a:xfrm>
             <a:off x="2988720" y="5508360"/>
-            <a:ext cx="262800" cy="262800"/>
+            <a:ext cx="262440" cy="262440"/>
           </a:xfrm>
           <a:prstGeom prst="ellipse">
             <a:avLst/>
@@ -16976,7 +16966,7 @@
         <p:spPr>
           <a:xfrm>
             <a:off x="1523880" y="3819240"/>
-            <a:ext cx="7425000" cy="2214720"/>
+            <a:ext cx="7424640" cy="2214360"/>
           </a:xfrm>
           <a:prstGeom prst="rect">
             <a:avLst/>
@@ -16999,7 +16989,7 @@
         <p:spPr>
           <a:xfrm>
             <a:off x="3254760" y="5589720"/>
-            <a:ext cx="415440" cy="444240"/>
+            <a:ext cx="415080" cy="443880"/>
           </a:xfrm>
           <a:prstGeom prst="rect">
             <a:avLst/>
@@ -17048,7 +17038,7 @@
         <p:spPr>
           <a:xfrm>
             <a:off x="360000" y="360000"/>
-            <a:ext cx="9348120" cy="888120"/>
+            <a:ext cx="9347760" cy="887760"/>
           </a:xfrm>
           <a:prstGeom prst="rect">
             <a:avLst/>
@@ -17100,7 +17090,7 @@
         <p:spPr>
           <a:xfrm>
             <a:off x="360000" y="1980000"/>
-            <a:ext cx="9168120" cy="4668120"/>
+            <a:ext cx="9167760" cy="4667760"/>
           </a:xfrm>
           <a:prstGeom prst="rect">
             <a:avLst/>
@@ -17159,7 +17149,7 @@
         <p:spPr>
           <a:xfrm>
             <a:off x="897120" y="6886080"/>
-            <a:ext cx="6435360" cy="353160"/>
+            <a:ext cx="6435000" cy="352800"/>
           </a:xfrm>
           <a:prstGeom prst="rect">
             <a:avLst/>
@@ -17211,7 +17201,7 @@
         <p:spPr>
           <a:xfrm>
             <a:off x="7608600" y="6886080"/>
-            <a:ext cx="2273400" cy="353160"/>
+            <a:ext cx="2273040" cy="352800"/>
           </a:xfrm>
           <a:prstGeom prst="rect">
             <a:avLst/>
@@ -17263,7 +17253,7 @@
         <p:spPr>
           <a:xfrm>
             <a:off x="342360" y="1529280"/>
-            <a:ext cx="9374400" cy="5357880"/>
+            <a:ext cx="9374040" cy="5357520"/>
           </a:xfrm>
           <a:prstGeom prst="rect">
             <a:avLst/>
@@ -17658,7 +17648,7 @@
         <p:spPr>
           <a:xfrm>
             <a:off x="2004480" y="2880000"/>
-            <a:ext cx="6094800" cy="3047040"/>
+            <a:ext cx="6094440" cy="3046680"/>
           </a:xfrm>
           <a:prstGeom prst="rect">
             <a:avLst/>
@@ -17707,7 +17697,7 @@
         <p:spPr>
           <a:xfrm>
             <a:off x="360000" y="360000"/>
-            <a:ext cx="9348120" cy="888120"/>
+            <a:ext cx="9347760" cy="887760"/>
           </a:xfrm>
           <a:prstGeom prst="rect">
             <a:avLst/>
@@ -17759,7 +17749,7 @@
         <p:spPr>
           <a:xfrm>
             <a:off x="360000" y="1980000"/>
-            <a:ext cx="9168120" cy="4668120"/>
+            <a:ext cx="9167760" cy="4667760"/>
           </a:xfrm>
           <a:prstGeom prst="rect">
             <a:avLst/>
@@ -17818,7 +17808,7 @@
         <p:spPr>
           <a:xfrm>
             <a:off x="897120" y="6886080"/>
-            <a:ext cx="6435360" cy="353160"/>
+            <a:ext cx="6435000" cy="352800"/>
           </a:xfrm>
           <a:prstGeom prst="rect">
             <a:avLst/>
@@ -17870,7 +17860,7 @@
         <p:spPr>
           <a:xfrm>
             <a:off x="7608600" y="6886080"/>
-            <a:ext cx="2273400" cy="353160"/>
+            <a:ext cx="2273040" cy="352800"/>
           </a:xfrm>
           <a:prstGeom prst="rect">
             <a:avLst/>
@@ -17922,7 +17912,7 @@
         <p:spPr>
           <a:xfrm>
             <a:off x="342360" y="1529280"/>
-            <a:ext cx="9374400" cy="5357880"/>
+            <a:ext cx="9374040" cy="5357520"/>
           </a:xfrm>
           <a:prstGeom prst="rect">
             <a:avLst/>
@@ -18415,7 +18405,7 @@
         <p:spPr>
           <a:xfrm>
             <a:off x="2880000" y="3060000"/>
-            <a:ext cx="5630400" cy="2929680"/>
+            <a:ext cx="5630040" cy="2929320"/>
           </a:xfrm>
           <a:prstGeom prst="rect">
             <a:avLst/>
@@ -18464,7 +18454,7 @@
         <p:spPr>
           <a:xfrm>
             <a:off x="360000" y="360000"/>
-            <a:ext cx="9348120" cy="888120"/>
+            <a:ext cx="9347760" cy="887760"/>
           </a:xfrm>
           <a:prstGeom prst="rect">
             <a:avLst/>
@@ -18516,7 +18506,7 @@
         <p:spPr>
           <a:xfrm>
             <a:off x="360000" y="1980000"/>
-            <a:ext cx="9168120" cy="4668120"/>
+            <a:ext cx="9167760" cy="4667760"/>
           </a:xfrm>
           <a:prstGeom prst="rect">
             <a:avLst/>
@@ -18575,7 +18565,7 @@
         <p:spPr>
           <a:xfrm>
             <a:off x="897120" y="6886080"/>
-            <a:ext cx="6435360" cy="353160"/>
+            <a:ext cx="6435000" cy="352800"/>
           </a:xfrm>
           <a:prstGeom prst="rect">
             <a:avLst/>
@@ -18627,7 +18617,7 @@
         <p:spPr>
           <a:xfrm>
             <a:off x="7608600" y="6886080"/>
-            <a:ext cx="2273400" cy="353160"/>
+            <a:ext cx="2273040" cy="352800"/>
           </a:xfrm>
           <a:prstGeom prst="rect">
             <a:avLst/>
@@ -18679,7 +18669,7 @@
         <p:spPr>
           <a:xfrm>
             <a:off x="342360" y="1529280"/>
-            <a:ext cx="9374400" cy="5357880"/>
+            <a:ext cx="9374040" cy="5357520"/>
           </a:xfrm>
           <a:prstGeom prst="rect">
             <a:avLst/>
@@ -19219,7 +19209,7 @@
         <p:spPr>
           <a:xfrm>
             <a:off x="360000" y="2700000"/>
-            <a:ext cx="4370040" cy="2447280"/>
+            <a:ext cx="4369680" cy="2446920"/>
           </a:xfrm>
           <a:prstGeom prst="rect">
             <a:avLst/>
@@ -19242,7 +19232,7 @@
         <p:spPr>
           <a:xfrm>
             <a:off x="4860000" y="2532600"/>
-            <a:ext cx="4679280" cy="2866680"/>
+            <a:ext cx="4678920" cy="2866320"/>
           </a:xfrm>
           <a:prstGeom prst="rect">
             <a:avLst/>
@@ -19291,7 +19281,7 @@
         <p:spPr>
           <a:xfrm>
             <a:off x="360000" y="360000"/>
-            <a:ext cx="9348120" cy="888120"/>
+            <a:ext cx="9347760" cy="887760"/>
           </a:xfrm>
           <a:prstGeom prst="rect">
             <a:avLst/>
@@ -19343,7 +19333,7 @@
         <p:spPr>
           <a:xfrm>
             <a:off x="360000" y="1980000"/>
-            <a:ext cx="9168120" cy="4668120"/>
+            <a:ext cx="9167760" cy="4667760"/>
           </a:xfrm>
           <a:prstGeom prst="rect">
             <a:avLst/>
@@ -19402,7 +19392,7 @@
         <p:spPr>
           <a:xfrm>
             <a:off x="897120" y="6886080"/>
-            <a:ext cx="6435360" cy="353160"/>
+            <a:ext cx="6435000" cy="352800"/>
           </a:xfrm>
           <a:prstGeom prst="rect">
             <a:avLst/>
@@ -19454,7 +19444,7 @@
         <p:spPr>
           <a:xfrm>
             <a:off x="7608600" y="6886080"/>
-            <a:ext cx="2273400" cy="353160"/>
+            <a:ext cx="2273040" cy="352800"/>
           </a:xfrm>
           <a:prstGeom prst="rect">
             <a:avLst/>
@@ -19506,7 +19496,7 @@
         <p:spPr>
           <a:xfrm>
             <a:off x="342360" y="1529280"/>
-            <a:ext cx="9374400" cy="5357880"/>
+            <a:ext cx="9374040" cy="5357520"/>
           </a:xfrm>
           <a:prstGeom prst="rect">
             <a:avLst/>
@@ -20077,7 +20067,7 @@
         <p:spPr>
           <a:xfrm>
             <a:off x="4140000" y="2103120"/>
-            <a:ext cx="5437800" cy="4628160"/>
+            <a:ext cx="5437440" cy="4627800"/>
           </a:xfrm>
           <a:prstGeom prst="rect">
             <a:avLst/>
@@ -20100,7 +20090,7 @@
         <p:spPr>
           <a:xfrm>
             <a:off x="540000" y="2700000"/>
-            <a:ext cx="1770480" cy="703800"/>
+            <a:ext cx="1770120" cy="703440"/>
           </a:xfrm>
           <a:prstGeom prst="rect">
             <a:avLst/>
@@ -20123,7 +20113,7 @@
         <p:spPr>
           <a:xfrm>
             <a:off x="540000" y="4140000"/>
-            <a:ext cx="2570760" cy="713160"/>
+            <a:ext cx="2570400" cy="712800"/>
           </a:xfrm>
           <a:prstGeom prst="rect">
             <a:avLst/>
@@ -20147,7 +20137,7 @@
         <p:spPr>
           <a:xfrm>
             <a:off x="7457040" y="4140000"/>
-            <a:ext cx="2209680" cy="909720"/>
+            <a:ext cx="2209320" cy="909360"/>
           </a:xfrm>
           <a:prstGeom prst="rect">
             <a:avLst/>
@@ -20196,7 +20186,7 @@
         <p:spPr>
           <a:xfrm>
             <a:off x="360000" y="360000"/>
-            <a:ext cx="9348120" cy="888120"/>
+            <a:ext cx="9347760" cy="887760"/>
           </a:xfrm>
           <a:prstGeom prst="rect">
             <a:avLst/>
@@ -20248,7 +20238,7 @@
         <p:spPr>
           <a:xfrm>
             <a:off x="360000" y="1980000"/>
-            <a:ext cx="9168120" cy="4668120"/>
+            <a:ext cx="9167760" cy="4667760"/>
           </a:xfrm>
           <a:prstGeom prst="rect">
             <a:avLst/>
@@ -20307,7 +20297,7 @@
         <p:spPr>
           <a:xfrm>
             <a:off x="897120" y="6886080"/>
-            <a:ext cx="6435360" cy="353160"/>
+            <a:ext cx="6435000" cy="352800"/>
           </a:xfrm>
           <a:prstGeom prst="rect">
             <a:avLst/>
@@ -20359,7 +20349,7 @@
         <p:spPr>
           <a:xfrm>
             <a:off x="7608600" y="6886080"/>
-            <a:ext cx="2273400" cy="353160"/>
+            <a:ext cx="2273040" cy="352800"/>
           </a:xfrm>
           <a:prstGeom prst="rect">
             <a:avLst/>
@@ -20411,7 +20401,7 @@
         <p:spPr>
           <a:xfrm>
             <a:off x="342360" y="1529280"/>
-            <a:ext cx="9374400" cy="5357880"/>
+            <a:ext cx="9374040" cy="5357520"/>
           </a:xfrm>
           <a:prstGeom prst="rect">
             <a:avLst/>
@@ -20906,7 +20896,7 @@
         <p:spPr>
           <a:xfrm>
             <a:off x="500040" y="2880000"/>
-            <a:ext cx="2559240" cy="1439280"/>
+            <a:ext cx="2558880" cy="1438920"/>
           </a:xfrm>
           <a:prstGeom prst="rect">
             <a:avLst/>
@@ -22643,7 +22633,7 @@
         <p:spPr>
           <a:xfrm>
             <a:off x="360000" y="360000"/>
-            <a:ext cx="9348120" cy="888120"/>
+            <a:ext cx="9347760" cy="887760"/>
           </a:xfrm>
           <a:prstGeom prst="rect">
             <a:avLst/>
@@ -22695,7 +22685,7 @@
         <p:spPr>
           <a:xfrm>
             <a:off x="360000" y="1980000"/>
-            <a:ext cx="9168120" cy="4668120"/>
+            <a:ext cx="9167760" cy="4667760"/>
           </a:xfrm>
           <a:prstGeom prst="rect">
             <a:avLst/>
@@ -22754,7 +22744,7 @@
         <p:spPr>
           <a:xfrm>
             <a:off x="897120" y="6886080"/>
-            <a:ext cx="6435360" cy="353160"/>
+            <a:ext cx="6435000" cy="352800"/>
           </a:xfrm>
           <a:prstGeom prst="rect">
             <a:avLst/>
@@ -22806,7 +22796,7 @@
         <p:spPr>
           <a:xfrm>
             <a:off x="7608600" y="6886080"/>
-            <a:ext cx="2273400" cy="353160"/>
+            <a:ext cx="2273040" cy="352800"/>
           </a:xfrm>
           <a:prstGeom prst="rect">
             <a:avLst/>
@@ -22858,7 +22848,7 @@
         <p:spPr>
           <a:xfrm>
             <a:off x="342360" y="1529280"/>
-            <a:ext cx="9374400" cy="5357880"/>
+            <a:ext cx="9374040" cy="5357520"/>
           </a:xfrm>
           <a:prstGeom prst="rect">
             <a:avLst/>
@@ -23289,7 +23279,7 @@
         <p:spPr>
           <a:xfrm>
             <a:off x="180000" y="2160000"/>
-            <a:ext cx="4679280" cy="3255120"/>
+            <a:ext cx="4678920" cy="3254760"/>
           </a:xfrm>
           <a:prstGeom prst="rect">
             <a:avLst/>
@@ -23312,7 +23302,7 @@
         <p:spPr>
           <a:xfrm>
             <a:off x="5299560" y="2520000"/>
-            <a:ext cx="4059720" cy="2801160"/>
+            <a:ext cx="4059360" cy="2800800"/>
           </a:xfrm>
           <a:prstGeom prst="rect">
             <a:avLst/>
@@ -23361,7 +23351,7 @@
         <p:spPr>
           <a:xfrm>
             <a:off x="360000" y="360000"/>
-            <a:ext cx="9348120" cy="888120"/>
+            <a:ext cx="9347760" cy="887760"/>
           </a:xfrm>
           <a:prstGeom prst="rect">
             <a:avLst/>
@@ -23413,7 +23403,7 @@
         <p:spPr>
           <a:xfrm>
             <a:off x="360000" y="1980000"/>
-            <a:ext cx="9168120" cy="4668120"/>
+            <a:ext cx="9167760" cy="4667760"/>
           </a:xfrm>
           <a:prstGeom prst="rect">
             <a:avLst/>
@@ -23472,7 +23462,7 @@
         <p:spPr>
           <a:xfrm>
             <a:off x="897120" y="6886080"/>
-            <a:ext cx="6435360" cy="353160"/>
+            <a:ext cx="6435000" cy="352800"/>
           </a:xfrm>
           <a:prstGeom prst="rect">
             <a:avLst/>
@@ -23524,7 +23514,7 @@
         <p:spPr>
           <a:xfrm>
             <a:off x="7608600" y="6886080"/>
-            <a:ext cx="2273400" cy="353160"/>
+            <a:ext cx="2273040" cy="352800"/>
           </a:xfrm>
           <a:prstGeom prst="rect">
             <a:avLst/>
@@ -23576,7 +23566,7 @@
         <p:spPr>
           <a:xfrm>
             <a:off x="342360" y="1529280"/>
-            <a:ext cx="9374400" cy="5357880"/>
+            <a:ext cx="9374040" cy="5357520"/>
           </a:xfrm>
           <a:prstGeom prst="rect">
             <a:avLst/>
@@ -24039,7 +24029,7 @@
         <p:spPr>
           <a:xfrm>
             <a:off x="1260000" y="2520000"/>
-            <a:ext cx="7360200" cy="3599280"/>
+            <a:ext cx="7359840" cy="3598920"/>
           </a:xfrm>
           <a:prstGeom prst="rect">
             <a:avLst/>

--- a/AprendizadoMaquina/Tópico 02 - Aprendizado Supervisionado/06 - Regressão/Tópico 02 - Aprendizado-Supervisionado - Regressao.pptx
+++ b/AprendizadoMaquina/Tópico 02 - Aprendizado Supervisionado/06 - Regressão/Tópico 02 - Aprendizado-Supervisionado - Regressao.pptx
@@ -86,49 +86,7 @@
               <a:rPr b="0" lang="pt-BR" sz="4400" spc="-1" strike="noStrike">
                 <a:latin typeface="Arial"/>
               </a:rPr>
-              <a:t>Cli</a:t>
-            </a:r>
-            <a:r>
-              <a:rPr b="0" lang="pt-BR" sz="4400" spc="-1" strike="noStrike">
-                <a:latin typeface="Arial"/>
-              </a:rPr>
-              <a:t>ck </a:t>
-            </a:r>
-            <a:r>
-              <a:rPr b="0" lang="pt-BR" sz="4400" spc="-1" strike="noStrike">
-                <a:latin typeface="Arial"/>
-              </a:rPr>
-              <a:t>to </a:t>
-            </a:r>
-            <a:r>
-              <a:rPr b="0" lang="pt-BR" sz="4400" spc="-1" strike="noStrike">
-                <a:latin typeface="Arial"/>
-              </a:rPr>
-              <a:t>mo</a:t>
-            </a:r>
-            <a:r>
-              <a:rPr b="0" lang="pt-BR" sz="4400" spc="-1" strike="noStrike">
-                <a:latin typeface="Arial"/>
-              </a:rPr>
-              <a:t>ve </a:t>
-            </a:r>
-            <a:r>
-              <a:rPr b="0" lang="pt-BR" sz="4400" spc="-1" strike="noStrike">
-                <a:latin typeface="Arial"/>
-              </a:rPr>
-              <a:t>the </a:t>
-            </a:r>
-            <a:r>
-              <a:rPr b="0" lang="pt-BR" sz="4400" spc="-1" strike="noStrike">
-                <a:latin typeface="Arial"/>
-              </a:rPr>
-              <a:t>slid</a:t>
-            </a:r>
-            <a:r>
-              <a:rPr b="0" lang="pt-BR" sz="4400" spc="-1" strike="noStrike">
-                <a:latin typeface="Arial"/>
-              </a:rPr>
-              <a:t>e</a:t>
+              <a:t>Click to move the slide</a:t>
             </a:r>
             <a:endParaRPr b="0" lang="pt-BR" sz="4400" spc="-1" strike="noStrike">
               <a:latin typeface="Arial"/>
@@ -168,37 +126,7 @@
               <a:rPr b="0" lang="pt-BR" sz="2000" spc="-1" strike="noStrike">
                 <a:latin typeface="Arial"/>
               </a:rPr>
-              <a:t>Click to </a:t>
-            </a:r>
-            <a:r>
-              <a:rPr b="0" lang="pt-BR" sz="2000" spc="-1" strike="noStrike">
-                <a:latin typeface="Arial"/>
-              </a:rPr>
-              <a:t>edit </a:t>
-            </a:r>
-            <a:r>
-              <a:rPr b="0" lang="pt-BR" sz="2000" spc="-1" strike="noStrike">
-                <a:latin typeface="Arial"/>
-              </a:rPr>
-              <a:t>the </a:t>
-            </a:r>
-            <a:r>
-              <a:rPr b="0" lang="pt-BR" sz="2000" spc="-1" strike="noStrike">
-                <a:latin typeface="Arial"/>
-              </a:rPr>
-              <a:t>notes </a:t>
-            </a:r>
-            <a:r>
-              <a:rPr b="0" lang="pt-BR" sz="2000" spc="-1" strike="noStrike">
-                <a:latin typeface="Arial"/>
-              </a:rPr>
-              <a:t>form</a:t>
-            </a:r>
-            <a:r>
-              <a:rPr b="0" lang="pt-BR" sz="2000" spc="-1" strike="noStrike">
-                <a:latin typeface="Arial"/>
-              </a:rPr>
-              <a:t>at</a:t>
+              <a:t>Click to edit the notes format</a:t>
             </a:r>
             <a:endParaRPr b="0" lang="pt-BR" sz="2000" spc="-1" strike="noStrike">
               <a:latin typeface="Arial"/>
@@ -383,7 +311,7 @@
             <a:pPr algn="r">
               <a:buNone/>
             </a:pPr>
-            <a:fld id="{B7D95C09-77A6-41CD-BA4E-02BA4EF5E628}" type="slidenum">
+            <a:fld id="{4B0FD4F0-00B6-4C9C-9080-6B141ECE02AA}" type="slidenum">
               <a:rPr b="0" lang="pt-BR" sz="1400" spc="-1" strike="noStrike">
                 <a:latin typeface="Times New Roman"/>
               </a:rPr>
@@ -420,7 +348,7 @@
       </p:grpSpPr>
       <p:sp>
         <p:nvSpPr>
-          <p:cNvPr id="213" name="PlaceHolder 1"/>
+          <p:cNvPr id="209" name="PlaceHolder 1"/>
           <p:cNvSpPr>
             <a:spLocks noGrp="1"/>
           </p:cNvSpPr>
@@ -431,7 +359,7 @@
         <p:spPr>
           <a:xfrm>
             <a:off x="1376280" y="1336680"/>
-            <a:ext cx="4795560" cy="3595320"/>
+            <a:ext cx="4794840" cy="3594600"/>
           </a:xfrm>
           <a:prstGeom prst="rect">
             <a:avLst/>
@@ -443,7 +371,7 @@
       </p:sp>
       <p:sp>
         <p:nvSpPr>
-          <p:cNvPr id="214" name="PlaceHolder 2"/>
+          <p:cNvPr id="210" name="PlaceHolder 2"/>
           <p:cNvSpPr>
             <a:spLocks noGrp="1"/>
           </p:cNvSpPr>
@@ -454,7 +382,7 @@
         <p:spPr>
           <a:xfrm>
             <a:off x="756000" y="5145120"/>
-            <a:ext cx="6035760" cy="4197960"/>
+            <a:ext cx="6035040" cy="4197240"/>
           </a:xfrm>
           <a:prstGeom prst="rect">
             <a:avLst/>
@@ -477,14 +405,14 @@
       </p:sp>
       <p:sp>
         <p:nvSpPr>
-          <p:cNvPr id="215" name="CustomShape 3"/>
+          <p:cNvPr id="211" name="CustomShape 3"/>
           <p:cNvSpPr/>
           <p:nvPr/>
         </p:nvSpPr>
         <p:spPr>
           <a:xfrm>
             <a:off x="0" y="10155240"/>
-            <a:ext cx="3264120" cy="524520"/>
+            <a:ext cx="3263400" cy="523800"/>
           </a:xfrm>
           <a:prstGeom prst="rect">
             <a:avLst/>
@@ -551,7 +479,7 @@
       </p:grpSpPr>
       <p:sp>
         <p:nvSpPr>
-          <p:cNvPr id="240" name="PlaceHolder 1"/>
+          <p:cNvPr id="236" name="PlaceHolder 1"/>
           <p:cNvSpPr>
             <a:spLocks noGrp="1"/>
           </p:cNvSpPr>
@@ -562,7 +490,7 @@
         <p:spPr>
           <a:xfrm>
             <a:off x="1376280" y="1336680"/>
-            <a:ext cx="4795560" cy="3595320"/>
+            <a:ext cx="4794840" cy="3594600"/>
           </a:xfrm>
           <a:prstGeom prst="rect">
             <a:avLst/>
@@ -574,7 +502,7 @@
       </p:sp>
       <p:sp>
         <p:nvSpPr>
-          <p:cNvPr id="241" name="PlaceHolder 2"/>
+          <p:cNvPr id="237" name="PlaceHolder 2"/>
           <p:cNvSpPr>
             <a:spLocks noGrp="1"/>
           </p:cNvSpPr>
@@ -585,7 +513,7 @@
         <p:spPr>
           <a:xfrm>
             <a:off x="756000" y="5145120"/>
-            <a:ext cx="6035760" cy="4197960"/>
+            <a:ext cx="6035040" cy="4197240"/>
           </a:xfrm>
           <a:prstGeom prst="rect">
             <a:avLst/>
@@ -608,14 +536,14 @@
       </p:sp>
       <p:sp>
         <p:nvSpPr>
-          <p:cNvPr id="242" name="CustomShape 44"/>
+          <p:cNvPr id="238" name="CustomShape 44"/>
           <p:cNvSpPr/>
           <p:nvPr/>
         </p:nvSpPr>
         <p:spPr>
           <a:xfrm>
             <a:off x="0" y="10155240"/>
-            <a:ext cx="3264120" cy="524520"/>
+            <a:ext cx="3263400" cy="523800"/>
           </a:xfrm>
           <a:prstGeom prst="rect">
             <a:avLst/>
@@ -682,7 +610,7 @@
       </p:grpSpPr>
       <p:sp>
         <p:nvSpPr>
-          <p:cNvPr id="243" name="PlaceHolder 1"/>
+          <p:cNvPr id="239" name="PlaceHolder 1"/>
           <p:cNvSpPr>
             <a:spLocks noGrp="1"/>
           </p:cNvSpPr>
@@ -693,7 +621,7 @@
         <p:spPr>
           <a:xfrm>
             <a:off x="1376280" y="1336680"/>
-            <a:ext cx="4795560" cy="3595320"/>
+            <a:ext cx="4794840" cy="3594600"/>
           </a:xfrm>
           <a:prstGeom prst="rect">
             <a:avLst/>
@@ -705,7 +633,7 @@
       </p:sp>
       <p:sp>
         <p:nvSpPr>
-          <p:cNvPr id="244" name="PlaceHolder 2"/>
+          <p:cNvPr id="240" name="PlaceHolder 2"/>
           <p:cNvSpPr>
             <a:spLocks noGrp="1"/>
           </p:cNvSpPr>
@@ -716,7 +644,7 @@
         <p:spPr>
           <a:xfrm>
             <a:off x="756000" y="5145120"/>
-            <a:ext cx="6035760" cy="4197960"/>
+            <a:ext cx="6035040" cy="4197240"/>
           </a:xfrm>
           <a:prstGeom prst="rect">
             <a:avLst/>
@@ -739,14 +667,14 @@
       </p:sp>
       <p:sp>
         <p:nvSpPr>
-          <p:cNvPr id="245" name="CustomShape 49"/>
+          <p:cNvPr id="241" name="CustomShape 49"/>
           <p:cNvSpPr/>
           <p:nvPr/>
         </p:nvSpPr>
         <p:spPr>
           <a:xfrm>
             <a:off x="0" y="10155240"/>
-            <a:ext cx="3264120" cy="524520"/>
+            <a:ext cx="3263400" cy="523800"/>
           </a:xfrm>
           <a:prstGeom prst="rect">
             <a:avLst/>
@@ -813,7 +741,7 @@
       </p:grpSpPr>
       <p:sp>
         <p:nvSpPr>
-          <p:cNvPr id="246" name="PlaceHolder 1"/>
+          <p:cNvPr id="242" name="PlaceHolder 1"/>
           <p:cNvSpPr>
             <a:spLocks noGrp="1"/>
           </p:cNvSpPr>
@@ -824,7 +752,7 @@
         <p:spPr>
           <a:xfrm>
             <a:off x="1376280" y="1336680"/>
-            <a:ext cx="4795560" cy="3595320"/>
+            <a:ext cx="4794840" cy="3594600"/>
           </a:xfrm>
           <a:prstGeom prst="rect">
             <a:avLst/>
@@ -836,7 +764,7 @@
       </p:sp>
       <p:sp>
         <p:nvSpPr>
-          <p:cNvPr id="247" name="PlaceHolder 2"/>
+          <p:cNvPr id="243" name="PlaceHolder 2"/>
           <p:cNvSpPr>
             <a:spLocks noGrp="1"/>
           </p:cNvSpPr>
@@ -847,7 +775,7 @@
         <p:spPr>
           <a:xfrm>
             <a:off x="756000" y="5145120"/>
-            <a:ext cx="6035760" cy="4197960"/>
+            <a:ext cx="6035040" cy="4197240"/>
           </a:xfrm>
           <a:prstGeom prst="rect">
             <a:avLst/>
@@ -870,14 +798,14 @@
       </p:sp>
       <p:sp>
         <p:nvSpPr>
-          <p:cNvPr id="248" name="CustomShape 54"/>
+          <p:cNvPr id="244" name="CustomShape 54"/>
           <p:cNvSpPr/>
           <p:nvPr/>
         </p:nvSpPr>
         <p:spPr>
           <a:xfrm>
             <a:off x="0" y="10155240"/>
-            <a:ext cx="3264120" cy="524520"/>
+            <a:ext cx="3263400" cy="523800"/>
           </a:xfrm>
           <a:prstGeom prst="rect">
             <a:avLst/>
@@ -944,7 +872,7 @@
       </p:grpSpPr>
       <p:sp>
         <p:nvSpPr>
-          <p:cNvPr id="249" name="PlaceHolder 1"/>
+          <p:cNvPr id="245" name="PlaceHolder 1"/>
           <p:cNvSpPr>
             <a:spLocks noGrp="1"/>
           </p:cNvSpPr>
@@ -955,7 +883,7 @@
         <p:spPr>
           <a:xfrm>
             <a:off x="1376280" y="1336680"/>
-            <a:ext cx="4795560" cy="3595320"/>
+            <a:ext cx="4794840" cy="3594600"/>
           </a:xfrm>
           <a:prstGeom prst="rect">
             <a:avLst/>
@@ -967,7 +895,7 @@
       </p:sp>
       <p:sp>
         <p:nvSpPr>
-          <p:cNvPr id="250" name="PlaceHolder 2"/>
+          <p:cNvPr id="246" name="PlaceHolder 2"/>
           <p:cNvSpPr>
             <a:spLocks noGrp="1"/>
           </p:cNvSpPr>
@@ -978,7 +906,7 @@
         <p:spPr>
           <a:xfrm>
             <a:off x="756000" y="5145120"/>
-            <a:ext cx="6035760" cy="4197960"/>
+            <a:ext cx="6035040" cy="4197240"/>
           </a:xfrm>
           <a:prstGeom prst="rect">
             <a:avLst/>
@@ -1001,14 +929,14 @@
       </p:sp>
       <p:sp>
         <p:nvSpPr>
-          <p:cNvPr id="251" name="CustomShape 59"/>
+          <p:cNvPr id="247" name="CustomShape 59"/>
           <p:cNvSpPr/>
           <p:nvPr/>
         </p:nvSpPr>
         <p:spPr>
           <a:xfrm>
             <a:off x="0" y="10155240"/>
-            <a:ext cx="3264120" cy="524520"/>
+            <a:ext cx="3263400" cy="523800"/>
           </a:xfrm>
           <a:prstGeom prst="rect">
             <a:avLst/>
@@ -1075,7 +1003,7 @@
       </p:grpSpPr>
       <p:sp>
         <p:nvSpPr>
-          <p:cNvPr id="252" name="PlaceHolder 1"/>
+          <p:cNvPr id="248" name="PlaceHolder 1"/>
           <p:cNvSpPr>
             <a:spLocks noGrp="1"/>
           </p:cNvSpPr>
@@ -1086,7 +1014,7 @@
         <p:spPr>
           <a:xfrm>
             <a:off x="1376280" y="1336680"/>
-            <a:ext cx="4795560" cy="3595320"/>
+            <a:ext cx="4794840" cy="3594600"/>
           </a:xfrm>
           <a:prstGeom prst="rect">
             <a:avLst/>
@@ -1098,7 +1026,7 @@
       </p:sp>
       <p:sp>
         <p:nvSpPr>
-          <p:cNvPr id="253" name="PlaceHolder 2"/>
+          <p:cNvPr id="249" name="PlaceHolder 2"/>
           <p:cNvSpPr>
             <a:spLocks noGrp="1"/>
           </p:cNvSpPr>
@@ -1109,7 +1037,7 @@
         <p:spPr>
           <a:xfrm>
             <a:off x="756000" y="5145120"/>
-            <a:ext cx="6035760" cy="4197960"/>
+            <a:ext cx="6035040" cy="4197240"/>
           </a:xfrm>
           <a:prstGeom prst="rect">
             <a:avLst/>
@@ -1132,14 +1060,14 @@
       </p:sp>
       <p:sp>
         <p:nvSpPr>
-          <p:cNvPr id="254" name="CustomShape 64"/>
+          <p:cNvPr id="250" name="CustomShape 64"/>
           <p:cNvSpPr/>
           <p:nvPr/>
         </p:nvSpPr>
         <p:spPr>
           <a:xfrm>
             <a:off x="0" y="10155240"/>
-            <a:ext cx="3264120" cy="524520"/>
+            <a:ext cx="3263400" cy="523800"/>
           </a:xfrm>
           <a:prstGeom prst="rect">
             <a:avLst/>
@@ -1206,7 +1134,7 @@
       </p:grpSpPr>
       <p:sp>
         <p:nvSpPr>
-          <p:cNvPr id="255" name="PlaceHolder 1"/>
+          <p:cNvPr id="251" name="PlaceHolder 1"/>
           <p:cNvSpPr>
             <a:spLocks noGrp="1"/>
           </p:cNvSpPr>
@@ -1217,7 +1145,7 @@
         <p:spPr>
           <a:xfrm>
             <a:off x="1376280" y="1336680"/>
-            <a:ext cx="4795560" cy="3595320"/>
+            <a:ext cx="4794840" cy="3594600"/>
           </a:xfrm>
           <a:prstGeom prst="rect">
             <a:avLst/>
@@ -1229,7 +1157,7 @@
       </p:sp>
       <p:sp>
         <p:nvSpPr>
-          <p:cNvPr id="256" name="PlaceHolder 2"/>
+          <p:cNvPr id="252" name="PlaceHolder 2"/>
           <p:cNvSpPr>
             <a:spLocks noGrp="1"/>
           </p:cNvSpPr>
@@ -1240,7 +1168,7 @@
         <p:spPr>
           <a:xfrm>
             <a:off x="756000" y="5145120"/>
-            <a:ext cx="6035760" cy="4197960"/>
+            <a:ext cx="6035040" cy="4197240"/>
           </a:xfrm>
           <a:prstGeom prst="rect">
             <a:avLst/>
@@ -1263,14 +1191,14 @@
       </p:sp>
       <p:sp>
         <p:nvSpPr>
-          <p:cNvPr id="257" name="CustomShape 69"/>
+          <p:cNvPr id="253" name="CustomShape 69"/>
           <p:cNvSpPr/>
           <p:nvPr/>
         </p:nvSpPr>
         <p:spPr>
           <a:xfrm>
             <a:off x="0" y="10155240"/>
-            <a:ext cx="3264120" cy="524520"/>
+            <a:ext cx="3263400" cy="523800"/>
           </a:xfrm>
           <a:prstGeom prst="rect">
             <a:avLst/>
@@ -1337,7 +1265,7 @@
       </p:grpSpPr>
       <p:sp>
         <p:nvSpPr>
-          <p:cNvPr id="258" name="PlaceHolder 1"/>
+          <p:cNvPr id="254" name="PlaceHolder 1"/>
           <p:cNvSpPr>
             <a:spLocks noGrp="1"/>
           </p:cNvSpPr>
@@ -1348,7 +1276,7 @@
         <p:spPr>
           <a:xfrm>
             <a:off x="1376280" y="1336680"/>
-            <a:ext cx="4795560" cy="3595320"/>
+            <a:ext cx="4794840" cy="3594600"/>
           </a:xfrm>
           <a:prstGeom prst="rect">
             <a:avLst/>
@@ -1360,7 +1288,7 @@
       </p:sp>
       <p:sp>
         <p:nvSpPr>
-          <p:cNvPr id="259" name="PlaceHolder 2"/>
+          <p:cNvPr id="255" name="PlaceHolder 2"/>
           <p:cNvSpPr>
             <a:spLocks noGrp="1"/>
           </p:cNvSpPr>
@@ -1371,7 +1299,7 @@
         <p:spPr>
           <a:xfrm>
             <a:off x="756000" y="5145120"/>
-            <a:ext cx="6035760" cy="4197960"/>
+            <a:ext cx="6035040" cy="4197240"/>
           </a:xfrm>
           <a:prstGeom prst="rect">
             <a:avLst/>
@@ -1394,14 +1322,14 @@
       </p:sp>
       <p:sp>
         <p:nvSpPr>
-          <p:cNvPr id="260" name="CustomShape 74"/>
+          <p:cNvPr id="256" name="CustomShape 74"/>
           <p:cNvSpPr/>
           <p:nvPr/>
         </p:nvSpPr>
         <p:spPr>
           <a:xfrm>
             <a:off x="0" y="10155240"/>
-            <a:ext cx="3264120" cy="524520"/>
+            <a:ext cx="3263400" cy="523800"/>
           </a:xfrm>
           <a:prstGeom prst="rect">
             <a:avLst/>
@@ -1468,7 +1396,7 @@
       </p:grpSpPr>
       <p:sp>
         <p:nvSpPr>
-          <p:cNvPr id="261" name="PlaceHolder 1"/>
+          <p:cNvPr id="257" name="PlaceHolder 1"/>
           <p:cNvSpPr>
             <a:spLocks noGrp="1"/>
           </p:cNvSpPr>
@@ -1479,7 +1407,7 @@
         <p:spPr>
           <a:xfrm>
             <a:off x="1376280" y="1336680"/>
-            <a:ext cx="4795560" cy="3595320"/>
+            <a:ext cx="4794840" cy="3594600"/>
           </a:xfrm>
           <a:prstGeom prst="rect">
             <a:avLst/>
@@ -1491,7 +1419,7 @@
       </p:sp>
       <p:sp>
         <p:nvSpPr>
-          <p:cNvPr id="262" name="PlaceHolder 2"/>
+          <p:cNvPr id="258" name="PlaceHolder 2"/>
           <p:cNvSpPr>
             <a:spLocks noGrp="1"/>
           </p:cNvSpPr>
@@ -1502,7 +1430,7 @@
         <p:spPr>
           <a:xfrm>
             <a:off x="756000" y="5145120"/>
-            <a:ext cx="6035760" cy="4197960"/>
+            <a:ext cx="6035040" cy="4197240"/>
           </a:xfrm>
           <a:prstGeom prst="rect">
             <a:avLst/>
@@ -1525,14 +1453,14 @@
       </p:sp>
       <p:sp>
         <p:nvSpPr>
-          <p:cNvPr id="263" name="CustomShape 84"/>
+          <p:cNvPr id="259" name="CustomShape 84"/>
           <p:cNvSpPr/>
           <p:nvPr/>
         </p:nvSpPr>
         <p:spPr>
           <a:xfrm>
             <a:off x="0" y="10155240"/>
-            <a:ext cx="3264120" cy="524520"/>
+            <a:ext cx="3263400" cy="523800"/>
           </a:xfrm>
           <a:prstGeom prst="rect">
             <a:avLst/>
@@ -1599,7 +1527,7 @@
       </p:grpSpPr>
       <p:sp>
         <p:nvSpPr>
-          <p:cNvPr id="264" name="PlaceHolder 1"/>
+          <p:cNvPr id="260" name="PlaceHolder 1"/>
           <p:cNvSpPr>
             <a:spLocks noGrp="1"/>
           </p:cNvSpPr>
@@ -1610,7 +1538,7 @@
         <p:spPr>
           <a:xfrm>
             <a:off x="1376280" y="1336680"/>
-            <a:ext cx="4795560" cy="3595320"/>
+            <a:ext cx="4794840" cy="3594600"/>
           </a:xfrm>
           <a:prstGeom prst="rect">
             <a:avLst/>
@@ -1622,7 +1550,7 @@
       </p:sp>
       <p:sp>
         <p:nvSpPr>
-          <p:cNvPr id="265" name="PlaceHolder 2"/>
+          <p:cNvPr id="261" name="PlaceHolder 2"/>
           <p:cNvSpPr>
             <a:spLocks noGrp="1"/>
           </p:cNvSpPr>
@@ -1633,7 +1561,7 @@
         <p:spPr>
           <a:xfrm>
             <a:off x="756000" y="5145120"/>
-            <a:ext cx="6035760" cy="4197960"/>
+            <a:ext cx="6035040" cy="4197240"/>
           </a:xfrm>
           <a:prstGeom prst="rect">
             <a:avLst/>
@@ -1656,14 +1584,14 @@
       </p:sp>
       <p:sp>
         <p:nvSpPr>
-          <p:cNvPr id="266" name="CustomShape 79"/>
+          <p:cNvPr id="262" name="CustomShape 79"/>
           <p:cNvSpPr/>
           <p:nvPr/>
         </p:nvSpPr>
         <p:spPr>
           <a:xfrm>
             <a:off x="0" y="10155240"/>
-            <a:ext cx="3264120" cy="524520"/>
+            <a:ext cx="3263400" cy="523800"/>
           </a:xfrm>
           <a:prstGeom prst="rect">
             <a:avLst/>
@@ -1730,7 +1658,7 @@
       </p:grpSpPr>
       <p:sp>
         <p:nvSpPr>
-          <p:cNvPr id="267" name="PlaceHolder 1"/>
+          <p:cNvPr id="263" name="PlaceHolder 1"/>
           <p:cNvSpPr>
             <a:spLocks noGrp="1"/>
           </p:cNvSpPr>
@@ -1741,7 +1669,7 @@
         <p:spPr>
           <a:xfrm>
             <a:off x="1376280" y="1336680"/>
-            <a:ext cx="4795560" cy="3595320"/>
+            <a:ext cx="4794840" cy="3594600"/>
           </a:xfrm>
           <a:prstGeom prst="rect">
             <a:avLst/>
@@ -1753,7 +1681,7 @@
       </p:sp>
       <p:sp>
         <p:nvSpPr>
-          <p:cNvPr id="268" name="PlaceHolder 2"/>
+          <p:cNvPr id="264" name="PlaceHolder 2"/>
           <p:cNvSpPr>
             <a:spLocks noGrp="1"/>
           </p:cNvSpPr>
@@ -1764,7 +1692,7 @@
         <p:spPr>
           <a:xfrm>
             <a:off x="756000" y="5145120"/>
-            <a:ext cx="6035760" cy="4197960"/>
+            <a:ext cx="6035040" cy="4197240"/>
           </a:xfrm>
           <a:prstGeom prst="rect">
             <a:avLst/>
@@ -1787,14 +1715,14 @@
       </p:sp>
       <p:sp>
         <p:nvSpPr>
-          <p:cNvPr id="269" name="CustomShape 89"/>
+          <p:cNvPr id="265" name="CustomShape 89"/>
           <p:cNvSpPr/>
           <p:nvPr/>
         </p:nvSpPr>
         <p:spPr>
           <a:xfrm>
             <a:off x="0" y="10155240"/>
-            <a:ext cx="3264120" cy="524520"/>
+            <a:ext cx="3263400" cy="523800"/>
           </a:xfrm>
           <a:prstGeom prst="rect">
             <a:avLst/>
@@ -1861,7 +1789,7 @@
       </p:grpSpPr>
       <p:sp>
         <p:nvSpPr>
-          <p:cNvPr id="216" name="PlaceHolder 1"/>
+          <p:cNvPr id="212" name="PlaceHolder 1"/>
           <p:cNvSpPr>
             <a:spLocks noGrp="1"/>
           </p:cNvSpPr>
@@ -1872,7 +1800,7 @@
         <p:spPr>
           <a:xfrm>
             <a:off x="1376280" y="1336680"/>
-            <a:ext cx="4795560" cy="3595320"/>
+            <a:ext cx="4794840" cy="3594600"/>
           </a:xfrm>
           <a:prstGeom prst="rect">
             <a:avLst/>
@@ -1884,7 +1812,7 @@
       </p:sp>
       <p:sp>
         <p:nvSpPr>
-          <p:cNvPr id="217" name="PlaceHolder 2"/>
+          <p:cNvPr id="213" name="PlaceHolder 2"/>
           <p:cNvSpPr>
             <a:spLocks noGrp="1"/>
           </p:cNvSpPr>
@@ -1895,7 +1823,7 @@
         <p:spPr>
           <a:xfrm>
             <a:off x="756000" y="5145120"/>
-            <a:ext cx="6035760" cy="4197960"/>
+            <a:ext cx="6035040" cy="4197240"/>
           </a:xfrm>
           <a:prstGeom prst="rect">
             <a:avLst/>
@@ -1918,14 +1846,14 @@
       </p:sp>
       <p:sp>
         <p:nvSpPr>
-          <p:cNvPr id="218" name="CustomShape 3"/>
+          <p:cNvPr id="214" name="CustomShape 3"/>
           <p:cNvSpPr/>
           <p:nvPr/>
         </p:nvSpPr>
         <p:spPr>
           <a:xfrm>
             <a:off x="0" y="10155240"/>
-            <a:ext cx="3264120" cy="524520"/>
+            <a:ext cx="3263400" cy="523800"/>
           </a:xfrm>
           <a:prstGeom prst="rect">
             <a:avLst/>
@@ -1992,7 +1920,7 @@
       </p:grpSpPr>
       <p:sp>
         <p:nvSpPr>
-          <p:cNvPr id="219" name="PlaceHolder 1"/>
+          <p:cNvPr id="215" name="PlaceHolder 1"/>
           <p:cNvSpPr>
             <a:spLocks noGrp="1"/>
           </p:cNvSpPr>
@@ -2003,7 +1931,7 @@
         <p:spPr>
           <a:xfrm>
             <a:off x="1376280" y="1336680"/>
-            <a:ext cx="4795560" cy="3595320"/>
+            <a:ext cx="4794840" cy="3594600"/>
           </a:xfrm>
           <a:prstGeom prst="rect">
             <a:avLst/>
@@ -2015,7 +1943,7 @@
       </p:sp>
       <p:sp>
         <p:nvSpPr>
-          <p:cNvPr id="220" name="PlaceHolder 2"/>
+          <p:cNvPr id="216" name="PlaceHolder 2"/>
           <p:cNvSpPr>
             <a:spLocks noGrp="1"/>
           </p:cNvSpPr>
@@ -2026,7 +1954,7 @@
         <p:spPr>
           <a:xfrm>
             <a:off x="756000" y="5145120"/>
-            <a:ext cx="6035760" cy="4197960"/>
+            <a:ext cx="6035040" cy="4197240"/>
           </a:xfrm>
           <a:prstGeom prst="rect">
             <a:avLst/>
@@ -2049,14 +1977,14 @@
       </p:sp>
       <p:sp>
         <p:nvSpPr>
-          <p:cNvPr id="221" name="CustomShape 5"/>
+          <p:cNvPr id="217" name="CustomShape 5"/>
           <p:cNvSpPr/>
           <p:nvPr/>
         </p:nvSpPr>
         <p:spPr>
           <a:xfrm>
             <a:off x="0" y="10155240"/>
-            <a:ext cx="3264120" cy="524520"/>
+            <a:ext cx="3263400" cy="523800"/>
           </a:xfrm>
           <a:prstGeom prst="rect">
             <a:avLst/>
@@ -2123,7 +2051,7 @@
       </p:grpSpPr>
       <p:sp>
         <p:nvSpPr>
-          <p:cNvPr id="222" name="PlaceHolder 1"/>
+          <p:cNvPr id="218" name="PlaceHolder 1"/>
           <p:cNvSpPr>
             <a:spLocks noGrp="1"/>
           </p:cNvSpPr>
@@ -2134,7 +2062,7 @@
         <p:spPr>
           <a:xfrm>
             <a:off x="1376280" y="1336680"/>
-            <a:ext cx="4795560" cy="3595320"/>
+            <a:ext cx="4794840" cy="3594600"/>
           </a:xfrm>
           <a:prstGeom prst="rect">
             <a:avLst/>
@@ -2146,7 +2074,7 @@
       </p:sp>
       <p:sp>
         <p:nvSpPr>
-          <p:cNvPr id="223" name="PlaceHolder 2"/>
+          <p:cNvPr id="219" name="PlaceHolder 2"/>
           <p:cNvSpPr>
             <a:spLocks noGrp="1"/>
           </p:cNvSpPr>
@@ -2157,7 +2085,7 @@
         <p:spPr>
           <a:xfrm>
             <a:off x="756000" y="5145120"/>
-            <a:ext cx="6035760" cy="4197960"/>
+            <a:ext cx="6035040" cy="4197240"/>
           </a:xfrm>
           <a:prstGeom prst="rect">
             <a:avLst/>
@@ -2180,14 +2108,14 @@
       </p:sp>
       <p:sp>
         <p:nvSpPr>
-          <p:cNvPr id="224" name="CustomShape 14"/>
+          <p:cNvPr id="220" name="CustomShape 14"/>
           <p:cNvSpPr/>
           <p:nvPr/>
         </p:nvSpPr>
         <p:spPr>
           <a:xfrm>
             <a:off x="0" y="10155240"/>
-            <a:ext cx="3264120" cy="524520"/>
+            <a:ext cx="3263400" cy="523800"/>
           </a:xfrm>
           <a:prstGeom prst="rect">
             <a:avLst/>
@@ -2254,7 +2182,7 @@
       </p:grpSpPr>
       <p:sp>
         <p:nvSpPr>
-          <p:cNvPr id="225" name="PlaceHolder 1"/>
+          <p:cNvPr id="221" name="PlaceHolder 1"/>
           <p:cNvSpPr>
             <a:spLocks noGrp="1"/>
           </p:cNvSpPr>
@@ -2265,7 +2193,7 @@
         <p:spPr>
           <a:xfrm>
             <a:off x="1376280" y="1336680"/>
-            <a:ext cx="4795560" cy="3595320"/>
+            <a:ext cx="4794840" cy="3594600"/>
           </a:xfrm>
           <a:prstGeom prst="rect">
             <a:avLst/>
@@ -2277,7 +2205,7 @@
       </p:sp>
       <p:sp>
         <p:nvSpPr>
-          <p:cNvPr id="226" name="PlaceHolder 2"/>
+          <p:cNvPr id="222" name="PlaceHolder 2"/>
           <p:cNvSpPr>
             <a:spLocks noGrp="1"/>
           </p:cNvSpPr>
@@ -2288,7 +2216,7 @@
         <p:spPr>
           <a:xfrm>
             <a:off x="756000" y="5145120"/>
-            <a:ext cx="6035760" cy="4197960"/>
+            <a:ext cx="6035040" cy="4197240"/>
           </a:xfrm>
           <a:prstGeom prst="rect">
             <a:avLst/>
@@ -2311,14 +2239,14 @@
       </p:sp>
       <p:sp>
         <p:nvSpPr>
-          <p:cNvPr id="227" name="CustomShape 19"/>
+          <p:cNvPr id="223" name="CustomShape 19"/>
           <p:cNvSpPr/>
           <p:nvPr/>
         </p:nvSpPr>
         <p:spPr>
           <a:xfrm>
             <a:off x="0" y="10155240"/>
-            <a:ext cx="3264120" cy="524520"/>
+            <a:ext cx="3263400" cy="523800"/>
           </a:xfrm>
           <a:prstGeom prst="rect">
             <a:avLst/>
@@ -2385,7 +2313,7 @@
       </p:grpSpPr>
       <p:sp>
         <p:nvSpPr>
-          <p:cNvPr id="228" name="PlaceHolder 1"/>
+          <p:cNvPr id="224" name="PlaceHolder 1"/>
           <p:cNvSpPr>
             <a:spLocks noGrp="1"/>
           </p:cNvSpPr>
@@ -2396,7 +2324,7 @@
         <p:spPr>
           <a:xfrm>
             <a:off x="1376280" y="1336680"/>
-            <a:ext cx="4795560" cy="3595320"/>
+            <a:ext cx="4794840" cy="3594600"/>
           </a:xfrm>
           <a:prstGeom prst="rect">
             <a:avLst/>
@@ -2408,7 +2336,7 @@
       </p:sp>
       <p:sp>
         <p:nvSpPr>
-          <p:cNvPr id="229" name="PlaceHolder 2"/>
+          <p:cNvPr id="225" name="PlaceHolder 2"/>
           <p:cNvSpPr>
             <a:spLocks noGrp="1"/>
           </p:cNvSpPr>
@@ -2419,7 +2347,7 @@
         <p:spPr>
           <a:xfrm>
             <a:off x="756000" y="5145120"/>
-            <a:ext cx="6035760" cy="4197960"/>
+            <a:ext cx="6035040" cy="4197240"/>
           </a:xfrm>
           <a:prstGeom prst="rect">
             <a:avLst/>
@@ -2442,14 +2370,14 @@
       </p:sp>
       <p:sp>
         <p:nvSpPr>
-          <p:cNvPr id="230" name="CustomShape 29"/>
+          <p:cNvPr id="226" name="CustomShape 29"/>
           <p:cNvSpPr/>
           <p:nvPr/>
         </p:nvSpPr>
         <p:spPr>
           <a:xfrm>
             <a:off x="0" y="10155240"/>
-            <a:ext cx="3264120" cy="524520"/>
+            <a:ext cx="3263400" cy="523800"/>
           </a:xfrm>
           <a:prstGeom prst="rect">
             <a:avLst/>
@@ -2516,7 +2444,7 @@
       </p:grpSpPr>
       <p:sp>
         <p:nvSpPr>
-          <p:cNvPr id="231" name="PlaceHolder 1"/>
+          <p:cNvPr id="227" name="PlaceHolder 1"/>
           <p:cNvSpPr>
             <a:spLocks noGrp="1"/>
           </p:cNvSpPr>
@@ -2527,7 +2455,7 @@
         <p:spPr>
           <a:xfrm>
             <a:off x="1376280" y="1336680"/>
-            <a:ext cx="4795560" cy="3595320"/>
+            <a:ext cx="4794840" cy="3594600"/>
           </a:xfrm>
           <a:prstGeom prst="rect">
             <a:avLst/>
@@ -2539,7 +2467,7 @@
       </p:sp>
       <p:sp>
         <p:nvSpPr>
-          <p:cNvPr id="232" name="PlaceHolder 2"/>
+          <p:cNvPr id="228" name="PlaceHolder 2"/>
           <p:cNvSpPr>
             <a:spLocks noGrp="1"/>
           </p:cNvSpPr>
@@ -2550,7 +2478,7 @@
         <p:spPr>
           <a:xfrm>
             <a:off x="756000" y="5145120"/>
-            <a:ext cx="6035760" cy="4197960"/>
+            <a:ext cx="6035040" cy="4197240"/>
           </a:xfrm>
           <a:prstGeom prst="rect">
             <a:avLst/>
@@ -2573,14 +2501,14 @@
       </p:sp>
       <p:sp>
         <p:nvSpPr>
-          <p:cNvPr id="233" name="CustomShape 24"/>
+          <p:cNvPr id="229" name="CustomShape 24"/>
           <p:cNvSpPr/>
           <p:nvPr/>
         </p:nvSpPr>
         <p:spPr>
           <a:xfrm>
             <a:off x="0" y="10155240"/>
-            <a:ext cx="3264120" cy="524520"/>
+            <a:ext cx="3263400" cy="523800"/>
           </a:xfrm>
           <a:prstGeom prst="rect">
             <a:avLst/>
@@ -2647,7 +2575,7 @@
       </p:grpSpPr>
       <p:sp>
         <p:nvSpPr>
-          <p:cNvPr id="234" name="PlaceHolder 1"/>
+          <p:cNvPr id="230" name="PlaceHolder 1"/>
           <p:cNvSpPr>
             <a:spLocks noGrp="1"/>
           </p:cNvSpPr>
@@ -2658,7 +2586,7 @@
         <p:spPr>
           <a:xfrm>
             <a:off x="1376280" y="1336680"/>
-            <a:ext cx="4795560" cy="3595320"/>
+            <a:ext cx="4794840" cy="3594600"/>
           </a:xfrm>
           <a:prstGeom prst="rect">
             <a:avLst/>
@@ -2670,7 +2598,7 @@
       </p:sp>
       <p:sp>
         <p:nvSpPr>
-          <p:cNvPr id="235" name="PlaceHolder 2"/>
+          <p:cNvPr id="231" name="PlaceHolder 2"/>
           <p:cNvSpPr>
             <a:spLocks noGrp="1"/>
           </p:cNvSpPr>
@@ -2681,7 +2609,7 @@
         <p:spPr>
           <a:xfrm>
             <a:off x="756000" y="5145120"/>
-            <a:ext cx="6035760" cy="4197960"/>
+            <a:ext cx="6035040" cy="4197240"/>
           </a:xfrm>
           <a:prstGeom prst="rect">
             <a:avLst/>
@@ -2704,14 +2632,14 @@
       </p:sp>
       <p:sp>
         <p:nvSpPr>
-          <p:cNvPr id="236" name="CustomShape 34"/>
+          <p:cNvPr id="232" name="CustomShape 34"/>
           <p:cNvSpPr/>
           <p:nvPr/>
         </p:nvSpPr>
         <p:spPr>
           <a:xfrm>
             <a:off x="0" y="10155240"/>
-            <a:ext cx="3264120" cy="524520"/>
+            <a:ext cx="3263400" cy="523800"/>
           </a:xfrm>
           <a:prstGeom prst="rect">
             <a:avLst/>
@@ -2778,7 +2706,7 @@
       </p:grpSpPr>
       <p:sp>
         <p:nvSpPr>
-          <p:cNvPr id="237" name="PlaceHolder 1"/>
+          <p:cNvPr id="233" name="PlaceHolder 1"/>
           <p:cNvSpPr>
             <a:spLocks noGrp="1"/>
           </p:cNvSpPr>
@@ -2789,7 +2717,7 @@
         <p:spPr>
           <a:xfrm>
             <a:off x="1376280" y="1336680"/>
-            <a:ext cx="4795560" cy="3595320"/>
+            <a:ext cx="4794840" cy="3594600"/>
           </a:xfrm>
           <a:prstGeom prst="rect">
             <a:avLst/>
@@ -2801,7 +2729,7 @@
       </p:sp>
       <p:sp>
         <p:nvSpPr>
-          <p:cNvPr id="238" name="PlaceHolder 2"/>
+          <p:cNvPr id="234" name="PlaceHolder 2"/>
           <p:cNvSpPr>
             <a:spLocks noGrp="1"/>
           </p:cNvSpPr>
@@ -2812,7 +2740,7 @@
         <p:spPr>
           <a:xfrm>
             <a:off x="756000" y="5145120"/>
-            <a:ext cx="6035760" cy="4197960"/>
+            <a:ext cx="6035040" cy="4197240"/>
           </a:xfrm>
           <a:prstGeom prst="rect">
             <a:avLst/>
@@ -2835,14 +2763,14 @@
       </p:sp>
       <p:sp>
         <p:nvSpPr>
-          <p:cNvPr id="239" name="CustomShape 39"/>
+          <p:cNvPr id="235" name="CustomShape 39"/>
           <p:cNvSpPr/>
           <p:nvPr/>
         </p:nvSpPr>
         <p:spPr>
           <a:xfrm>
             <a:off x="0" y="10155240"/>
-            <a:ext cx="3264120" cy="524520"/>
+            <a:ext cx="3263400" cy="523800"/>
           </a:xfrm>
           <a:prstGeom prst="rect">
             <a:avLst/>
@@ -5971,7 +5899,7 @@
         <p:spPr>
           <a:xfrm>
             <a:off x="0" y="3150000"/>
-            <a:ext cx="9708120" cy="1248120"/>
+            <a:ext cx="9707400" cy="1247400"/>
           </a:xfrm>
           <a:prstGeom prst="rect">
             <a:avLst/>
@@ -6269,7 +6197,7 @@
         <p:spPr>
           <a:xfrm>
             <a:off x="0" y="180000"/>
-            <a:ext cx="9708120" cy="1248120"/>
+            <a:ext cx="9707400" cy="1247400"/>
           </a:xfrm>
           <a:prstGeom prst="rect">
             <a:avLst/>
@@ -6297,7 +6225,7 @@
         <p:spPr>
           <a:xfrm>
             <a:off x="7560000" y="6840000"/>
-            <a:ext cx="2508120" cy="528120"/>
+            <a:ext cx="2507400" cy="527400"/>
           </a:xfrm>
           <a:prstGeom prst="rect">
             <a:avLst/>
@@ -6325,7 +6253,7 @@
         <p:spPr>
           <a:xfrm>
             <a:off x="900000" y="6840000"/>
-            <a:ext cx="6468120" cy="528120"/>
+            <a:ext cx="6467400" cy="527400"/>
           </a:xfrm>
           <a:prstGeom prst="rect">
             <a:avLst/>
@@ -6353,7 +6281,7 @@
         <p:spPr>
           <a:xfrm>
             <a:off x="180000" y="6840000"/>
-            <a:ext cx="528120" cy="528120"/>
+            <a:ext cx="527400" cy="527400"/>
           </a:xfrm>
           <a:prstGeom prst="rect">
             <a:avLst/>
@@ -6405,79 +6333,7 @@
               <a:rPr b="0" lang="pt-BR" sz="4400" spc="-1" strike="noStrike">
                 <a:latin typeface="Arial"/>
               </a:rPr>
-              <a:t>Cli</a:t>
-            </a:r>
-            <a:r>
-              <a:rPr b="0" lang="pt-BR" sz="4400" spc="-1" strike="noStrike">
-                <a:latin typeface="Arial"/>
-              </a:rPr>
-              <a:t>ck </a:t>
-            </a:r>
-            <a:r>
-              <a:rPr b="0" lang="pt-BR" sz="4400" spc="-1" strike="noStrike">
-                <a:latin typeface="Arial"/>
-              </a:rPr>
-              <a:t>to </a:t>
-            </a:r>
-            <a:r>
-              <a:rPr b="0" lang="pt-BR" sz="4400" spc="-1" strike="noStrike">
-                <a:latin typeface="Arial"/>
-              </a:rPr>
-              <a:t>edi</a:t>
-            </a:r>
-            <a:r>
-              <a:rPr b="0" lang="pt-BR" sz="4400" spc="-1" strike="noStrike">
-                <a:latin typeface="Arial"/>
-              </a:rPr>
-              <a:t>t </a:t>
-            </a:r>
-            <a:r>
-              <a:rPr b="0" lang="pt-BR" sz="4400" spc="-1" strike="noStrike">
-                <a:latin typeface="Arial"/>
-              </a:rPr>
-              <a:t>the </a:t>
-            </a:r>
-            <a:r>
-              <a:rPr b="0" lang="pt-BR" sz="4400" spc="-1" strike="noStrike">
-                <a:latin typeface="Arial"/>
-              </a:rPr>
-              <a:t>titl</a:t>
-            </a:r>
-            <a:r>
-              <a:rPr b="0" lang="pt-BR" sz="4400" spc="-1" strike="noStrike">
-                <a:latin typeface="Arial"/>
-              </a:rPr>
-              <a:t>e </a:t>
-            </a:r>
-            <a:r>
-              <a:rPr b="0" lang="pt-BR" sz="4400" spc="-1" strike="noStrike">
-                <a:latin typeface="Arial"/>
-              </a:rPr>
-              <a:t>tex</a:t>
-            </a:r>
-            <a:r>
-              <a:rPr b="0" lang="pt-BR" sz="4400" spc="-1" strike="noStrike">
-                <a:latin typeface="Arial"/>
-              </a:rPr>
-              <a:t>t </a:t>
-            </a:r>
-            <a:r>
-              <a:rPr b="0" lang="pt-BR" sz="4400" spc="-1" strike="noStrike">
-                <a:latin typeface="Arial"/>
-              </a:rPr>
-              <a:t>for</a:t>
-            </a:r>
-            <a:r>
-              <a:rPr b="0" lang="pt-BR" sz="4400" spc="-1" strike="noStrike">
-                <a:latin typeface="Arial"/>
-              </a:rPr>
-              <a:t>ma</a:t>
-            </a:r>
-            <a:r>
-              <a:rPr b="0" lang="pt-BR" sz="4400" spc="-1" strike="noStrike">
-                <a:latin typeface="Arial"/>
-              </a:rPr>
-              <a:t>t</a:t>
+              <a:t>Click to edit the title text format</a:t>
             </a:r>
             <a:endParaRPr b="0" lang="pt-BR" sz="4400" spc="-1" strike="noStrike">
               <a:latin typeface="Arial"/>
@@ -6714,7 +6570,7 @@
         <p:spPr>
           <a:xfrm>
             <a:off x="360000" y="3330000"/>
-            <a:ext cx="9348120" cy="888120"/>
+            <a:ext cx="9347400" cy="887400"/>
           </a:xfrm>
           <a:prstGeom prst="rect">
             <a:avLst/>
@@ -6766,7 +6622,7 @@
         <p:spPr>
           <a:xfrm>
             <a:off x="540000" y="4680000"/>
-            <a:ext cx="9168120" cy="2508120"/>
+            <a:ext cx="9167400" cy="2507400"/>
           </a:xfrm>
           <a:prstGeom prst="rect">
             <a:avLst/>
@@ -6998,14 +6854,14 @@
       </p:grpSpPr>
       <p:sp>
         <p:nvSpPr>
-          <p:cNvPr id="146" name="CustomShape 40"/>
+          <p:cNvPr id="142" name="CustomShape 40"/>
           <p:cNvSpPr/>
           <p:nvPr/>
         </p:nvSpPr>
         <p:spPr>
           <a:xfrm>
             <a:off x="360000" y="360000"/>
-            <a:ext cx="9348120" cy="888120"/>
+            <a:ext cx="9347400" cy="887400"/>
           </a:xfrm>
           <a:prstGeom prst="rect">
             <a:avLst/>
@@ -7050,14 +6906,14 @@
       </p:sp>
       <p:sp>
         <p:nvSpPr>
-          <p:cNvPr id="147" name="CustomShape 41"/>
+          <p:cNvPr id="143" name="CustomShape 41"/>
           <p:cNvSpPr/>
           <p:nvPr/>
         </p:nvSpPr>
         <p:spPr>
           <a:xfrm>
             <a:off x="360000" y="1980000"/>
-            <a:ext cx="9168120" cy="4668120"/>
+            <a:ext cx="9167400" cy="4667400"/>
           </a:xfrm>
           <a:prstGeom prst="rect">
             <a:avLst/>
@@ -7109,14 +6965,14 @@
       </p:sp>
       <p:sp>
         <p:nvSpPr>
-          <p:cNvPr id="148" name="CustomShape 42"/>
+          <p:cNvPr id="144" name="CustomShape 42"/>
           <p:cNvSpPr/>
           <p:nvPr/>
         </p:nvSpPr>
         <p:spPr>
           <a:xfrm>
             <a:off x="897120" y="6886080"/>
-            <a:ext cx="6435360" cy="353160"/>
+            <a:ext cx="6434640" cy="352440"/>
           </a:xfrm>
           <a:prstGeom prst="rect">
             <a:avLst/>
@@ -7161,14 +7017,14 @@
       </p:sp>
       <p:sp>
         <p:nvSpPr>
-          <p:cNvPr id="149" name="CustomShape 43"/>
+          <p:cNvPr id="145" name="CustomShape 43"/>
           <p:cNvSpPr/>
           <p:nvPr/>
         </p:nvSpPr>
         <p:spPr>
           <a:xfrm>
             <a:off x="7608600" y="6886080"/>
-            <a:ext cx="2273400" cy="353160"/>
+            <a:ext cx="2272680" cy="352440"/>
           </a:xfrm>
           <a:prstGeom prst="rect">
             <a:avLst/>
@@ -7213,14 +7069,14 @@
       </p:sp>
       <p:sp>
         <p:nvSpPr>
-          <p:cNvPr id="150" name=""/>
+          <p:cNvPr id="146" name=""/>
           <p:cNvSpPr/>
           <p:nvPr/>
         </p:nvSpPr>
         <p:spPr>
           <a:xfrm>
             <a:off x="342360" y="1529280"/>
-            <a:ext cx="9374400" cy="5357880"/>
+            <a:ext cx="9373680" cy="5357160"/>
           </a:xfrm>
           <a:prstGeom prst="rect">
             <a:avLst/>
@@ -7672,7 +7528,7 @@
       </p:sp>
       <p:pic>
         <p:nvPicPr>
-          <p:cNvPr id="151" name="" descr=""/>
+          <p:cNvPr id="147" name="" descr=""/>
           <p:cNvPicPr/>
           <p:nvPr/>
         </p:nvPicPr>
@@ -7684,7 +7540,7 @@
         <p:spPr>
           <a:xfrm>
             <a:off x="720000" y="2520000"/>
-            <a:ext cx="7387560" cy="4139280"/>
+            <a:ext cx="7386840" cy="4138560"/>
           </a:xfrm>
           <a:prstGeom prst="rect">
             <a:avLst/>
@@ -7726,14 +7582,14 @@
       </p:grpSpPr>
       <p:sp>
         <p:nvSpPr>
-          <p:cNvPr id="152" name="CustomShape 45"/>
+          <p:cNvPr id="148" name="CustomShape 45"/>
           <p:cNvSpPr/>
           <p:nvPr/>
         </p:nvSpPr>
         <p:spPr>
           <a:xfrm>
             <a:off x="360000" y="360000"/>
-            <a:ext cx="9348120" cy="888120"/>
+            <a:ext cx="9347400" cy="887400"/>
           </a:xfrm>
           <a:prstGeom prst="rect">
             <a:avLst/>
@@ -7778,14 +7634,14 @@
       </p:sp>
       <p:sp>
         <p:nvSpPr>
-          <p:cNvPr id="153" name="CustomShape 46"/>
+          <p:cNvPr id="149" name="CustomShape 46"/>
           <p:cNvSpPr/>
           <p:nvPr/>
         </p:nvSpPr>
         <p:spPr>
           <a:xfrm>
             <a:off x="360000" y="1980000"/>
-            <a:ext cx="9168120" cy="4668120"/>
+            <a:ext cx="9167400" cy="4667400"/>
           </a:xfrm>
           <a:prstGeom prst="rect">
             <a:avLst/>
@@ -7837,14 +7693,14 @@
       </p:sp>
       <p:sp>
         <p:nvSpPr>
-          <p:cNvPr id="154" name="CustomShape 47"/>
+          <p:cNvPr id="150" name="CustomShape 47"/>
           <p:cNvSpPr/>
           <p:nvPr/>
         </p:nvSpPr>
         <p:spPr>
           <a:xfrm>
             <a:off x="897120" y="6886080"/>
-            <a:ext cx="6435360" cy="353160"/>
+            <a:ext cx="6434640" cy="352440"/>
           </a:xfrm>
           <a:prstGeom prst="rect">
             <a:avLst/>
@@ -7889,14 +7745,14 @@
       </p:sp>
       <p:sp>
         <p:nvSpPr>
-          <p:cNvPr id="155" name="CustomShape 48"/>
+          <p:cNvPr id="151" name="CustomShape 48"/>
           <p:cNvSpPr/>
           <p:nvPr/>
         </p:nvSpPr>
         <p:spPr>
           <a:xfrm>
             <a:off x="7608600" y="6886080"/>
-            <a:ext cx="2273400" cy="353160"/>
+            <a:ext cx="2272680" cy="352440"/>
           </a:xfrm>
           <a:prstGeom prst="rect">
             <a:avLst/>
@@ -7941,14 +7797,14 @@
       </p:sp>
       <p:sp>
         <p:nvSpPr>
-          <p:cNvPr id="156" name=""/>
+          <p:cNvPr id="152" name=""/>
           <p:cNvSpPr/>
           <p:nvPr/>
         </p:nvSpPr>
         <p:spPr>
           <a:xfrm>
             <a:off x="342360" y="1529280"/>
-            <a:ext cx="9374400" cy="5357880"/>
+            <a:ext cx="9373680" cy="5357160"/>
           </a:xfrm>
           <a:prstGeom prst="rect">
             <a:avLst/>
@@ -8454,7 +8310,7 @@
       </p:sp>
       <p:pic>
         <p:nvPicPr>
-          <p:cNvPr id="157" name="" descr=""/>
+          <p:cNvPr id="153" name="" descr=""/>
           <p:cNvPicPr/>
           <p:nvPr/>
         </p:nvPicPr>
@@ -8465,7 +8321,7 @@
         <p:spPr>
           <a:xfrm>
             <a:off x="4680000" y="1725840"/>
-            <a:ext cx="3779280" cy="577440"/>
+            <a:ext cx="3778560" cy="576720"/>
           </a:xfrm>
           <a:prstGeom prst="rect">
             <a:avLst/>
@@ -8477,7 +8333,7 @@
       </p:pic>
       <p:pic>
         <p:nvPicPr>
-          <p:cNvPr id="158" name="" descr=""/>
+          <p:cNvPr id="154" name="" descr=""/>
           <p:cNvPicPr/>
           <p:nvPr/>
         </p:nvPicPr>
@@ -8488,7 +8344,7 @@
         <p:spPr>
           <a:xfrm>
             <a:off x="4289040" y="2196000"/>
-            <a:ext cx="4710240" cy="750240"/>
+            <a:ext cx="4709520" cy="749520"/>
           </a:xfrm>
           <a:prstGeom prst="rect">
             <a:avLst/>
@@ -8500,7 +8356,7 @@
       </p:pic>
       <p:pic>
         <p:nvPicPr>
-          <p:cNvPr id="159" name="" descr=""/>
+          <p:cNvPr id="155" name="" descr=""/>
           <p:cNvPicPr/>
           <p:nvPr/>
         </p:nvPicPr>
@@ -8511,7 +8367,7 @@
         <p:spPr>
           <a:xfrm>
             <a:off x="2223000" y="3456720"/>
-            <a:ext cx="5588280" cy="3299400"/>
+            <a:ext cx="5587560" cy="3298680"/>
           </a:xfrm>
           <a:prstGeom prst="rect">
             <a:avLst/>
@@ -8553,14 +8409,14 @@
       </p:grpSpPr>
       <p:sp>
         <p:nvSpPr>
-          <p:cNvPr id="160" name="CustomShape 50"/>
+          <p:cNvPr id="156" name="CustomShape 50"/>
           <p:cNvSpPr/>
           <p:nvPr/>
         </p:nvSpPr>
         <p:spPr>
           <a:xfrm>
             <a:off x="360000" y="360000"/>
-            <a:ext cx="9348120" cy="888120"/>
+            <a:ext cx="9347400" cy="887400"/>
           </a:xfrm>
           <a:prstGeom prst="rect">
             <a:avLst/>
@@ -8605,14 +8461,14 @@
       </p:sp>
       <p:sp>
         <p:nvSpPr>
-          <p:cNvPr id="161" name="CustomShape 51"/>
+          <p:cNvPr id="157" name="CustomShape 51"/>
           <p:cNvSpPr/>
           <p:nvPr/>
         </p:nvSpPr>
         <p:spPr>
           <a:xfrm>
             <a:off x="360000" y="1980000"/>
-            <a:ext cx="9168120" cy="4668120"/>
+            <a:ext cx="9167400" cy="4667400"/>
           </a:xfrm>
           <a:prstGeom prst="rect">
             <a:avLst/>
@@ -8664,14 +8520,14 @@
       </p:sp>
       <p:sp>
         <p:nvSpPr>
-          <p:cNvPr id="162" name="CustomShape 52"/>
+          <p:cNvPr id="158" name="CustomShape 52"/>
           <p:cNvSpPr/>
           <p:nvPr/>
         </p:nvSpPr>
         <p:spPr>
           <a:xfrm>
             <a:off x="897120" y="6886080"/>
-            <a:ext cx="6435360" cy="353160"/>
+            <a:ext cx="6434640" cy="352440"/>
           </a:xfrm>
           <a:prstGeom prst="rect">
             <a:avLst/>
@@ -8716,14 +8572,14 @@
       </p:sp>
       <p:sp>
         <p:nvSpPr>
-          <p:cNvPr id="163" name="CustomShape 53"/>
+          <p:cNvPr id="159" name="CustomShape 53"/>
           <p:cNvSpPr/>
           <p:nvPr/>
         </p:nvSpPr>
         <p:spPr>
           <a:xfrm>
             <a:off x="7608600" y="6886080"/>
-            <a:ext cx="2273400" cy="353160"/>
+            <a:ext cx="2272680" cy="352440"/>
           </a:xfrm>
           <a:prstGeom prst="rect">
             <a:avLst/>
@@ -8768,14 +8624,14 @@
       </p:sp>
       <p:sp>
         <p:nvSpPr>
-          <p:cNvPr id="164" name=""/>
+          <p:cNvPr id="160" name=""/>
           <p:cNvSpPr/>
           <p:nvPr/>
         </p:nvSpPr>
         <p:spPr>
           <a:xfrm>
             <a:off x="342360" y="1529280"/>
-            <a:ext cx="9374400" cy="5357880"/>
+            <a:ext cx="9373680" cy="5357160"/>
           </a:xfrm>
           <a:prstGeom prst="rect">
             <a:avLst/>
@@ -9216,7 +9072,7 @@
       </p:sp>
       <p:pic>
         <p:nvPicPr>
-          <p:cNvPr id="165" name="" descr=""/>
+          <p:cNvPr id="161" name="" descr=""/>
           <p:cNvPicPr/>
           <p:nvPr/>
         </p:nvPicPr>
@@ -9227,7 +9083,7 @@
         <p:spPr>
           <a:xfrm>
             <a:off x="900000" y="2404800"/>
-            <a:ext cx="7723800" cy="3894480"/>
+            <a:ext cx="7723080" cy="3893760"/>
           </a:xfrm>
           <a:prstGeom prst="rect">
             <a:avLst/>
@@ -9269,14 +9125,14 @@
       </p:grpSpPr>
       <p:sp>
         <p:nvSpPr>
-          <p:cNvPr id="166" name="CustomShape 55"/>
+          <p:cNvPr id="162" name="CustomShape 55"/>
           <p:cNvSpPr/>
           <p:nvPr/>
         </p:nvSpPr>
         <p:spPr>
           <a:xfrm>
             <a:off x="360000" y="360000"/>
-            <a:ext cx="9348120" cy="888120"/>
+            <a:ext cx="9347400" cy="887400"/>
           </a:xfrm>
           <a:prstGeom prst="rect">
             <a:avLst/>
@@ -9321,14 +9177,14 @@
       </p:sp>
       <p:sp>
         <p:nvSpPr>
-          <p:cNvPr id="167" name="CustomShape 56"/>
+          <p:cNvPr id="163" name="CustomShape 56"/>
           <p:cNvSpPr/>
           <p:nvPr/>
         </p:nvSpPr>
         <p:spPr>
           <a:xfrm>
             <a:off x="360000" y="1980000"/>
-            <a:ext cx="9168120" cy="4668120"/>
+            <a:ext cx="9167400" cy="4667400"/>
           </a:xfrm>
           <a:prstGeom prst="rect">
             <a:avLst/>
@@ -9380,14 +9236,14 @@
       </p:sp>
       <p:sp>
         <p:nvSpPr>
-          <p:cNvPr id="168" name="CustomShape 57"/>
+          <p:cNvPr id="164" name="CustomShape 57"/>
           <p:cNvSpPr/>
           <p:nvPr/>
         </p:nvSpPr>
         <p:spPr>
           <a:xfrm>
             <a:off x="897120" y="6886080"/>
-            <a:ext cx="6435360" cy="353160"/>
+            <a:ext cx="6434640" cy="352440"/>
           </a:xfrm>
           <a:prstGeom prst="rect">
             <a:avLst/>
@@ -9432,14 +9288,14 @@
       </p:sp>
       <p:sp>
         <p:nvSpPr>
-          <p:cNvPr id="169" name="CustomShape 58"/>
+          <p:cNvPr id="165" name="CustomShape 58"/>
           <p:cNvSpPr/>
           <p:nvPr/>
         </p:nvSpPr>
         <p:spPr>
           <a:xfrm>
             <a:off x="7608600" y="6886080"/>
-            <a:ext cx="2273400" cy="353160"/>
+            <a:ext cx="2272680" cy="352440"/>
           </a:xfrm>
           <a:prstGeom prst="rect">
             <a:avLst/>
@@ -9484,14 +9340,14 @@
       </p:sp>
       <p:sp>
         <p:nvSpPr>
-          <p:cNvPr id="170" name=""/>
+          <p:cNvPr id="166" name=""/>
           <p:cNvSpPr/>
           <p:nvPr/>
         </p:nvSpPr>
         <p:spPr>
           <a:xfrm>
             <a:off x="342360" y="1529280"/>
-            <a:ext cx="9374400" cy="5357880"/>
+            <a:ext cx="9373680" cy="5357160"/>
           </a:xfrm>
           <a:prstGeom prst="rect">
             <a:avLst/>
@@ -10007,7 +9863,7 @@
       </p:sp>
       <p:pic>
         <p:nvPicPr>
-          <p:cNvPr id="171" name="" descr=""/>
+          <p:cNvPr id="167" name="" descr=""/>
           <p:cNvPicPr/>
           <p:nvPr/>
         </p:nvPicPr>
@@ -10018,7 +9874,7 @@
         <p:spPr>
           <a:xfrm>
             <a:off x="408600" y="3585960"/>
-            <a:ext cx="8770680" cy="2353320"/>
+            <a:ext cx="8769960" cy="2352600"/>
           </a:xfrm>
           <a:prstGeom prst="rect">
             <a:avLst/>
@@ -10060,14 +9916,14 @@
       </p:grpSpPr>
       <p:sp>
         <p:nvSpPr>
-          <p:cNvPr id="172" name="CustomShape 60"/>
+          <p:cNvPr id="168" name="CustomShape 60"/>
           <p:cNvSpPr/>
           <p:nvPr/>
         </p:nvSpPr>
         <p:spPr>
           <a:xfrm>
             <a:off x="360000" y="360000"/>
-            <a:ext cx="9348120" cy="888120"/>
+            <a:ext cx="9347400" cy="887400"/>
           </a:xfrm>
           <a:prstGeom prst="rect">
             <a:avLst/>
@@ -10112,14 +9968,14 @@
       </p:sp>
       <p:sp>
         <p:nvSpPr>
-          <p:cNvPr id="173" name="CustomShape 61"/>
+          <p:cNvPr id="169" name="CustomShape 61"/>
           <p:cNvSpPr/>
           <p:nvPr/>
         </p:nvSpPr>
         <p:spPr>
           <a:xfrm>
             <a:off x="360000" y="1980000"/>
-            <a:ext cx="9168120" cy="4668120"/>
+            <a:ext cx="9167400" cy="4667400"/>
           </a:xfrm>
           <a:prstGeom prst="rect">
             <a:avLst/>
@@ -10171,14 +10027,14 @@
       </p:sp>
       <p:sp>
         <p:nvSpPr>
-          <p:cNvPr id="174" name="CustomShape 62"/>
+          <p:cNvPr id="170" name="CustomShape 62"/>
           <p:cNvSpPr/>
           <p:nvPr/>
         </p:nvSpPr>
         <p:spPr>
           <a:xfrm>
             <a:off x="897120" y="6886080"/>
-            <a:ext cx="6435360" cy="353160"/>
+            <a:ext cx="6434640" cy="352440"/>
           </a:xfrm>
           <a:prstGeom prst="rect">
             <a:avLst/>
@@ -10223,14 +10079,14 @@
       </p:sp>
       <p:sp>
         <p:nvSpPr>
-          <p:cNvPr id="175" name="CustomShape 63"/>
+          <p:cNvPr id="171" name="CustomShape 63"/>
           <p:cNvSpPr/>
           <p:nvPr/>
         </p:nvSpPr>
         <p:spPr>
           <a:xfrm>
             <a:off x="7608600" y="6886080"/>
-            <a:ext cx="2273400" cy="353160"/>
+            <a:ext cx="2272680" cy="352440"/>
           </a:xfrm>
           <a:prstGeom prst="rect">
             <a:avLst/>
@@ -10275,14 +10131,14 @@
       </p:sp>
       <p:sp>
         <p:nvSpPr>
-          <p:cNvPr id="176" name=""/>
+          <p:cNvPr id="172" name=""/>
           <p:cNvSpPr/>
           <p:nvPr/>
         </p:nvSpPr>
         <p:spPr>
           <a:xfrm>
             <a:off x="342360" y="1529280"/>
-            <a:ext cx="9374400" cy="5357880"/>
+            <a:ext cx="9373680" cy="5357160"/>
           </a:xfrm>
           <a:prstGeom prst="rect">
             <a:avLst/>
@@ -10873,7 +10729,7 @@
       </p:sp>
       <p:pic>
         <p:nvPicPr>
-          <p:cNvPr id="177" name="" descr=""/>
+          <p:cNvPr id="173" name="" descr=""/>
           <p:cNvPicPr/>
           <p:nvPr/>
         </p:nvPicPr>
@@ -10884,7 +10740,7 @@
         <p:spPr>
           <a:xfrm>
             <a:off x="3240000" y="867960"/>
-            <a:ext cx="5939280" cy="3271320"/>
+            <a:ext cx="5938560" cy="3270600"/>
           </a:xfrm>
           <a:prstGeom prst="rect">
             <a:avLst/>
@@ -10896,7 +10752,7 @@
       </p:pic>
       <p:pic>
         <p:nvPicPr>
-          <p:cNvPr id="178" name="" descr=""/>
+          <p:cNvPr id="174" name="" descr=""/>
           <p:cNvPicPr/>
           <p:nvPr/>
         </p:nvPicPr>
@@ -10907,7 +10763,7 @@
         <p:spPr>
           <a:xfrm>
             <a:off x="360000" y="3960000"/>
-            <a:ext cx="5651280" cy="2688120"/>
+            <a:ext cx="5650560" cy="2687400"/>
           </a:xfrm>
           <a:prstGeom prst="rect">
             <a:avLst/>
@@ -10949,7 +10805,7 @@
       </p:grpSpPr>
       <p:pic>
         <p:nvPicPr>
-          <p:cNvPr id="179" name="" descr=""/>
+          <p:cNvPr id="175" name="" descr=""/>
           <p:cNvPicPr/>
           <p:nvPr/>
         </p:nvPicPr>
@@ -10960,7 +10816,7 @@
         <p:spPr>
           <a:xfrm>
             <a:off x="342360" y="3780000"/>
-            <a:ext cx="6299280" cy="2875680"/>
+            <a:ext cx="6298560" cy="2874960"/>
           </a:xfrm>
           <a:prstGeom prst="rect">
             <a:avLst/>
@@ -10972,14 +10828,14 @@
       </p:pic>
       <p:sp>
         <p:nvSpPr>
-          <p:cNvPr id="180" name="CustomShape 65"/>
+          <p:cNvPr id="176" name="CustomShape 65"/>
           <p:cNvSpPr/>
           <p:nvPr/>
         </p:nvSpPr>
         <p:spPr>
           <a:xfrm>
             <a:off x="360000" y="360000"/>
-            <a:ext cx="9348120" cy="888120"/>
+            <a:ext cx="9347400" cy="887400"/>
           </a:xfrm>
           <a:prstGeom prst="rect">
             <a:avLst/>
@@ -11024,14 +10880,14 @@
       </p:sp>
       <p:sp>
         <p:nvSpPr>
-          <p:cNvPr id="181" name="CustomShape 66"/>
+          <p:cNvPr id="177" name="CustomShape 66"/>
           <p:cNvSpPr/>
           <p:nvPr/>
         </p:nvSpPr>
         <p:spPr>
           <a:xfrm>
             <a:off x="360000" y="1980000"/>
-            <a:ext cx="9168120" cy="4668120"/>
+            <a:ext cx="9167400" cy="4667400"/>
           </a:xfrm>
           <a:prstGeom prst="rect">
             <a:avLst/>
@@ -11083,14 +10939,14 @@
       </p:sp>
       <p:sp>
         <p:nvSpPr>
-          <p:cNvPr id="182" name="CustomShape 67"/>
+          <p:cNvPr id="178" name="CustomShape 67"/>
           <p:cNvSpPr/>
           <p:nvPr/>
         </p:nvSpPr>
         <p:spPr>
           <a:xfrm>
             <a:off x="897120" y="6886080"/>
-            <a:ext cx="6435360" cy="353160"/>
+            <a:ext cx="6434640" cy="352440"/>
           </a:xfrm>
           <a:prstGeom prst="rect">
             <a:avLst/>
@@ -11135,14 +10991,14 @@
       </p:sp>
       <p:sp>
         <p:nvSpPr>
-          <p:cNvPr id="183" name="CustomShape 68"/>
+          <p:cNvPr id="179" name="CustomShape 68"/>
           <p:cNvSpPr/>
           <p:nvPr/>
         </p:nvSpPr>
         <p:spPr>
           <a:xfrm>
             <a:off x="7608600" y="6886080"/>
-            <a:ext cx="2273400" cy="353160"/>
+            <a:ext cx="2272680" cy="352440"/>
           </a:xfrm>
           <a:prstGeom prst="rect">
             <a:avLst/>
@@ -11187,14 +11043,14 @@
       </p:sp>
       <p:sp>
         <p:nvSpPr>
-          <p:cNvPr id="184" name=""/>
+          <p:cNvPr id="180" name=""/>
           <p:cNvSpPr/>
           <p:nvPr/>
         </p:nvSpPr>
         <p:spPr>
           <a:xfrm>
             <a:off x="342360" y="1529280"/>
-            <a:ext cx="9374400" cy="5357880"/>
+            <a:ext cx="9373680" cy="5357160"/>
           </a:xfrm>
           <a:prstGeom prst="rect">
             <a:avLst/>
@@ -11763,7 +11619,7 @@
       </p:sp>
       <p:pic>
         <p:nvPicPr>
-          <p:cNvPr id="185" name="" descr=""/>
+          <p:cNvPr id="181" name="" descr=""/>
           <p:cNvPicPr/>
           <p:nvPr/>
         </p:nvPicPr>
@@ -11774,7 +11630,7 @@
         <p:spPr>
           <a:xfrm>
             <a:off x="3361680" y="900000"/>
-            <a:ext cx="6166440" cy="3487320"/>
+            <a:ext cx="6165720" cy="3486600"/>
           </a:xfrm>
           <a:prstGeom prst="rect">
             <a:avLst/>
@@ -11816,14 +11672,14 @@
       </p:grpSpPr>
       <p:sp>
         <p:nvSpPr>
-          <p:cNvPr id="186" name="CustomShape 70"/>
+          <p:cNvPr id="182" name="CustomShape 70"/>
           <p:cNvSpPr/>
           <p:nvPr/>
         </p:nvSpPr>
         <p:spPr>
           <a:xfrm>
             <a:off x="360000" y="360000"/>
-            <a:ext cx="9348120" cy="888120"/>
+            <a:ext cx="9347400" cy="887400"/>
           </a:xfrm>
           <a:prstGeom prst="rect">
             <a:avLst/>
@@ -11868,14 +11724,14 @@
       </p:sp>
       <p:sp>
         <p:nvSpPr>
-          <p:cNvPr id="187" name="CustomShape 71"/>
+          <p:cNvPr id="183" name="CustomShape 71"/>
           <p:cNvSpPr/>
           <p:nvPr/>
         </p:nvSpPr>
         <p:spPr>
           <a:xfrm>
             <a:off x="360000" y="1980000"/>
-            <a:ext cx="9168120" cy="4668120"/>
+            <a:ext cx="9167400" cy="4667400"/>
           </a:xfrm>
           <a:prstGeom prst="rect">
             <a:avLst/>
@@ -11927,14 +11783,14 @@
       </p:sp>
       <p:sp>
         <p:nvSpPr>
-          <p:cNvPr id="188" name="CustomShape 72"/>
+          <p:cNvPr id="184" name="CustomShape 72"/>
           <p:cNvSpPr/>
           <p:nvPr/>
         </p:nvSpPr>
         <p:spPr>
           <a:xfrm>
             <a:off x="897120" y="6886080"/>
-            <a:ext cx="6435360" cy="353160"/>
+            <a:ext cx="6434640" cy="352440"/>
           </a:xfrm>
           <a:prstGeom prst="rect">
             <a:avLst/>
@@ -11979,14 +11835,14 @@
       </p:sp>
       <p:sp>
         <p:nvSpPr>
-          <p:cNvPr id="189" name="CustomShape 73"/>
+          <p:cNvPr id="185" name="CustomShape 73"/>
           <p:cNvSpPr/>
           <p:nvPr/>
         </p:nvSpPr>
         <p:spPr>
           <a:xfrm>
             <a:off x="7608600" y="6886080"/>
-            <a:ext cx="2273400" cy="353160"/>
+            <a:ext cx="2272680" cy="352440"/>
           </a:xfrm>
           <a:prstGeom prst="rect">
             <a:avLst/>
@@ -12031,14 +11887,14 @@
       </p:sp>
       <p:sp>
         <p:nvSpPr>
-          <p:cNvPr id="190" name=""/>
+          <p:cNvPr id="186" name=""/>
           <p:cNvSpPr/>
           <p:nvPr/>
         </p:nvSpPr>
         <p:spPr>
           <a:xfrm>
             <a:off x="342360" y="1529280"/>
-            <a:ext cx="9374400" cy="5357880"/>
+            <a:ext cx="9373680" cy="5357160"/>
           </a:xfrm>
           <a:prstGeom prst="rect">
             <a:avLst/>
@@ -12502,7 +12358,7 @@
       </p:sp>
       <p:pic>
         <p:nvPicPr>
-          <p:cNvPr id="191" name="" descr=""/>
+          <p:cNvPr id="187" name="" descr=""/>
           <p:cNvPicPr/>
           <p:nvPr/>
         </p:nvPicPr>
@@ -12513,7 +12369,7 @@
         <p:spPr>
           <a:xfrm>
             <a:off x="2160000" y="2038680"/>
-            <a:ext cx="5857560" cy="4260600"/>
+            <a:ext cx="5856840" cy="4259880"/>
           </a:xfrm>
           <a:prstGeom prst="rect">
             <a:avLst/>
@@ -12555,14 +12411,14 @@
       </p:grpSpPr>
       <p:sp>
         <p:nvSpPr>
-          <p:cNvPr id="192" name="CustomShape 80"/>
+          <p:cNvPr id="188" name="CustomShape 80"/>
           <p:cNvSpPr/>
           <p:nvPr/>
         </p:nvSpPr>
         <p:spPr>
           <a:xfrm>
             <a:off x="360000" y="360000"/>
-            <a:ext cx="9348120" cy="888120"/>
+            <a:ext cx="9347400" cy="887400"/>
           </a:xfrm>
           <a:prstGeom prst="rect">
             <a:avLst/>
@@ -12607,14 +12463,14 @@
       </p:sp>
       <p:sp>
         <p:nvSpPr>
-          <p:cNvPr id="193" name="CustomShape 81"/>
+          <p:cNvPr id="189" name="CustomShape 81"/>
           <p:cNvSpPr/>
           <p:nvPr/>
         </p:nvSpPr>
         <p:spPr>
           <a:xfrm>
             <a:off x="360000" y="1980000"/>
-            <a:ext cx="9168120" cy="4668120"/>
+            <a:ext cx="9167400" cy="4667400"/>
           </a:xfrm>
           <a:prstGeom prst="rect">
             <a:avLst/>
@@ -12666,14 +12522,14 @@
       </p:sp>
       <p:sp>
         <p:nvSpPr>
-          <p:cNvPr id="194" name="CustomShape 82"/>
+          <p:cNvPr id="190" name="CustomShape 82"/>
           <p:cNvSpPr/>
           <p:nvPr/>
         </p:nvSpPr>
         <p:spPr>
           <a:xfrm>
             <a:off x="897120" y="6886080"/>
-            <a:ext cx="6435360" cy="353160"/>
+            <a:ext cx="6434640" cy="352440"/>
           </a:xfrm>
           <a:prstGeom prst="rect">
             <a:avLst/>
@@ -12718,14 +12574,14 @@
       </p:sp>
       <p:sp>
         <p:nvSpPr>
-          <p:cNvPr id="195" name="CustomShape 83"/>
+          <p:cNvPr id="191" name="CustomShape 83"/>
           <p:cNvSpPr/>
           <p:nvPr/>
         </p:nvSpPr>
         <p:spPr>
           <a:xfrm>
             <a:off x="7608600" y="6886080"/>
-            <a:ext cx="2273400" cy="353160"/>
+            <a:ext cx="2272680" cy="352440"/>
           </a:xfrm>
           <a:prstGeom prst="rect">
             <a:avLst/>
@@ -12770,14 +12626,14 @@
       </p:sp>
       <p:sp>
         <p:nvSpPr>
-          <p:cNvPr id="196" name=""/>
+          <p:cNvPr id="192" name=""/>
           <p:cNvSpPr/>
           <p:nvPr/>
         </p:nvSpPr>
         <p:spPr>
           <a:xfrm>
             <a:off x="342360" y="1529280"/>
-            <a:ext cx="9374400" cy="5357880"/>
+            <a:ext cx="9373680" cy="5357160"/>
           </a:xfrm>
           <a:prstGeom prst="rect">
             <a:avLst/>
@@ -13241,14 +13097,14 @@
       </p:sp>
       <p:sp>
         <p:nvSpPr>
-          <p:cNvPr id="197" name=""/>
+          <p:cNvPr id="193" name=""/>
           <p:cNvSpPr/>
           <p:nvPr/>
         </p:nvSpPr>
         <p:spPr>
           <a:xfrm>
             <a:off x="159840" y="1475280"/>
-            <a:ext cx="9374400" cy="5357880"/>
+            <a:ext cx="9373680" cy="5357160"/>
           </a:xfrm>
           <a:prstGeom prst="rect">
             <a:avLst/>
@@ -13820,7 +13676,7 @@
       </p:sp>
       <p:pic>
         <p:nvPicPr>
-          <p:cNvPr id="198" name="" descr=""/>
+          <p:cNvPr id="194" name="" descr=""/>
           <p:cNvPicPr/>
           <p:nvPr/>
         </p:nvPicPr>
@@ -13831,7 +13687,7 @@
         <p:spPr>
           <a:xfrm>
             <a:off x="2520000" y="2207160"/>
-            <a:ext cx="4319280" cy="1932120"/>
+            <a:ext cx="4318560" cy="1931400"/>
           </a:xfrm>
           <a:prstGeom prst="rect">
             <a:avLst/>
@@ -13843,7 +13699,7 @@
       </p:pic>
       <p:pic>
         <p:nvPicPr>
-          <p:cNvPr id="199" name="" descr=""/>
+          <p:cNvPr id="195" name="" descr=""/>
           <p:cNvPicPr/>
           <p:nvPr/>
         </p:nvPicPr>
@@ -13854,7 +13710,7 @@
         <p:spPr>
           <a:xfrm>
             <a:off x="2551680" y="4696200"/>
-            <a:ext cx="4287600" cy="1933560"/>
+            <a:ext cx="4286880" cy="1932840"/>
           </a:xfrm>
           <a:prstGeom prst="rect">
             <a:avLst/>
@@ -13896,14 +13752,14 @@
       </p:grpSpPr>
       <p:sp>
         <p:nvSpPr>
-          <p:cNvPr id="200" name="CustomShape 75"/>
+          <p:cNvPr id="196" name="CustomShape 75"/>
           <p:cNvSpPr/>
           <p:nvPr/>
         </p:nvSpPr>
         <p:spPr>
           <a:xfrm>
             <a:off x="360000" y="360000"/>
-            <a:ext cx="9348120" cy="888120"/>
+            <a:ext cx="9347400" cy="887400"/>
           </a:xfrm>
           <a:prstGeom prst="rect">
             <a:avLst/>
@@ -13948,14 +13804,14 @@
       </p:sp>
       <p:sp>
         <p:nvSpPr>
-          <p:cNvPr id="201" name="CustomShape 76"/>
+          <p:cNvPr id="197" name="CustomShape 76"/>
           <p:cNvSpPr/>
           <p:nvPr/>
         </p:nvSpPr>
         <p:spPr>
           <a:xfrm>
             <a:off x="360000" y="1980000"/>
-            <a:ext cx="9168120" cy="4668120"/>
+            <a:ext cx="9167400" cy="4667400"/>
           </a:xfrm>
           <a:prstGeom prst="rect">
             <a:avLst/>
@@ -14007,14 +13863,14 @@
       </p:sp>
       <p:sp>
         <p:nvSpPr>
-          <p:cNvPr id="202" name="CustomShape 77"/>
+          <p:cNvPr id="198" name="CustomShape 77"/>
           <p:cNvSpPr/>
           <p:nvPr/>
         </p:nvSpPr>
         <p:spPr>
           <a:xfrm>
             <a:off x="897120" y="6886080"/>
-            <a:ext cx="6435360" cy="353160"/>
+            <a:ext cx="6434640" cy="352440"/>
           </a:xfrm>
           <a:prstGeom prst="rect">
             <a:avLst/>
@@ -14059,14 +13915,14 @@
       </p:sp>
       <p:sp>
         <p:nvSpPr>
-          <p:cNvPr id="203" name="CustomShape 78"/>
+          <p:cNvPr id="199" name="CustomShape 78"/>
           <p:cNvSpPr/>
           <p:nvPr/>
         </p:nvSpPr>
         <p:spPr>
           <a:xfrm>
             <a:off x="7608600" y="6886080"/>
-            <a:ext cx="2273400" cy="353160"/>
+            <a:ext cx="2272680" cy="352440"/>
           </a:xfrm>
           <a:prstGeom prst="rect">
             <a:avLst/>
@@ -14111,14 +13967,14 @@
       </p:sp>
       <p:sp>
         <p:nvSpPr>
-          <p:cNvPr id="204" name=""/>
+          <p:cNvPr id="200" name=""/>
           <p:cNvSpPr/>
           <p:nvPr/>
         </p:nvSpPr>
         <p:spPr>
           <a:xfrm>
             <a:off x="342360" y="1529280"/>
-            <a:ext cx="9374400" cy="5357880"/>
+            <a:ext cx="9373680" cy="5357160"/>
           </a:xfrm>
           <a:prstGeom prst="rect">
             <a:avLst/>
@@ -14582,14 +14438,14 @@
       </p:sp>
       <p:sp>
         <p:nvSpPr>
-          <p:cNvPr id="205" name=""/>
+          <p:cNvPr id="201" name=""/>
           <p:cNvSpPr/>
           <p:nvPr/>
         </p:nvSpPr>
         <p:spPr>
           <a:xfrm>
             <a:off x="159840" y="1475280"/>
-            <a:ext cx="9374400" cy="5357880"/>
+            <a:ext cx="9373680" cy="5357160"/>
           </a:xfrm>
           <a:prstGeom prst="rect">
             <a:avLst/>
@@ -15151,7 +15007,7 @@
       </p:sp>
       <p:pic>
         <p:nvPicPr>
-          <p:cNvPr id="206" name="" descr=""/>
+          <p:cNvPr id="202" name="" descr=""/>
           <p:cNvPicPr/>
           <p:nvPr/>
         </p:nvPicPr>
@@ -15162,7 +15018,7 @@
         <p:spPr>
           <a:xfrm>
             <a:off x="3056400" y="2592360"/>
-            <a:ext cx="4046400" cy="3646440"/>
+            <a:ext cx="4045680" cy="3645720"/>
           </a:xfrm>
           <a:prstGeom prst="rect">
             <a:avLst/>
@@ -15204,14 +15060,14 @@
       </p:grpSpPr>
       <p:sp>
         <p:nvSpPr>
-          <p:cNvPr id="207" name="CustomShape 85"/>
+          <p:cNvPr id="203" name="CustomShape 85"/>
           <p:cNvSpPr/>
           <p:nvPr/>
         </p:nvSpPr>
         <p:spPr>
           <a:xfrm>
             <a:off x="360000" y="360000"/>
-            <a:ext cx="9348120" cy="888120"/>
+            <a:ext cx="9347400" cy="887400"/>
           </a:xfrm>
           <a:prstGeom prst="rect">
             <a:avLst/>
@@ -15256,14 +15112,14 @@
       </p:sp>
       <p:sp>
         <p:nvSpPr>
-          <p:cNvPr id="208" name="CustomShape 86"/>
+          <p:cNvPr id="204" name="CustomShape 86"/>
           <p:cNvSpPr/>
           <p:nvPr/>
         </p:nvSpPr>
         <p:spPr>
           <a:xfrm>
             <a:off x="360000" y="1980000"/>
-            <a:ext cx="9168120" cy="4668120"/>
+            <a:ext cx="9167400" cy="4667400"/>
           </a:xfrm>
           <a:prstGeom prst="rect">
             <a:avLst/>
@@ -15315,14 +15171,14 @@
       </p:sp>
       <p:sp>
         <p:nvSpPr>
-          <p:cNvPr id="209" name="CustomShape 87"/>
+          <p:cNvPr id="205" name="CustomShape 87"/>
           <p:cNvSpPr/>
           <p:nvPr/>
         </p:nvSpPr>
         <p:spPr>
           <a:xfrm>
             <a:off x="897120" y="6886080"/>
-            <a:ext cx="6435360" cy="353160"/>
+            <a:ext cx="6434640" cy="352440"/>
           </a:xfrm>
           <a:prstGeom prst="rect">
             <a:avLst/>
@@ -15367,14 +15223,14 @@
       </p:sp>
       <p:sp>
         <p:nvSpPr>
-          <p:cNvPr id="210" name="CustomShape 88"/>
+          <p:cNvPr id="206" name="CustomShape 88"/>
           <p:cNvSpPr/>
           <p:nvPr/>
         </p:nvSpPr>
         <p:spPr>
           <a:xfrm>
             <a:off x="7608600" y="6886080"/>
-            <a:ext cx="2273400" cy="353160"/>
+            <a:ext cx="2272680" cy="352440"/>
           </a:xfrm>
           <a:prstGeom prst="rect">
             <a:avLst/>
@@ -15419,14 +15275,14 @@
       </p:sp>
       <p:sp>
         <p:nvSpPr>
-          <p:cNvPr id="211" name=""/>
+          <p:cNvPr id="207" name=""/>
           <p:cNvSpPr/>
           <p:nvPr/>
         </p:nvSpPr>
         <p:spPr>
           <a:xfrm>
             <a:off x="342360" y="1529280"/>
-            <a:ext cx="9374400" cy="5357880"/>
+            <a:ext cx="9373680" cy="5357160"/>
           </a:xfrm>
           <a:prstGeom prst="rect">
             <a:avLst/>
@@ -15890,14 +15746,14 @@
       </p:sp>
       <p:sp>
         <p:nvSpPr>
-          <p:cNvPr id="212" name=""/>
+          <p:cNvPr id="208" name=""/>
           <p:cNvSpPr/>
           <p:nvPr/>
         </p:nvSpPr>
         <p:spPr>
           <a:xfrm>
             <a:off x="159840" y="1475280"/>
-            <a:ext cx="9374400" cy="5357880"/>
+            <a:ext cx="9373680" cy="5357160"/>
           </a:xfrm>
           <a:prstGeom prst="rect">
             <a:avLst/>
@@ -16019,7 +15875,7 @@
                 <a:ea typeface="DejaVu Sans"/>
                 <a:hlinkClick r:id="rId1"/>
               </a:rPr>
-              <a:t>Tópico 02 - Regressão.ipynb </a:t>
+              <a:t>Tópico 02 - Regressão.ipynb</a:t>
             </a:r>
             <a:endParaRPr b="0" lang="pt-BR" sz="1600" spc="-1" strike="noStrike">
               <a:latin typeface="Arial"/>
@@ -16594,7 +16450,7 @@
         <p:spPr>
           <a:xfrm>
             <a:off x="360000" y="360000"/>
-            <a:ext cx="9348120" cy="888120"/>
+            <a:ext cx="9347400" cy="887400"/>
           </a:xfrm>
           <a:prstGeom prst="rect">
             <a:avLst/>
@@ -16646,7 +16502,7 @@
         <p:spPr>
           <a:xfrm>
             <a:off x="360000" y="1980000"/>
-            <a:ext cx="9168120" cy="4668120"/>
+            <a:ext cx="9167400" cy="4667400"/>
           </a:xfrm>
           <a:prstGeom prst="rect">
             <a:avLst/>
@@ -16778,7 +16634,7 @@
         <p:spPr>
           <a:xfrm>
             <a:off x="897120" y="6886080"/>
-            <a:ext cx="6435360" cy="353160"/>
+            <a:ext cx="6434640" cy="352440"/>
           </a:xfrm>
           <a:prstGeom prst="rect">
             <a:avLst/>
@@ -16830,7 +16686,7 @@
         <p:spPr>
           <a:xfrm>
             <a:off x="7608600" y="6886080"/>
-            <a:ext cx="2273400" cy="353160"/>
+            <a:ext cx="2272680" cy="352440"/>
           </a:xfrm>
           <a:prstGeom prst="rect">
             <a:avLst/>
@@ -16873,99 +16729,9 @@
           </a:p>
         </p:txBody>
       </p:sp>
-      <p:sp>
-        <p:nvSpPr>
-          <p:cNvPr id="93" name=""/>
-          <p:cNvSpPr/>
-          <p:nvPr/>
-        </p:nvSpPr>
-        <p:spPr>
-          <a:xfrm>
-            <a:off x="2520360" y="5508360"/>
-            <a:ext cx="262800" cy="262800"/>
-          </a:xfrm>
-          <a:prstGeom prst="ellipse">
-            <a:avLst/>
-          </a:prstGeom>
-          <a:solidFill>
-            <a:srgbClr val="00a933"/>
-          </a:solidFill>
-          <a:ln w="0">
-            <a:solidFill>
-              <a:srgbClr val="3465a4"/>
-            </a:solidFill>
-          </a:ln>
-        </p:spPr>
-        <p:style>
-          <a:lnRef idx="0"/>
-          <a:fillRef idx="0"/>
-          <a:effectRef idx="0"/>
-          <a:fontRef idx="minor"/>
-        </p:style>
-      </p:sp>
-      <p:sp>
-        <p:nvSpPr>
-          <p:cNvPr id="94" name=""/>
-          <p:cNvSpPr/>
-          <p:nvPr/>
-        </p:nvSpPr>
-        <p:spPr>
-          <a:xfrm>
-            <a:off x="2052360" y="5508360"/>
-            <a:ext cx="262800" cy="262800"/>
-          </a:xfrm>
-          <a:prstGeom prst="ellipse">
-            <a:avLst/>
-          </a:prstGeom>
-          <a:solidFill>
-            <a:srgbClr val="00a933"/>
-          </a:solidFill>
-          <a:ln w="0">
-            <a:solidFill>
-              <a:srgbClr val="3465a4"/>
-            </a:solidFill>
-          </a:ln>
-        </p:spPr>
-        <p:style>
-          <a:lnRef idx="0"/>
-          <a:fillRef idx="0"/>
-          <a:effectRef idx="0"/>
-          <a:fontRef idx="minor"/>
-        </p:style>
-      </p:sp>
-      <p:sp>
-        <p:nvSpPr>
-          <p:cNvPr id="95" name=""/>
-          <p:cNvSpPr/>
-          <p:nvPr/>
-        </p:nvSpPr>
-        <p:spPr>
-          <a:xfrm>
-            <a:off x="2988720" y="5508360"/>
-            <a:ext cx="262800" cy="262800"/>
-          </a:xfrm>
-          <a:prstGeom prst="ellipse">
-            <a:avLst/>
-          </a:prstGeom>
-          <a:solidFill>
-            <a:srgbClr val="00a933"/>
-          </a:solidFill>
-          <a:ln w="0">
-            <a:solidFill>
-              <a:srgbClr val="3465a4"/>
-            </a:solidFill>
-          </a:ln>
-        </p:spPr>
-        <p:style>
-          <a:lnRef idx="0"/>
-          <a:fillRef idx="0"/>
-          <a:effectRef idx="0"/>
-          <a:fontRef idx="minor"/>
-        </p:style>
-      </p:sp>
       <p:pic>
         <p:nvPicPr>
-          <p:cNvPr id="96" name="" descr=""/>
+          <p:cNvPr id="93" name="" descr=""/>
           <p:cNvPicPr/>
           <p:nvPr/>
         </p:nvPicPr>
@@ -16975,31 +16741,8 @@
         </p:blipFill>
         <p:spPr>
           <a:xfrm>
-            <a:off x="1523880" y="3819240"/>
-            <a:ext cx="7425000" cy="2214720"/>
-          </a:xfrm>
-          <a:prstGeom prst="rect">
-            <a:avLst/>
-          </a:prstGeom>
-          <a:ln w="0">
-            <a:noFill/>
-          </a:ln>
-        </p:spPr>
-      </p:pic>
-      <p:pic>
-        <p:nvPicPr>
-          <p:cNvPr id="97" name="" descr=""/>
-          <p:cNvPicPr/>
-          <p:nvPr/>
-        </p:nvPicPr>
-        <p:blipFill>
-          <a:blip r:embed="rId2"/>
-          <a:stretch/>
-        </p:blipFill>
-        <p:spPr>
-          <a:xfrm>
-            <a:off x="3254760" y="5589720"/>
-            <a:ext cx="415440" cy="444240"/>
+            <a:off x="1440000" y="4140000"/>
+            <a:ext cx="7183800" cy="2152440"/>
           </a:xfrm>
           <a:prstGeom prst="rect">
             <a:avLst/>
@@ -17041,14 +16784,14 @@
       </p:grpSpPr>
       <p:sp>
         <p:nvSpPr>
-          <p:cNvPr id="98" name="CustomShape 8"/>
+          <p:cNvPr id="94" name="CustomShape 8"/>
           <p:cNvSpPr/>
           <p:nvPr/>
         </p:nvSpPr>
         <p:spPr>
           <a:xfrm>
             <a:off x="360000" y="360000"/>
-            <a:ext cx="9348120" cy="888120"/>
+            <a:ext cx="9347400" cy="887400"/>
           </a:xfrm>
           <a:prstGeom prst="rect">
             <a:avLst/>
@@ -17093,14 +16836,14 @@
       </p:sp>
       <p:sp>
         <p:nvSpPr>
-          <p:cNvPr id="99" name="CustomShape 9"/>
+          <p:cNvPr id="95" name="CustomShape 9"/>
           <p:cNvSpPr/>
           <p:nvPr/>
         </p:nvSpPr>
         <p:spPr>
           <a:xfrm>
             <a:off x="360000" y="1980000"/>
-            <a:ext cx="9168120" cy="4668120"/>
+            <a:ext cx="9167400" cy="4667400"/>
           </a:xfrm>
           <a:prstGeom prst="rect">
             <a:avLst/>
@@ -17152,14 +16895,14 @@
       </p:sp>
       <p:sp>
         <p:nvSpPr>
-          <p:cNvPr id="100" name="CustomShape 10"/>
+          <p:cNvPr id="96" name="CustomShape 10"/>
           <p:cNvSpPr/>
           <p:nvPr/>
         </p:nvSpPr>
         <p:spPr>
           <a:xfrm>
             <a:off x="897120" y="6886080"/>
-            <a:ext cx="6435360" cy="353160"/>
+            <a:ext cx="6434640" cy="352440"/>
           </a:xfrm>
           <a:prstGeom prst="rect">
             <a:avLst/>
@@ -17204,14 +16947,14 @@
       </p:sp>
       <p:sp>
         <p:nvSpPr>
-          <p:cNvPr id="101" name="CustomShape 11"/>
+          <p:cNvPr id="97" name="CustomShape 11"/>
           <p:cNvSpPr/>
           <p:nvPr/>
         </p:nvSpPr>
         <p:spPr>
           <a:xfrm>
             <a:off x="7608600" y="6886080"/>
-            <a:ext cx="2273400" cy="353160"/>
+            <a:ext cx="2272680" cy="352440"/>
           </a:xfrm>
           <a:prstGeom prst="rect">
             <a:avLst/>
@@ -17256,14 +16999,14 @@
       </p:sp>
       <p:sp>
         <p:nvSpPr>
-          <p:cNvPr id="102" name=""/>
+          <p:cNvPr id="98" name=""/>
           <p:cNvSpPr/>
           <p:nvPr/>
         </p:nvSpPr>
         <p:spPr>
           <a:xfrm>
             <a:off x="342360" y="1529280"/>
-            <a:ext cx="9374400" cy="5357880"/>
+            <a:ext cx="9373680" cy="5357160"/>
           </a:xfrm>
           <a:prstGeom prst="rect">
             <a:avLst/>
@@ -17647,7 +17390,7 @@
       </p:sp>
       <p:pic>
         <p:nvPicPr>
-          <p:cNvPr id="103" name="" descr=""/>
+          <p:cNvPr id="99" name="" descr=""/>
           <p:cNvPicPr/>
           <p:nvPr/>
         </p:nvPicPr>
@@ -17658,7 +17401,7 @@
         <p:spPr>
           <a:xfrm>
             <a:off x="2004480" y="2880000"/>
-            <a:ext cx="6094800" cy="3047040"/>
+            <a:ext cx="6094080" cy="3046320"/>
           </a:xfrm>
           <a:prstGeom prst="rect">
             <a:avLst/>
@@ -17700,14 +17443,14 @@
       </p:grpSpPr>
       <p:sp>
         <p:nvSpPr>
-          <p:cNvPr id="104" name="CustomShape 6"/>
+          <p:cNvPr id="100" name="CustomShape 6"/>
           <p:cNvSpPr/>
           <p:nvPr/>
         </p:nvSpPr>
         <p:spPr>
           <a:xfrm>
             <a:off x="360000" y="360000"/>
-            <a:ext cx="9348120" cy="888120"/>
+            <a:ext cx="9347400" cy="887400"/>
           </a:xfrm>
           <a:prstGeom prst="rect">
             <a:avLst/>
@@ -17752,14 +17495,14 @@
       </p:sp>
       <p:sp>
         <p:nvSpPr>
-          <p:cNvPr id="105" name="CustomShape 7"/>
+          <p:cNvPr id="101" name="CustomShape 7"/>
           <p:cNvSpPr/>
           <p:nvPr/>
         </p:nvSpPr>
         <p:spPr>
           <a:xfrm>
             <a:off x="360000" y="1980000"/>
-            <a:ext cx="9168120" cy="4668120"/>
+            <a:ext cx="9167400" cy="4667400"/>
           </a:xfrm>
           <a:prstGeom prst="rect">
             <a:avLst/>
@@ -17811,14 +17554,14 @@
       </p:sp>
       <p:sp>
         <p:nvSpPr>
-          <p:cNvPr id="106" name="CustomShape 12"/>
+          <p:cNvPr id="102" name="CustomShape 12"/>
           <p:cNvSpPr/>
           <p:nvPr/>
         </p:nvSpPr>
         <p:spPr>
           <a:xfrm>
             <a:off x="897120" y="6886080"/>
-            <a:ext cx="6435360" cy="353160"/>
+            <a:ext cx="6434640" cy="352440"/>
           </a:xfrm>
           <a:prstGeom prst="rect">
             <a:avLst/>
@@ -17863,14 +17606,14 @@
       </p:sp>
       <p:sp>
         <p:nvSpPr>
-          <p:cNvPr id="107" name="CustomShape 13"/>
+          <p:cNvPr id="103" name="CustomShape 13"/>
           <p:cNvSpPr/>
           <p:nvPr/>
         </p:nvSpPr>
         <p:spPr>
           <a:xfrm>
             <a:off x="7608600" y="6886080"/>
-            <a:ext cx="2273400" cy="353160"/>
+            <a:ext cx="2272680" cy="352440"/>
           </a:xfrm>
           <a:prstGeom prst="rect">
             <a:avLst/>
@@ -17915,14 +17658,14 @@
       </p:sp>
       <p:sp>
         <p:nvSpPr>
-          <p:cNvPr id="108" name=""/>
+          <p:cNvPr id="104" name=""/>
           <p:cNvSpPr/>
           <p:nvPr/>
         </p:nvSpPr>
         <p:spPr>
           <a:xfrm>
             <a:off x="342360" y="1529280"/>
-            <a:ext cx="9374400" cy="5357880"/>
+            <a:ext cx="9373680" cy="5357160"/>
           </a:xfrm>
           <a:prstGeom prst="rect">
             <a:avLst/>
@@ -17989,7 +17732,7 @@
                 <a:latin typeface="Latin Modern Sans"/>
                 <a:ea typeface="DejaVu Sans"/>
               </a:rPr>
-              <a:t>Mapeao X em Y contínuo</a:t>
+              <a:t>Mapeando X em Y contínuo</a:t>
             </a:r>
             <a:endParaRPr b="0" lang="pt-BR" sz="1600" spc="-1" strike="noStrike">
               <a:latin typeface="Arial"/>
@@ -18404,7 +18147,7 @@
       </p:sp>
       <p:pic>
         <p:nvPicPr>
-          <p:cNvPr id="109" name="" descr=""/>
+          <p:cNvPr id="105" name="" descr=""/>
           <p:cNvPicPr/>
           <p:nvPr/>
         </p:nvPicPr>
@@ -18415,7 +18158,7 @@
         <p:spPr>
           <a:xfrm>
             <a:off x="2880000" y="3060000"/>
-            <a:ext cx="5630400" cy="2929680"/>
+            <a:ext cx="5629680" cy="2928960"/>
           </a:xfrm>
           <a:prstGeom prst="rect">
             <a:avLst/>
@@ -18457,14 +18200,14 @@
       </p:grpSpPr>
       <p:sp>
         <p:nvSpPr>
-          <p:cNvPr id="110" name="CustomShape 15"/>
+          <p:cNvPr id="106" name="CustomShape 15"/>
           <p:cNvSpPr/>
           <p:nvPr/>
         </p:nvSpPr>
         <p:spPr>
           <a:xfrm>
             <a:off x="360000" y="360000"/>
-            <a:ext cx="9348120" cy="888120"/>
+            <a:ext cx="9347400" cy="887400"/>
           </a:xfrm>
           <a:prstGeom prst="rect">
             <a:avLst/>
@@ -18509,14 +18252,14 @@
       </p:sp>
       <p:sp>
         <p:nvSpPr>
-          <p:cNvPr id="111" name="CustomShape 16"/>
+          <p:cNvPr id="107" name="CustomShape 16"/>
           <p:cNvSpPr/>
           <p:nvPr/>
         </p:nvSpPr>
         <p:spPr>
           <a:xfrm>
             <a:off x="360000" y="1980000"/>
-            <a:ext cx="9168120" cy="4668120"/>
+            <a:ext cx="9167400" cy="4667400"/>
           </a:xfrm>
           <a:prstGeom prst="rect">
             <a:avLst/>
@@ -18568,14 +18311,14 @@
       </p:sp>
       <p:sp>
         <p:nvSpPr>
-          <p:cNvPr id="112" name="CustomShape 17"/>
+          <p:cNvPr id="108" name="CustomShape 17"/>
           <p:cNvSpPr/>
           <p:nvPr/>
         </p:nvSpPr>
         <p:spPr>
           <a:xfrm>
             <a:off x="897120" y="6886080"/>
-            <a:ext cx="6435360" cy="353160"/>
+            <a:ext cx="6434640" cy="352440"/>
           </a:xfrm>
           <a:prstGeom prst="rect">
             <a:avLst/>
@@ -18620,14 +18363,14 @@
       </p:sp>
       <p:sp>
         <p:nvSpPr>
-          <p:cNvPr id="113" name="CustomShape 18"/>
+          <p:cNvPr id="109" name="CustomShape 18"/>
           <p:cNvSpPr/>
           <p:nvPr/>
         </p:nvSpPr>
         <p:spPr>
           <a:xfrm>
             <a:off x="7608600" y="6886080"/>
-            <a:ext cx="2273400" cy="353160"/>
+            <a:ext cx="2272680" cy="352440"/>
           </a:xfrm>
           <a:prstGeom prst="rect">
             <a:avLst/>
@@ -18672,14 +18415,14 @@
       </p:sp>
       <p:sp>
         <p:nvSpPr>
-          <p:cNvPr id="114" name=""/>
+          <p:cNvPr id="110" name=""/>
           <p:cNvSpPr/>
           <p:nvPr/>
         </p:nvSpPr>
         <p:spPr>
           <a:xfrm>
             <a:off x="342360" y="1529280"/>
-            <a:ext cx="9374400" cy="5357880"/>
+            <a:ext cx="9373680" cy="5357160"/>
           </a:xfrm>
           <a:prstGeom prst="rect">
             <a:avLst/>
@@ -19208,7 +18951,7 @@
       </p:sp>
       <p:pic>
         <p:nvPicPr>
-          <p:cNvPr id="115" name="" descr=""/>
+          <p:cNvPr id="111" name="" descr=""/>
           <p:cNvPicPr/>
           <p:nvPr/>
         </p:nvPicPr>
@@ -19219,7 +18962,7 @@
         <p:spPr>
           <a:xfrm>
             <a:off x="360000" y="2700000"/>
-            <a:ext cx="4370040" cy="2447280"/>
+            <a:ext cx="4369320" cy="2446560"/>
           </a:xfrm>
           <a:prstGeom prst="rect">
             <a:avLst/>
@@ -19231,7 +18974,7 @@
       </p:pic>
       <p:pic>
         <p:nvPicPr>
-          <p:cNvPr id="116" name="" descr=""/>
+          <p:cNvPr id="112" name="" descr=""/>
           <p:cNvPicPr/>
           <p:nvPr/>
         </p:nvPicPr>
@@ -19242,7 +18985,7 @@
         <p:spPr>
           <a:xfrm>
             <a:off x="4860000" y="2532600"/>
-            <a:ext cx="4679280" cy="2866680"/>
+            <a:ext cx="4678560" cy="2865960"/>
           </a:xfrm>
           <a:prstGeom prst="rect">
             <a:avLst/>
@@ -19284,14 +19027,14 @@
       </p:grpSpPr>
       <p:sp>
         <p:nvSpPr>
-          <p:cNvPr id="117" name="CustomShape 25"/>
+          <p:cNvPr id="113" name="CustomShape 25"/>
           <p:cNvSpPr/>
           <p:nvPr/>
         </p:nvSpPr>
         <p:spPr>
           <a:xfrm>
             <a:off x="360000" y="360000"/>
-            <a:ext cx="9348120" cy="888120"/>
+            <a:ext cx="9347400" cy="887400"/>
           </a:xfrm>
           <a:prstGeom prst="rect">
             <a:avLst/>
@@ -19336,14 +19079,14 @@
       </p:sp>
       <p:sp>
         <p:nvSpPr>
-          <p:cNvPr id="118" name="CustomShape 26"/>
+          <p:cNvPr id="114" name="CustomShape 26"/>
           <p:cNvSpPr/>
           <p:nvPr/>
         </p:nvSpPr>
         <p:spPr>
           <a:xfrm>
             <a:off x="360000" y="1980000"/>
-            <a:ext cx="9168120" cy="4668120"/>
+            <a:ext cx="9167400" cy="4667400"/>
           </a:xfrm>
           <a:prstGeom prst="rect">
             <a:avLst/>
@@ -19395,14 +19138,14 @@
       </p:sp>
       <p:sp>
         <p:nvSpPr>
-          <p:cNvPr id="119" name="CustomShape 27"/>
+          <p:cNvPr id="115" name="CustomShape 27"/>
           <p:cNvSpPr/>
           <p:nvPr/>
         </p:nvSpPr>
         <p:spPr>
           <a:xfrm>
             <a:off x="897120" y="6886080"/>
-            <a:ext cx="6435360" cy="353160"/>
+            <a:ext cx="6434640" cy="352440"/>
           </a:xfrm>
           <a:prstGeom prst="rect">
             <a:avLst/>
@@ -19447,14 +19190,14 @@
       </p:sp>
       <p:sp>
         <p:nvSpPr>
-          <p:cNvPr id="120" name="CustomShape 28"/>
+          <p:cNvPr id="116" name="CustomShape 28"/>
           <p:cNvSpPr/>
           <p:nvPr/>
         </p:nvSpPr>
         <p:spPr>
           <a:xfrm>
             <a:off x="7608600" y="6886080"/>
-            <a:ext cx="2273400" cy="353160"/>
+            <a:ext cx="2272680" cy="352440"/>
           </a:xfrm>
           <a:prstGeom prst="rect">
             <a:avLst/>
@@ -19499,14 +19242,14 @@
       </p:sp>
       <p:sp>
         <p:nvSpPr>
-          <p:cNvPr id="121" name=""/>
+          <p:cNvPr id="117" name=""/>
           <p:cNvSpPr/>
           <p:nvPr/>
         </p:nvSpPr>
         <p:spPr>
           <a:xfrm>
             <a:off x="342360" y="1529280"/>
-            <a:ext cx="9374400" cy="5357880"/>
+            <a:ext cx="9373680" cy="5357160"/>
           </a:xfrm>
           <a:prstGeom prst="rect">
             <a:avLst/>
@@ -20066,7 +19809,7 @@
       </p:sp>
       <p:pic>
         <p:nvPicPr>
-          <p:cNvPr id="122" name="" descr=""/>
+          <p:cNvPr id="118" name="" descr=""/>
           <p:cNvPicPr/>
           <p:nvPr/>
         </p:nvPicPr>
@@ -20077,7 +19820,7 @@
         <p:spPr>
           <a:xfrm>
             <a:off x="4140000" y="2103120"/>
-            <a:ext cx="5437800" cy="4628160"/>
+            <a:ext cx="5437080" cy="4627440"/>
           </a:xfrm>
           <a:prstGeom prst="rect">
             <a:avLst/>
@@ -20089,7 +19832,7 @@
       </p:pic>
       <p:pic>
         <p:nvPicPr>
-          <p:cNvPr id="123" name="" descr=""/>
+          <p:cNvPr id="119" name="" descr=""/>
           <p:cNvPicPr/>
           <p:nvPr/>
         </p:nvPicPr>
@@ -20100,7 +19843,7 @@
         <p:spPr>
           <a:xfrm>
             <a:off x="540000" y="2700000"/>
-            <a:ext cx="1770480" cy="703800"/>
+            <a:ext cx="1769760" cy="703080"/>
           </a:xfrm>
           <a:prstGeom prst="rect">
             <a:avLst/>
@@ -20112,7 +19855,7 @@
       </p:pic>
       <p:pic>
         <p:nvPicPr>
-          <p:cNvPr id="124" name="" descr=""/>
+          <p:cNvPr id="120" name="" descr=""/>
           <p:cNvPicPr/>
           <p:nvPr/>
         </p:nvPicPr>
@@ -20123,7 +19866,7 @@
         <p:spPr>
           <a:xfrm>
             <a:off x="540000" y="4140000"/>
-            <a:ext cx="2570760" cy="713160"/>
+            <a:ext cx="2570040" cy="712440"/>
           </a:xfrm>
           <a:prstGeom prst="rect">
             <a:avLst/>
@@ -20135,7 +19878,7 @@
       </p:pic>
       <p:pic>
         <p:nvPicPr>
-          <p:cNvPr id="125" name="" descr=""/>
+          <p:cNvPr id="121" name="" descr=""/>
           <p:cNvPicPr/>
           <p:nvPr/>
         </p:nvPicPr>
@@ -20147,7 +19890,7 @@
         <p:spPr>
           <a:xfrm>
             <a:off x="7457040" y="4140000"/>
-            <a:ext cx="2209680" cy="909720"/>
+            <a:ext cx="2208960" cy="909000"/>
           </a:xfrm>
           <a:prstGeom prst="rect">
             <a:avLst/>
@@ -20189,14 +19932,14 @@
       </p:grpSpPr>
       <p:sp>
         <p:nvSpPr>
-          <p:cNvPr id="126" name="CustomShape 20"/>
+          <p:cNvPr id="122" name="CustomShape 20"/>
           <p:cNvSpPr/>
           <p:nvPr/>
         </p:nvSpPr>
         <p:spPr>
           <a:xfrm>
             <a:off x="360000" y="360000"/>
-            <a:ext cx="9348120" cy="888120"/>
+            <a:ext cx="9347400" cy="887400"/>
           </a:xfrm>
           <a:prstGeom prst="rect">
             <a:avLst/>
@@ -20241,14 +19984,14 @@
       </p:sp>
       <p:sp>
         <p:nvSpPr>
-          <p:cNvPr id="127" name="CustomShape 21"/>
+          <p:cNvPr id="123" name="CustomShape 21"/>
           <p:cNvSpPr/>
           <p:nvPr/>
         </p:nvSpPr>
         <p:spPr>
           <a:xfrm>
             <a:off x="360000" y="1980000"/>
-            <a:ext cx="9168120" cy="4668120"/>
+            <a:ext cx="9167400" cy="4667400"/>
           </a:xfrm>
           <a:prstGeom prst="rect">
             <a:avLst/>
@@ -20300,14 +20043,14 @@
       </p:sp>
       <p:sp>
         <p:nvSpPr>
-          <p:cNvPr id="128" name="CustomShape 22"/>
+          <p:cNvPr id="124" name="CustomShape 22"/>
           <p:cNvSpPr/>
           <p:nvPr/>
         </p:nvSpPr>
         <p:spPr>
           <a:xfrm>
             <a:off x="897120" y="6886080"/>
-            <a:ext cx="6435360" cy="353160"/>
+            <a:ext cx="6434640" cy="352440"/>
           </a:xfrm>
           <a:prstGeom prst="rect">
             <a:avLst/>
@@ -20352,14 +20095,14 @@
       </p:sp>
       <p:sp>
         <p:nvSpPr>
-          <p:cNvPr id="129" name="CustomShape 23"/>
+          <p:cNvPr id="125" name="CustomShape 23"/>
           <p:cNvSpPr/>
           <p:nvPr/>
         </p:nvSpPr>
         <p:spPr>
           <a:xfrm>
             <a:off x="7608600" y="6886080"/>
-            <a:ext cx="2273400" cy="353160"/>
+            <a:ext cx="2272680" cy="352440"/>
           </a:xfrm>
           <a:prstGeom prst="rect">
             <a:avLst/>
@@ -20404,14 +20147,14 @@
       </p:sp>
       <p:sp>
         <p:nvSpPr>
-          <p:cNvPr id="130" name=""/>
+          <p:cNvPr id="126" name=""/>
           <p:cNvSpPr/>
           <p:nvPr/>
         </p:nvSpPr>
         <p:spPr>
           <a:xfrm>
             <a:off x="342360" y="1529280"/>
-            <a:ext cx="9374400" cy="5357880"/>
+            <a:ext cx="9373680" cy="5357160"/>
           </a:xfrm>
           <a:prstGeom prst="rect">
             <a:avLst/>
@@ -20895,7 +20638,7 @@
       </p:sp>
       <p:pic>
         <p:nvPicPr>
-          <p:cNvPr id="131" name="" descr=""/>
+          <p:cNvPr id="127" name="" descr=""/>
           <p:cNvPicPr/>
           <p:nvPr/>
         </p:nvPicPr>
@@ -20906,7 +20649,7 @@
         <p:spPr>
           <a:xfrm>
             <a:off x="500040" y="2880000"/>
-            <a:ext cx="2559240" cy="1439280"/>
+            <a:ext cx="2558520" cy="1438560"/>
           </a:xfrm>
           <a:prstGeom prst="rect">
             <a:avLst/>
@@ -20918,7 +20661,7 @@
       </p:pic>
       <p:graphicFrame>
         <p:nvGraphicFramePr>
-          <p:cNvPr id="132" name=""/>
+          <p:cNvPr id="128" name=""/>
           <p:cNvGraphicFramePr/>
           <p:nvPr/>
         </p:nvGraphicFramePr>
@@ -22636,14 +22379,14 @@
       </p:grpSpPr>
       <p:sp>
         <p:nvSpPr>
-          <p:cNvPr id="133" name="CustomShape 30"/>
+          <p:cNvPr id="129" name="CustomShape 30"/>
           <p:cNvSpPr/>
           <p:nvPr/>
         </p:nvSpPr>
         <p:spPr>
           <a:xfrm>
             <a:off x="360000" y="360000"/>
-            <a:ext cx="9348120" cy="888120"/>
+            <a:ext cx="9347400" cy="887400"/>
           </a:xfrm>
           <a:prstGeom prst="rect">
             <a:avLst/>
@@ -22688,14 +22431,14 @@
       </p:sp>
       <p:sp>
         <p:nvSpPr>
-          <p:cNvPr id="134" name="CustomShape 31"/>
+          <p:cNvPr id="130" name="CustomShape 31"/>
           <p:cNvSpPr/>
           <p:nvPr/>
         </p:nvSpPr>
         <p:spPr>
           <a:xfrm>
             <a:off x="360000" y="1980000"/>
-            <a:ext cx="9168120" cy="4668120"/>
+            <a:ext cx="9167400" cy="4667400"/>
           </a:xfrm>
           <a:prstGeom prst="rect">
             <a:avLst/>
@@ -22747,14 +22490,14 @@
       </p:sp>
       <p:sp>
         <p:nvSpPr>
-          <p:cNvPr id="135" name="CustomShape 32"/>
+          <p:cNvPr id="131" name="CustomShape 32"/>
           <p:cNvSpPr/>
           <p:nvPr/>
         </p:nvSpPr>
         <p:spPr>
           <a:xfrm>
             <a:off x="897120" y="6886080"/>
-            <a:ext cx="6435360" cy="353160"/>
+            <a:ext cx="6434640" cy="352440"/>
           </a:xfrm>
           <a:prstGeom prst="rect">
             <a:avLst/>
@@ -22799,14 +22542,14 @@
       </p:sp>
       <p:sp>
         <p:nvSpPr>
-          <p:cNvPr id="136" name="CustomShape 33"/>
+          <p:cNvPr id="132" name="CustomShape 33"/>
           <p:cNvSpPr/>
           <p:nvPr/>
         </p:nvSpPr>
         <p:spPr>
           <a:xfrm>
             <a:off x="7608600" y="6886080"/>
-            <a:ext cx="2273400" cy="353160"/>
+            <a:ext cx="2272680" cy="352440"/>
           </a:xfrm>
           <a:prstGeom prst="rect">
             <a:avLst/>
@@ -22851,14 +22594,14 @@
       </p:sp>
       <p:sp>
         <p:nvSpPr>
-          <p:cNvPr id="137" name=""/>
+          <p:cNvPr id="133" name=""/>
           <p:cNvSpPr/>
           <p:nvPr/>
         </p:nvSpPr>
         <p:spPr>
           <a:xfrm>
             <a:off x="342360" y="1529280"/>
-            <a:ext cx="9374400" cy="5357880"/>
+            <a:ext cx="9373680" cy="5357160"/>
           </a:xfrm>
           <a:prstGeom prst="rect">
             <a:avLst/>
@@ -23278,7 +23021,7 @@
       </p:sp>
       <p:pic>
         <p:nvPicPr>
-          <p:cNvPr id="138" name="" descr=""/>
+          <p:cNvPr id="134" name="" descr=""/>
           <p:cNvPicPr/>
           <p:nvPr/>
         </p:nvPicPr>
@@ -23289,7 +23032,7 @@
         <p:spPr>
           <a:xfrm>
             <a:off x="180000" y="2160000"/>
-            <a:ext cx="4679280" cy="3255120"/>
+            <a:ext cx="4678560" cy="3254400"/>
           </a:xfrm>
           <a:prstGeom prst="rect">
             <a:avLst/>
@@ -23301,7 +23044,7 @@
       </p:pic>
       <p:pic>
         <p:nvPicPr>
-          <p:cNvPr id="139" name="" descr=""/>
+          <p:cNvPr id="135" name="" descr=""/>
           <p:cNvPicPr/>
           <p:nvPr/>
         </p:nvPicPr>
@@ -23312,7 +23055,7 @@
         <p:spPr>
           <a:xfrm>
             <a:off x="5299560" y="2520000"/>
-            <a:ext cx="4059720" cy="2801160"/>
+            <a:ext cx="4059000" cy="2800440"/>
           </a:xfrm>
           <a:prstGeom prst="rect">
             <a:avLst/>
@@ -23354,14 +23097,14 @@
       </p:grpSpPr>
       <p:sp>
         <p:nvSpPr>
-          <p:cNvPr id="140" name="CustomShape 35"/>
+          <p:cNvPr id="136" name="CustomShape 35"/>
           <p:cNvSpPr/>
           <p:nvPr/>
         </p:nvSpPr>
         <p:spPr>
           <a:xfrm>
             <a:off x="360000" y="360000"/>
-            <a:ext cx="9348120" cy="888120"/>
+            <a:ext cx="9347400" cy="887400"/>
           </a:xfrm>
           <a:prstGeom prst="rect">
             <a:avLst/>
@@ -23406,14 +23149,14 @@
       </p:sp>
       <p:sp>
         <p:nvSpPr>
-          <p:cNvPr id="141" name="CustomShape 36"/>
+          <p:cNvPr id="137" name="CustomShape 36"/>
           <p:cNvSpPr/>
           <p:nvPr/>
         </p:nvSpPr>
         <p:spPr>
           <a:xfrm>
             <a:off x="360000" y="1980000"/>
-            <a:ext cx="9168120" cy="4668120"/>
+            <a:ext cx="9167400" cy="4667400"/>
           </a:xfrm>
           <a:prstGeom prst="rect">
             <a:avLst/>
@@ -23465,14 +23208,14 @@
       </p:sp>
       <p:sp>
         <p:nvSpPr>
-          <p:cNvPr id="142" name="CustomShape 37"/>
+          <p:cNvPr id="138" name="CustomShape 37"/>
           <p:cNvSpPr/>
           <p:nvPr/>
         </p:nvSpPr>
         <p:spPr>
           <a:xfrm>
             <a:off x="897120" y="6886080"/>
-            <a:ext cx="6435360" cy="353160"/>
+            <a:ext cx="6434640" cy="352440"/>
           </a:xfrm>
           <a:prstGeom prst="rect">
             <a:avLst/>
@@ -23517,14 +23260,14 @@
       </p:sp>
       <p:sp>
         <p:nvSpPr>
-          <p:cNvPr id="143" name="CustomShape 38"/>
+          <p:cNvPr id="139" name="CustomShape 38"/>
           <p:cNvSpPr/>
           <p:nvPr/>
         </p:nvSpPr>
         <p:spPr>
           <a:xfrm>
             <a:off x="7608600" y="6886080"/>
-            <a:ext cx="2273400" cy="353160"/>
+            <a:ext cx="2272680" cy="352440"/>
           </a:xfrm>
           <a:prstGeom prst="rect">
             <a:avLst/>
@@ -23569,14 +23312,14 @@
       </p:sp>
       <p:sp>
         <p:nvSpPr>
-          <p:cNvPr id="144" name=""/>
+          <p:cNvPr id="140" name=""/>
           <p:cNvSpPr/>
           <p:nvPr/>
         </p:nvSpPr>
         <p:spPr>
           <a:xfrm>
             <a:off x="342360" y="1529280"/>
-            <a:ext cx="9374400" cy="5357880"/>
+            <a:ext cx="9373680" cy="5357160"/>
           </a:xfrm>
           <a:prstGeom prst="rect">
             <a:avLst/>
@@ -24028,7 +23771,7 @@
       </p:sp>
       <p:pic>
         <p:nvPicPr>
-          <p:cNvPr id="145" name="" descr=""/>
+          <p:cNvPr id="141" name="" descr=""/>
           <p:cNvPicPr/>
           <p:nvPr/>
         </p:nvPicPr>
@@ -24039,7 +23782,7 @@
         <p:spPr>
           <a:xfrm>
             <a:off x="1260000" y="2520000"/>
-            <a:ext cx="7360200" cy="3599280"/>
+            <a:ext cx="7359480" cy="3598560"/>
           </a:xfrm>
           <a:prstGeom prst="rect">
             <a:avLst/>

--- a/AprendizadoMaquina/Tópico 02 - Aprendizado Supervisionado/06 - Regressão/Tópico 02 - Aprendizado-Supervisionado - Regressao.pptx
+++ b/AprendizadoMaquina/Tópico 02 - Aprendizado Supervisionado/06 - Regressão/Tópico 02 - Aprendizado-Supervisionado - Regressao.pptx
@@ -311,7 +311,7 @@
             <a:pPr algn="r">
               <a:buNone/>
             </a:pPr>
-            <a:fld id="{4B0FD4F0-00B6-4C9C-9080-6B141ECE02AA}" type="slidenum">
+            <a:fld id="{C3B89082-71E8-46A1-88D7-FC82B8A8B3B4}" type="slidenum">
               <a:rPr b="0" lang="pt-BR" sz="1400" spc="-1" strike="noStrike">
                 <a:latin typeface="Times New Roman"/>
               </a:rPr>
@@ -359,7 +359,7 @@
         <p:spPr>
           <a:xfrm>
             <a:off x="1376280" y="1336680"/>
-            <a:ext cx="4794840" cy="3594600"/>
+            <a:ext cx="4794480" cy="3594240"/>
           </a:xfrm>
           <a:prstGeom prst="rect">
             <a:avLst/>
@@ -382,7 +382,7 @@
         <p:spPr>
           <a:xfrm>
             <a:off x="756000" y="5145120"/>
-            <a:ext cx="6035040" cy="4197240"/>
+            <a:ext cx="6034680" cy="4196880"/>
           </a:xfrm>
           <a:prstGeom prst="rect">
             <a:avLst/>
@@ -412,7 +412,7 @@
         <p:spPr>
           <a:xfrm>
             <a:off x="0" y="10155240"/>
-            <a:ext cx="3263400" cy="523800"/>
+            <a:ext cx="3263040" cy="523440"/>
           </a:xfrm>
           <a:prstGeom prst="rect">
             <a:avLst/>
@@ -490,7 +490,7 @@
         <p:spPr>
           <a:xfrm>
             <a:off x="1376280" y="1336680"/>
-            <a:ext cx="4794840" cy="3594600"/>
+            <a:ext cx="4794480" cy="3594240"/>
           </a:xfrm>
           <a:prstGeom prst="rect">
             <a:avLst/>
@@ -513,7 +513,7 @@
         <p:spPr>
           <a:xfrm>
             <a:off x="756000" y="5145120"/>
-            <a:ext cx="6035040" cy="4197240"/>
+            <a:ext cx="6034680" cy="4196880"/>
           </a:xfrm>
           <a:prstGeom prst="rect">
             <a:avLst/>
@@ -543,7 +543,7 @@
         <p:spPr>
           <a:xfrm>
             <a:off x="0" y="10155240"/>
-            <a:ext cx="3263400" cy="523800"/>
+            <a:ext cx="3263040" cy="523440"/>
           </a:xfrm>
           <a:prstGeom prst="rect">
             <a:avLst/>
@@ -621,7 +621,7 @@
         <p:spPr>
           <a:xfrm>
             <a:off x="1376280" y="1336680"/>
-            <a:ext cx="4794840" cy="3594600"/>
+            <a:ext cx="4794480" cy="3594240"/>
           </a:xfrm>
           <a:prstGeom prst="rect">
             <a:avLst/>
@@ -644,7 +644,7 @@
         <p:spPr>
           <a:xfrm>
             <a:off x="756000" y="5145120"/>
-            <a:ext cx="6035040" cy="4197240"/>
+            <a:ext cx="6034680" cy="4196880"/>
           </a:xfrm>
           <a:prstGeom prst="rect">
             <a:avLst/>
@@ -674,7 +674,7 @@
         <p:spPr>
           <a:xfrm>
             <a:off x="0" y="10155240"/>
-            <a:ext cx="3263400" cy="523800"/>
+            <a:ext cx="3263040" cy="523440"/>
           </a:xfrm>
           <a:prstGeom prst="rect">
             <a:avLst/>
@@ -752,7 +752,7 @@
         <p:spPr>
           <a:xfrm>
             <a:off x="1376280" y="1336680"/>
-            <a:ext cx="4794840" cy="3594600"/>
+            <a:ext cx="4794480" cy="3594240"/>
           </a:xfrm>
           <a:prstGeom prst="rect">
             <a:avLst/>
@@ -775,7 +775,7 @@
         <p:spPr>
           <a:xfrm>
             <a:off x="756000" y="5145120"/>
-            <a:ext cx="6035040" cy="4197240"/>
+            <a:ext cx="6034680" cy="4196880"/>
           </a:xfrm>
           <a:prstGeom prst="rect">
             <a:avLst/>
@@ -805,7 +805,7 @@
         <p:spPr>
           <a:xfrm>
             <a:off x="0" y="10155240"/>
-            <a:ext cx="3263400" cy="523800"/>
+            <a:ext cx="3263040" cy="523440"/>
           </a:xfrm>
           <a:prstGeom prst="rect">
             <a:avLst/>
@@ -883,7 +883,7 @@
         <p:spPr>
           <a:xfrm>
             <a:off x="1376280" y="1336680"/>
-            <a:ext cx="4794840" cy="3594600"/>
+            <a:ext cx="4794480" cy="3594240"/>
           </a:xfrm>
           <a:prstGeom prst="rect">
             <a:avLst/>
@@ -906,7 +906,7 @@
         <p:spPr>
           <a:xfrm>
             <a:off x="756000" y="5145120"/>
-            <a:ext cx="6035040" cy="4197240"/>
+            <a:ext cx="6034680" cy="4196880"/>
           </a:xfrm>
           <a:prstGeom prst="rect">
             <a:avLst/>
@@ -936,7 +936,7 @@
         <p:spPr>
           <a:xfrm>
             <a:off x="0" y="10155240"/>
-            <a:ext cx="3263400" cy="523800"/>
+            <a:ext cx="3263040" cy="523440"/>
           </a:xfrm>
           <a:prstGeom prst="rect">
             <a:avLst/>
@@ -1014,7 +1014,7 @@
         <p:spPr>
           <a:xfrm>
             <a:off x="1376280" y="1336680"/>
-            <a:ext cx="4794840" cy="3594600"/>
+            <a:ext cx="4794480" cy="3594240"/>
           </a:xfrm>
           <a:prstGeom prst="rect">
             <a:avLst/>
@@ -1037,7 +1037,7 @@
         <p:spPr>
           <a:xfrm>
             <a:off x="756000" y="5145120"/>
-            <a:ext cx="6035040" cy="4197240"/>
+            <a:ext cx="6034680" cy="4196880"/>
           </a:xfrm>
           <a:prstGeom prst="rect">
             <a:avLst/>
@@ -1067,7 +1067,7 @@
         <p:spPr>
           <a:xfrm>
             <a:off x="0" y="10155240"/>
-            <a:ext cx="3263400" cy="523800"/>
+            <a:ext cx="3263040" cy="523440"/>
           </a:xfrm>
           <a:prstGeom prst="rect">
             <a:avLst/>
@@ -1145,7 +1145,7 @@
         <p:spPr>
           <a:xfrm>
             <a:off x="1376280" y="1336680"/>
-            <a:ext cx="4794840" cy="3594600"/>
+            <a:ext cx="4794480" cy="3594240"/>
           </a:xfrm>
           <a:prstGeom prst="rect">
             <a:avLst/>
@@ -1168,7 +1168,7 @@
         <p:spPr>
           <a:xfrm>
             <a:off x="756000" y="5145120"/>
-            <a:ext cx="6035040" cy="4197240"/>
+            <a:ext cx="6034680" cy="4196880"/>
           </a:xfrm>
           <a:prstGeom prst="rect">
             <a:avLst/>
@@ -1198,7 +1198,7 @@
         <p:spPr>
           <a:xfrm>
             <a:off x="0" y="10155240"/>
-            <a:ext cx="3263400" cy="523800"/>
+            <a:ext cx="3263040" cy="523440"/>
           </a:xfrm>
           <a:prstGeom prst="rect">
             <a:avLst/>
@@ -1276,7 +1276,7 @@
         <p:spPr>
           <a:xfrm>
             <a:off x="1376280" y="1336680"/>
-            <a:ext cx="4794840" cy="3594600"/>
+            <a:ext cx="4794480" cy="3594240"/>
           </a:xfrm>
           <a:prstGeom prst="rect">
             <a:avLst/>
@@ -1299,7 +1299,7 @@
         <p:spPr>
           <a:xfrm>
             <a:off x="756000" y="5145120"/>
-            <a:ext cx="6035040" cy="4197240"/>
+            <a:ext cx="6034680" cy="4196880"/>
           </a:xfrm>
           <a:prstGeom prst="rect">
             <a:avLst/>
@@ -1329,7 +1329,7 @@
         <p:spPr>
           <a:xfrm>
             <a:off x="0" y="10155240"/>
-            <a:ext cx="3263400" cy="523800"/>
+            <a:ext cx="3263040" cy="523440"/>
           </a:xfrm>
           <a:prstGeom prst="rect">
             <a:avLst/>
@@ -1407,7 +1407,7 @@
         <p:spPr>
           <a:xfrm>
             <a:off x="1376280" y="1336680"/>
-            <a:ext cx="4794840" cy="3594600"/>
+            <a:ext cx="4794480" cy="3594240"/>
           </a:xfrm>
           <a:prstGeom prst="rect">
             <a:avLst/>
@@ -1430,7 +1430,7 @@
         <p:spPr>
           <a:xfrm>
             <a:off x="756000" y="5145120"/>
-            <a:ext cx="6035040" cy="4197240"/>
+            <a:ext cx="6034680" cy="4196880"/>
           </a:xfrm>
           <a:prstGeom prst="rect">
             <a:avLst/>
@@ -1460,7 +1460,7 @@
         <p:spPr>
           <a:xfrm>
             <a:off x="0" y="10155240"/>
-            <a:ext cx="3263400" cy="523800"/>
+            <a:ext cx="3263040" cy="523440"/>
           </a:xfrm>
           <a:prstGeom prst="rect">
             <a:avLst/>
@@ -1538,7 +1538,7 @@
         <p:spPr>
           <a:xfrm>
             <a:off x="1376280" y="1336680"/>
-            <a:ext cx="4794840" cy="3594600"/>
+            <a:ext cx="4794480" cy="3594240"/>
           </a:xfrm>
           <a:prstGeom prst="rect">
             <a:avLst/>
@@ -1561,7 +1561,7 @@
         <p:spPr>
           <a:xfrm>
             <a:off x="756000" y="5145120"/>
-            <a:ext cx="6035040" cy="4197240"/>
+            <a:ext cx="6034680" cy="4196880"/>
           </a:xfrm>
           <a:prstGeom prst="rect">
             <a:avLst/>
@@ -1591,7 +1591,7 @@
         <p:spPr>
           <a:xfrm>
             <a:off x="0" y="10155240"/>
-            <a:ext cx="3263400" cy="523800"/>
+            <a:ext cx="3263040" cy="523440"/>
           </a:xfrm>
           <a:prstGeom prst="rect">
             <a:avLst/>
@@ -1669,7 +1669,7 @@
         <p:spPr>
           <a:xfrm>
             <a:off x="1376280" y="1336680"/>
-            <a:ext cx="4794840" cy="3594600"/>
+            <a:ext cx="4794480" cy="3594240"/>
           </a:xfrm>
           <a:prstGeom prst="rect">
             <a:avLst/>
@@ -1692,7 +1692,7 @@
         <p:spPr>
           <a:xfrm>
             <a:off x="756000" y="5145120"/>
-            <a:ext cx="6035040" cy="4197240"/>
+            <a:ext cx="6034680" cy="4196880"/>
           </a:xfrm>
           <a:prstGeom prst="rect">
             <a:avLst/>
@@ -1722,7 +1722,7 @@
         <p:spPr>
           <a:xfrm>
             <a:off x="0" y="10155240"/>
-            <a:ext cx="3263400" cy="523800"/>
+            <a:ext cx="3263040" cy="523440"/>
           </a:xfrm>
           <a:prstGeom prst="rect">
             <a:avLst/>
@@ -1800,7 +1800,7 @@
         <p:spPr>
           <a:xfrm>
             <a:off x="1376280" y="1336680"/>
-            <a:ext cx="4794840" cy="3594600"/>
+            <a:ext cx="4794480" cy="3594240"/>
           </a:xfrm>
           <a:prstGeom prst="rect">
             <a:avLst/>
@@ -1823,7 +1823,7 @@
         <p:spPr>
           <a:xfrm>
             <a:off x="756000" y="5145120"/>
-            <a:ext cx="6035040" cy="4197240"/>
+            <a:ext cx="6034680" cy="4196880"/>
           </a:xfrm>
           <a:prstGeom prst="rect">
             <a:avLst/>
@@ -1853,7 +1853,7 @@
         <p:spPr>
           <a:xfrm>
             <a:off x="0" y="10155240"/>
-            <a:ext cx="3263400" cy="523800"/>
+            <a:ext cx="3263040" cy="523440"/>
           </a:xfrm>
           <a:prstGeom prst="rect">
             <a:avLst/>
@@ -1931,7 +1931,7 @@
         <p:spPr>
           <a:xfrm>
             <a:off x="1376280" y="1336680"/>
-            <a:ext cx="4794840" cy="3594600"/>
+            <a:ext cx="4794480" cy="3594240"/>
           </a:xfrm>
           <a:prstGeom prst="rect">
             <a:avLst/>
@@ -1954,7 +1954,7 @@
         <p:spPr>
           <a:xfrm>
             <a:off x="756000" y="5145120"/>
-            <a:ext cx="6035040" cy="4197240"/>
+            <a:ext cx="6034680" cy="4196880"/>
           </a:xfrm>
           <a:prstGeom prst="rect">
             <a:avLst/>
@@ -1984,7 +1984,7 @@
         <p:spPr>
           <a:xfrm>
             <a:off x="0" y="10155240"/>
-            <a:ext cx="3263400" cy="523800"/>
+            <a:ext cx="3263040" cy="523440"/>
           </a:xfrm>
           <a:prstGeom prst="rect">
             <a:avLst/>
@@ -2062,7 +2062,7 @@
         <p:spPr>
           <a:xfrm>
             <a:off x="1376280" y="1336680"/>
-            <a:ext cx="4794840" cy="3594600"/>
+            <a:ext cx="4794480" cy="3594240"/>
           </a:xfrm>
           <a:prstGeom prst="rect">
             <a:avLst/>
@@ -2085,7 +2085,7 @@
         <p:spPr>
           <a:xfrm>
             <a:off x="756000" y="5145120"/>
-            <a:ext cx="6035040" cy="4197240"/>
+            <a:ext cx="6034680" cy="4196880"/>
           </a:xfrm>
           <a:prstGeom prst="rect">
             <a:avLst/>
@@ -2115,7 +2115,7 @@
         <p:spPr>
           <a:xfrm>
             <a:off x="0" y="10155240"/>
-            <a:ext cx="3263400" cy="523800"/>
+            <a:ext cx="3263040" cy="523440"/>
           </a:xfrm>
           <a:prstGeom prst="rect">
             <a:avLst/>
@@ -2193,7 +2193,7 @@
         <p:spPr>
           <a:xfrm>
             <a:off x="1376280" y="1336680"/>
-            <a:ext cx="4794840" cy="3594600"/>
+            <a:ext cx="4794480" cy="3594240"/>
           </a:xfrm>
           <a:prstGeom prst="rect">
             <a:avLst/>
@@ -2216,7 +2216,7 @@
         <p:spPr>
           <a:xfrm>
             <a:off x="756000" y="5145120"/>
-            <a:ext cx="6035040" cy="4197240"/>
+            <a:ext cx="6034680" cy="4196880"/>
           </a:xfrm>
           <a:prstGeom prst="rect">
             <a:avLst/>
@@ -2246,7 +2246,7 @@
         <p:spPr>
           <a:xfrm>
             <a:off x="0" y="10155240"/>
-            <a:ext cx="3263400" cy="523800"/>
+            <a:ext cx="3263040" cy="523440"/>
           </a:xfrm>
           <a:prstGeom prst="rect">
             <a:avLst/>
@@ -2324,7 +2324,7 @@
         <p:spPr>
           <a:xfrm>
             <a:off x="1376280" y="1336680"/>
-            <a:ext cx="4794840" cy="3594600"/>
+            <a:ext cx="4794480" cy="3594240"/>
           </a:xfrm>
           <a:prstGeom prst="rect">
             <a:avLst/>
@@ -2347,7 +2347,7 @@
         <p:spPr>
           <a:xfrm>
             <a:off x="756000" y="5145120"/>
-            <a:ext cx="6035040" cy="4197240"/>
+            <a:ext cx="6034680" cy="4196880"/>
           </a:xfrm>
           <a:prstGeom prst="rect">
             <a:avLst/>
@@ -2377,7 +2377,7 @@
         <p:spPr>
           <a:xfrm>
             <a:off x="0" y="10155240"/>
-            <a:ext cx="3263400" cy="523800"/>
+            <a:ext cx="3263040" cy="523440"/>
           </a:xfrm>
           <a:prstGeom prst="rect">
             <a:avLst/>
@@ -2455,7 +2455,7 @@
         <p:spPr>
           <a:xfrm>
             <a:off x="1376280" y="1336680"/>
-            <a:ext cx="4794840" cy="3594600"/>
+            <a:ext cx="4794480" cy="3594240"/>
           </a:xfrm>
           <a:prstGeom prst="rect">
             <a:avLst/>
@@ -2478,7 +2478,7 @@
         <p:spPr>
           <a:xfrm>
             <a:off x="756000" y="5145120"/>
-            <a:ext cx="6035040" cy="4197240"/>
+            <a:ext cx="6034680" cy="4196880"/>
           </a:xfrm>
           <a:prstGeom prst="rect">
             <a:avLst/>
@@ -2508,7 +2508,7 @@
         <p:spPr>
           <a:xfrm>
             <a:off x="0" y="10155240"/>
-            <a:ext cx="3263400" cy="523800"/>
+            <a:ext cx="3263040" cy="523440"/>
           </a:xfrm>
           <a:prstGeom prst="rect">
             <a:avLst/>
@@ -2586,7 +2586,7 @@
         <p:spPr>
           <a:xfrm>
             <a:off x="1376280" y="1336680"/>
-            <a:ext cx="4794840" cy="3594600"/>
+            <a:ext cx="4794480" cy="3594240"/>
           </a:xfrm>
           <a:prstGeom prst="rect">
             <a:avLst/>
@@ -2609,7 +2609,7 @@
         <p:spPr>
           <a:xfrm>
             <a:off x="756000" y="5145120"/>
-            <a:ext cx="6035040" cy="4197240"/>
+            <a:ext cx="6034680" cy="4196880"/>
           </a:xfrm>
           <a:prstGeom prst="rect">
             <a:avLst/>
@@ -2639,7 +2639,7 @@
         <p:spPr>
           <a:xfrm>
             <a:off x="0" y="10155240"/>
-            <a:ext cx="3263400" cy="523800"/>
+            <a:ext cx="3263040" cy="523440"/>
           </a:xfrm>
           <a:prstGeom prst="rect">
             <a:avLst/>
@@ -2717,7 +2717,7 @@
         <p:spPr>
           <a:xfrm>
             <a:off x="1376280" y="1336680"/>
-            <a:ext cx="4794840" cy="3594600"/>
+            <a:ext cx="4794480" cy="3594240"/>
           </a:xfrm>
           <a:prstGeom prst="rect">
             <a:avLst/>
@@ -2740,7 +2740,7 @@
         <p:spPr>
           <a:xfrm>
             <a:off x="756000" y="5145120"/>
-            <a:ext cx="6035040" cy="4197240"/>
+            <a:ext cx="6034680" cy="4196880"/>
           </a:xfrm>
           <a:prstGeom prst="rect">
             <a:avLst/>
@@ -2770,7 +2770,7 @@
         <p:spPr>
           <a:xfrm>
             <a:off x="0" y="10155240"/>
-            <a:ext cx="3263400" cy="523800"/>
+            <a:ext cx="3263040" cy="523440"/>
           </a:xfrm>
           <a:prstGeom prst="rect">
             <a:avLst/>
@@ -5899,7 +5899,7 @@
         <p:spPr>
           <a:xfrm>
             <a:off x="0" y="3150000"/>
-            <a:ext cx="9707400" cy="1247400"/>
+            <a:ext cx="9707040" cy="1247040"/>
           </a:xfrm>
           <a:prstGeom prst="rect">
             <a:avLst/>
@@ -6197,7 +6197,7 @@
         <p:spPr>
           <a:xfrm>
             <a:off x="0" y="180000"/>
-            <a:ext cx="9707400" cy="1247400"/>
+            <a:ext cx="9707040" cy="1247040"/>
           </a:xfrm>
           <a:prstGeom prst="rect">
             <a:avLst/>
@@ -6225,7 +6225,7 @@
         <p:spPr>
           <a:xfrm>
             <a:off x="7560000" y="6840000"/>
-            <a:ext cx="2507400" cy="527400"/>
+            <a:ext cx="2507040" cy="527040"/>
           </a:xfrm>
           <a:prstGeom prst="rect">
             <a:avLst/>
@@ -6253,7 +6253,7 @@
         <p:spPr>
           <a:xfrm>
             <a:off x="900000" y="6840000"/>
-            <a:ext cx="6467400" cy="527400"/>
+            <a:ext cx="6467040" cy="527040"/>
           </a:xfrm>
           <a:prstGeom prst="rect">
             <a:avLst/>
@@ -6281,7 +6281,7 @@
         <p:spPr>
           <a:xfrm>
             <a:off x="180000" y="6840000"/>
-            <a:ext cx="527400" cy="527400"/>
+            <a:ext cx="527040" cy="527040"/>
           </a:xfrm>
           <a:prstGeom prst="rect">
             <a:avLst/>
@@ -6570,7 +6570,7 @@
         <p:spPr>
           <a:xfrm>
             <a:off x="360000" y="3330000"/>
-            <a:ext cx="9347400" cy="887400"/>
+            <a:ext cx="9347040" cy="887040"/>
           </a:xfrm>
           <a:prstGeom prst="rect">
             <a:avLst/>
@@ -6622,7 +6622,7 @@
         <p:spPr>
           <a:xfrm>
             <a:off x="540000" y="4680000"/>
-            <a:ext cx="9167400" cy="2507400"/>
+            <a:ext cx="9167040" cy="2507040"/>
           </a:xfrm>
           <a:prstGeom prst="rect">
             <a:avLst/>
@@ -6861,7 +6861,7 @@
         <p:spPr>
           <a:xfrm>
             <a:off x="360000" y="360000"/>
-            <a:ext cx="9347400" cy="887400"/>
+            <a:ext cx="9347040" cy="887040"/>
           </a:xfrm>
           <a:prstGeom prst="rect">
             <a:avLst/>
@@ -6913,7 +6913,7 @@
         <p:spPr>
           <a:xfrm>
             <a:off x="360000" y="1980000"/>
-            <a:ext cx="9167400" cy="4667400"/>
+            <a:ext cx="9167040" cy="4667040"/>
           </a:xfrm>
           <a:prstGeom prst="rect">
             <a:avLst/>
@@ -6972,7 +6972,7 @@
         <p:spPr>
           <a:xfrm>
             <a:off x="897120" y="6886080"/>
-            <a:ext cx="6434640" cy="352440"/>
+            <a:ext cx="6434280" cy="352080"/>
           </a:xfrm>
           <a:prstGeom prst="rect">
             <a:avLst/>
@@ -7024,7 +7024,7 @@
         <p:spPr>
           <a:xfrm>
             <a:off x="7608600" y="6886080"/>
-            <a:ext cx="2272680" cy="352440"/>
+            <a:ext cx="2272320" cy="352080"/>
           </a:xfrm>
           <a:prstGeom prst="rect">
             <a:avLst/>
@@ -7076,7 +7076,7 @@
         <p:spPr>
           <a:xfrm>
             <a:off x="342360" y="1529280"/>
-            <a:ext cx="9373680" cy="5357160"/>
+            <a:ext cx="9373320" cy="5356800"/>
           </a:xfrm>
           <a:prstGeom prst="rect">
             <a:avLst/>
@@ -7540,7 +7540,7 @@
         <p:spPr>
           <a:xfrm>
             <a:off x="720000" y="2520000"/>
-            <a:ext cx="7386840" cy="4138560"/>
+            <a:ext cx="7386480" cy="4138200"/>
           </a:xfrm>
           <a:prstGeom prst="rect">
             <a:avLst/>
@@ -7589,7 +7589,7 @@
         <p:spPr>
           <a:xfrm>
             <a:off x="360000" y="360000"/>
-            <a:ext cx="9347400" cy="887400"/>
+            <a:ext cx="9347040" cy="887040"/>
           </a:xfrm>
           <a:prstGeom prst="rect">
             <a:avLst/>
@@ -7641,7 +7641,7 @@
         <p:spPr>
           <a:xfrm>
             <a:off x="360000" y="1980000"/>
-            <a:ext cx="9167400" cy="4667400"/>
+            <a:ext cx="9167040" cy="4667040"/>
           </a:xfrm>
           <a:prstGeom prst="rect">
             <a:avLst/>
@@ -7700,7 +7700,7 @@
         <p:spPr>
           <a:xfrm>
             <a:off x="897120" y="6886080"/>
-            <a:ext cx="6434640" cy="352440"/>
+            <a:ext cx="6434280" cy="352080"/>
           </a:xfrm>
           <a:prstGeom prst="rect">
             <a:avLst/>
@@ -7752,7 +7752,7 @@
         <p:spPr>
           <a:xfrm>
             <a:off x="7608600" y="6886080"/>
-            <a:ext cx="2272680" cy="352440"/>
+            <a:ext cx="2272320" cy="352080"/>
           </a:xfrm>
           <a:prstGeom prst="rect">
             <a:avLst/>
@@ -7804,7 +7804,7 @@
         <p:spPr>
           <a:xfrm>
             <a:off x="342360" y="1529280"/>
-            <a:ext cx="9373680" cy="5357160"/>
+            <a:ext cx="9373320" cy="5356800"/>
           </a:xfrm>
           <a:prstGeom prst="rect">
             <a:avLst/>
@@ -8321,7 +8321,7 @@
         <p:spPr>
           <a:xfrm>
             <a:off x="4680000" y="1725840"/>
-            <a:ext cx="3778560" cy="576720"/>
+            <a:ext cx="3778200" cy="576360"/>
           </a:xfrm>
           <a:prstGeom prst="rect">
             <a:avLst/>
@@ -8344,7 +8344,7 @@
         <p:spPr>
           <a:xfrm>
             <a:off x="4289040" y="2196000"/>
-            <a:ext cx="4709520" cy="749520"/>
+            <a:ext cx="4709160" cy="749160"/>
           </a:xfrm>
           <a:prstGeom prst="rect">
             <a:avLst/>
@@ -8367,7 +8367,7 @@
         <p:spPr>
           <a:xfrm>
             <a:off x="2223000" y="3456720"/>
-            <a:ext cx="5587560" cy="3298680"/>
+            <a:ext cx="5587200" cy="3298320"/>
           </a:xfrm>
           <a:prstGeom prst="rect">
             <a:avLst/>
@@ -8416,7 +8416,7 @@
         <p:spPr>
           <a:xfrm>
             <a:off x="360000" y="360000"/>
-            <a:ext cx="9347400" cy="887400"/>
+            <a:ext cx="9347040" cy="887040"/>
           </a:xfrm>
           <a:prstGeom prst="rect">
             <a:avLst/>
@@ -8468,7 +8468,7 @@
         <p:spPr>
           <a:xfrm>
             <a:off x="360000" y="1980000"/>
-            <a:ext cx="9167400" cy="4667400"/>
+            <a:ext cx="9167040" cy="4667040"/>
           </a:xfrm>
           <a:prstGeom prst="rect">
             <a:avLst/>
@@ -8527,7 +8527,7 @@
         <p:spPr>
           <a:xfrm>
             <a:off x="897120" y="6886080"/>
-            <a:ext cx="6434640" cy="352440"/>
+            <a:ext cx="6434280" cy="352080"/>
           </a:xfrm>
           <a:prstGeom prst="rect">
             <a:avLst/>
@@ -8579,7 +8579,7 @@
         <p:spPr>
           <a:xfrm>
             <a:off x="7608600" y="6886080"/>
-            <a:ext cx="2272680" cy="352440"/>
+            <a:ext cx="2272320" cy="352080"/>
           </a:xfrm>
           <a:prstGeom prst="rect">
             <a:avLst/>
@@ -8631,7 +8631,7 @@
         <p:spPr>
           <a:xfrm>
             <a:off x="342360" y="1529280"/>
-            <a:ext cx="9373680" cy="5357160"/>
+            <a:ext cx="9373320" cy="5356800"/>
           </a:xfrm>
           <a:prstGeom prst="rect">
             <a:avLst/>
@@ -9083,7 +9083,7 @@
         <p:spPr>
           <a:xfrm>
             <a:off x="900000" y="2404800"/>
-            <a:ext cx="7723080" cy="3893760"/>
+            <a:ext cx="7722720" cy="3893400"/>
           </a:xfrm>
           <a:prstGeom prst="rect">
             <a:avLst/>
@@ -9132,7 +9132,7 @@
         <p:spPr>
           <a:xfrm>
             <a:off x="360000" y="360000"/>
-            <a:ext cx="9347400" cy="887400"/>
+            <a:ext cx="9347040" cy="887040"/>
           </a:xfrm>
           <a:prstGeom prst="rect">
             <a:avLst/>
@@ -9184,7 +9184,7 @@
         <p:spPr>
           <a:xfrm>
             <a:off x="360000" y="1980000"/>
-            <a:ext cx="9167400" cy="4667400"/>
+            <a:ext cx="9167040" cy="4667040"/>
           </a:xfrm>
           <a:prstGeom prst="rect">
             <a:avLst/>
@@ -9243,7 +9243,7 @@
         <p:spPr>
           <a:xfrm>
             <a:off x="897120" y="6886080"/>
-            <a:ext cx="6434640" cy="352440"/>
+            <a:ext cx="6434280" cy="352080"/>
           </a:xfrm>
           <a:prstGeom prst="rect">
             <a:avLst/>
@@ -9295,7 +9295,7 @@
         <p:spPr>
           <a:xfrm>
             <a:off x="7608600" y="6886080"/>
-            <a:ext cx="2272680" cy="352440"/>
+            <a:ext cx="2272320" cy="352080"/>
           </a:xfrm>
           <a:prstGeom prst="rect">
             <a:avLst/>
@@ -9347,7 +9347,7 @@
         <p:spPr>
           <a:xfrm>
             <a:off x="342360" y="1529280"/>
-            <a:ext cx="9373680" cy="5357160"/>
+            <a:ext cx="9373320" cy="5356800"/>
           </a:xfrm>
           <a:prstGeom prst="rect">
             <a:avLst/>
@@ -9874,7 +9874,7 @@
         <p:spPr>
           <a:xfrm>
             <a:off x="408600" y="3585960"/>
-            <a:ext cx="8769960" cy="2352600"/>
+            <a:ext cx="8769600" cy="2352240"/>
           </a:xfrm>
           <a:prstGeom prst="rect">
             <a:avLst/>
@@ -9923,7 +9923,7 @@
         <p:spPr>
           <a:xfrm>
             <a:off x="360000" y="360000"/>
-            <a:ext cx="9347400" cy="887400"/>
+            <a:ext cx="9347040" cy="887040"/>
           </a:xfrm>
           <a:prstGeom prst="rect">
             <a:avLst/>
@@ -9975,7 +9975,7 @@
         <p:spPr>
           <a:xfrm>
             <a:off x="360000" y="1980000"/>
-            <a:ext cx="9167400" cy="4667400"/>
+            <a:ext cx="9167040" cy="4667040"/>
           </a:xfrm>
           <a:prstGeom prst="rect">
             <a:avLst/>
@@ -10034,7 +10034,7 @@
         <p:spPr>
           <a:xfrm>
             <a:off x="897120" y="6886080"/>
-            <a:ext cx="6434640" cy="352440"/>
+            <a:ext cx="6434280" cy="352080"/>
           </a:xfrm>
           <a:prstGeom prst="rect">
             <a:avLst/>
@@ -10086,7 +10086,7 @@
         <p:spPr>
           <a:xfrm>
             <a:off x="7608600" y="6886080"/>
-            <a:ext cx="2272680" cy="352440"/>
+            <a:ext cx="2272320" cy="352080"/>
           </a:xfrm>
           <a:prstGeom prst="rect">
             <a:avLst/>
@@ -10138,7 +10138,7 @@
         <p:spPr>
           <a:xfrm>
             <a:off x="342360" y="1529280"/>
-            <a:ext cx="9373680" cy="5357160"/>
+            <a:ext cx="9373320" cy="5356800"/>
           </a:xfrm>
           <a:prstGeom prst="rect">
             <a:avLst/>
@@ -10740,7 +10740,7 @@
         <p:spPr>
           <a:xfrm>
             <a:off x="3240000" y="867960"/>
-            <a:ext cx="5938560" cy="3270600"/>
+            <a:ext cx="5938200" cy="3270240"/>
           </a:xfrm>
           <a:prstGeom prst="rect">
             <a:avLst/>
@@ -10763,7 +10763,7 @@
         <p:spPr>
           <a:xfrm>
             <a:off x="360000" y="3960000"/>
-            <a:ext cx="5650560" cy="2687400"/>
+            <a:ext cx="5650200" cy="2687040"/>
           </a:xfrm>
           <a:prstGeom prst="rect">
             <a:avLst/>
@@ -10816,7 +10816,7 @@
         <p:spPr>
           <a:xfrm>
             <a:off x="342360" y="3780000"/>
-            <a:ext cx="6298560" cy="2874960"/>
+            <a:ext cx="6298200" cy="2874600"/>
           </a:xfrm>
           <a:prstGeom prst="rect">
             <a:avLst/>
@@ -10835,7 +10835,7 @@
         <p:spPr>
           <a:xfrm>
             <a:off x="360000" y="360000"/>
-            <a:ext cx="9347400" cy="887400"/>
+            <a:ext cx="9347040" cy="887040"/>
           </a:xfrm>
           <a:prstGeom prst="rect">
             <a:avLst/>
@@ -10887,7 +10887,7 @@
         <p:spPr>
           <a:xfrm>
             <a:off x="360000" y="1980000"/>
-            <a:ext cx="9167400" cy="4667400"/>
+            <a:ext cx="9167040" cy="4667040"/>
           </a:xfrm>
           <a:prstGeom prst="rect">
             <a:avLst/>
@@ -10946,7 +10946,7 @@
         <p:spPr>
           <a:xfrm>
             <a:off x="897120" y="6886080"/>
-            <a:ext cx="6434640" cy="352440"/>
+            <a:ext cx="6434280" cy="352080"/>
           </a:xfrm>
           <a:prstGeom prst="rect">
             <a:avLst/>
@@ -10998,7 +10998,7 @@
         <p:spPr>
           <a:xfrm>
             <a:off x="7608600" y="6886080"/>
-            <a:ext cx="2272680" cy="352440"/>
+            <a:ext cx="2272320" cy="352080"/>
           </a:xfrm>
           <a:prstGeom prst="rect">
             <a:avLst/>
@@ -11050,7 +11050,7 @@
         <p:spPr>
           <a:xfrm>
             <a:off x="342360" y="1529280"/>
-            <a:ext cx="9373680" cy="5357160"/>
+            <a:ext cx="9373320" cy="5356800"/>
           </a:xfrm>
           <a:prstGeom prst="rect">
             <a:avLst/>
@@ -11630,7 +11630,7 @@
         <p:spPr>
           <a:xfrm>
             <a:off x="3361680" y="900000"/>
-            <a:ext cx="6165720" cy="3486600"/>
+            <a:ext cx="6165360" cy="3486240"/>
           </a:xfrm>
           <a:prstGeom prst="rect">
             <a:avLst/>
@@ -11679,7 +11679,7 @@
         <p:spPr>
           <a:xfrm>
             <a:off x="360000" y="360000"/>
-            <a:ext cx="9347400" cy="887400"/>
+            <a:ext cx="9347040" cy="887040"/>
           </a:xfrm>
           <a:prstGeom prst="rect">
             <a:avLst/>
@@ -11731,7 +11731,7 @@
         <p:spPr>
           <a:xfrm>
             <a:off x="360000" y="1980000"/>
-            <a:ext cx="9167400" cy="4667400"/>
+            <a:ext cx="9167040" cy="4667040"/>
           </a:xfrm>
           <a:prstGeom prst="rect">
             <a:avLst/>
@@ -11790,7 +11790,7 @@
         <p:spPr>
           <a:xfrm>
             <a:off x="897120" y="6886080"/>
-            <a:ext cx="6434640" cy="352440"/>
+            <a:ext cx="6434280" cy="352080"/>
           </a:xfrm>
           <a:prstGeom prst="rect">
             <a:avLst/>
@@ -11842,7 +11842,7 @@
         <p:spPr>
           <a:xfrm>
             <a:off x="7608600" y="6886080"/>
-            <a:ext cx="2272680" cy="352440"/>
+            <a:ext cx="2272320" cy="352080"/>
           </a:xfrm>
           <a:prstGeom prst="rect">
             <a:avLst/>
@@ -11894,7 +11894,7 @@
         <p:spPr>
           <a:xfrm>
             <a:off x="342360" y="1529280"/>
-            <a:ext cx="9373680" cy="5357160"/>
+            <a:ext cx="9373320" cy="5356800"/>
           </a:xfrm>
           <a:prstGeom prst="rect">
             <a:avLst/>
@@ -12369,7 +12369,7 @@
         <p:spPr>
           <a:xfrm>
             <a:off x="2160000" y="2038680"/>
-            <a:ext cx="5856840" cy="4259880"/>
+            <a:ext cx="5856480" cy="4259520"/>
           </a:xfrm>
           <a:prstGeom prst="rect">
             <a:avLst/>
@@ -12418,7 +12418,7 @@
         <p:spPr>
           <a:xfrm>
             <a:off x="360000" y="360000"/>
-            <a:ext cx="9347400" cy="887400"/>
+            <a:ext cx="9347040" cy="887040"/>
           </a:xfrm>
           <a:prstGeom prst="rect">
             <a:avLst/>
@@ -12470,7 +12470,7 @@
         <p:spPr>
           <a:xfrm>
             <a:off x="360000" y="1980000"/>
-            <a:ext cx="9167400" cy="4667400"/>
+            <a:ext cx="9167040" cy="4667040"/>
           </a:xfrm>
           <a:prstGeom prst="rect">
             <a:avLst/>
@@ -12529,7 +12529,7 @@
         <p:spPr>
           <a:xfrm>
             <a:off x="897120" y="6886080"/>
-            <a:ext cx="6434640" cy="352440"/>
+            <a:ext cx="6434280" cy="352080"/>
           </a:xfrm>
           <a:prstGeom prst="rect">
             <a:avLst/>
@@ -12581,7 +12581,7 @@
         <p:spPr>
           <a:xfrm>
             <a:off x="7608600" y="6886080"/>
-            <a:ext cx="2272680" cy="352440"/>
+            <a:ext cx="2272320" cy="352080"/>
           </a:xfrm>
           <a:prstGeom prst="rect">
             <a:avLst/>
@@ -12633,7 +12633,7 @@
         <p:spPr>
           <a:xfrm>
             <a:off x="342360" y="1529280"/>
-            <a:ext cx="9373680" cy="5357160"/>
+            <a:ext cx="9373320" cy="5356800"/>
           </a:xfrm>
           <a:prstGeom prst="rect">
             <a:avLst/>
@@ -13104,7 +13104,7 @@
         <p:spPr>
           <a:xfrm>
             <a:off x="159840" y="1475280"/>
-            <a:ext cx="9373680" cy="5357160"/>
+            <a:ext cx="9373320" cy="5356800"/>
           </a:xfrm>
           <a:prstGeom prst="rect">
             <a:avLst/>
@@ -13687,7 +13687,7 @@
         <p:spPr>
           <a:xfrm>
             <a:off x="2520000" y="2207160"/>
-            <a:ext cx="4318560" cy="1931400"/>
+            <a:ext cx="4318200" cy="1931040"/>
           </a:xfrm>
           <a:prstGeom prst="rect">
             <a:avLst/>
@@ -13710,7 +13710,7 @@
         <p:spPr>
           <a:xfrm>
             <a:off x="2551680" y="4696200"/>
-            <a:ext cx="4286880" cy="1932840"/>
+            <a:ext cx="4286520" cy="1932480"/>
           </a:xfrm>
           <a:prstGeom prst="rect">
             <a:avLst/>
@@ -13759,7 +13759,7 @@
         <p:spPr>
           <a:xfrm>
             <a:off x="360000" y="360000"/>
-            <a:ext cx="9347400" cy="887400"/>
+            <a:ext cx="9347040" cy="887040"/>
           </a:xfrm>
           <a:prstGeom prst="rect">
             <a:avLst/>
@@ -13811,7 +13811,7 @@
         <p:spPr>
           <a:xfrm>
             <a:off x="360000" y="1980000"/>
-            <a:ext cx="9167400" cy="4667400"/>
+            <a:ext cx="9167040" cy="4667040"/>
           </a:xfrm>
           <a:prstGeom prst="rect">
             <a:avLst/>
@@ -13870,7 +13870,7 @@
         <p:spPr>
           <a:xfrm>
             <a:off x="897120" y="6886080"/>
-            <a:ext cx="6434640" cy="352440"/>
+            <a:ext cx="6434280" cy="352080"/>
           </a:xfrm>
           <a:prstGeom prst="rect">
             <a:avLst/>
@@ -13922,7 +13922,7 @@
         <p:spPr>
           <a:xfrm>
             <a:off x="7608600" y="6886080"/>
-            <a:ext cx="2272680" cy="352440"/>
+            <a:ext cx="2272320" cy="352080"/>
           </a:xfrm>
           <a:prstGeom prst="rect">
             <a:avLst/>
@@ -13974,7 +13974,7 @@
         <p:spPr>
           <a:xfrm>
             <a:off x="342360" y="1529280"/>
-            <a:ext cx="9373680" cy="5357160"/>
+            <a:ext cx="9373320" cy="5356800"/>
           </a:xfrm>
           <a:prstGeom prst="rect">
             <a:avLst/>
@@ -14445,7 +14445,7 @@
         <p:spPr>
           <a:xfrm>
             <a:off x="159840" y="1475280"/>
-            <a:ext cx="9373680" cy="5357160"/>
+            <a:ext cx="9373320" cy="5356800"/>
           </a:xfrm>
           <a:prstGeom prst="rect">
             <a:avLst/>
@@ -15018,7 +15018,7 @@
         <p:spPr>
           <a:xfrm>
             <a:off x="3056400" y="2592360"/>
-            <a:ext cx="4045680" cy="3645720"/>
+            <a:ext cx="4045320" cy="3645360"/>
           </a:xfrm>
           <a:prstGeom prst="rect">
             <a:avLst/>
@@ -15067,7 +15067,7 @@
         <p:spPr>
           <a:xfrm>
             <a:off x="360000" y="360000"/>
-            <a:ext cx="9347400" cy="887400"/>
+            <a:ext cx="9347040" cy="887040"/>
           </a:xfrm>
           <a:prstGeom prst="rect">
             <a:avLst/>
@@ -15119,7 +15119,7 @@
         <p:spPr>
           <a:xfrm>
             <a:off x="360000" y="1980000"/>
-            <a:ext cx="9167400" cy="4667400"/>
+            <a:ext cx="9167040" cy="4667040"/>
           </a:xfrm>
           <a:prstGeom prst="rect">
             <a:avLst/>
@@ -15178,7 +15178,7 @@
         <p:spPr>
           <a:xfrm>
             <a:off x="897120" y="6886080"/>
-            <a:ext cx="6434640" cy="352440"/>
+            <a:ext cx="6434280" cy="352080"/>
           </a:xfrm>
           <a:prstGeom prst="rect">
             <a:avLst/>
@@ -15230,7 +15230,7 @@
         <p:spPr>
           <a:xfrm>
             <a:off x="7608600" y="6886080"/>
-            <a:ext cx="2272680" cy="352440"/>
+            <a:ext cx="2272320" cy="352080"/>
           </a:xfrm>
           <a:prstGeom prst="rect">
             <a:avLst/>
@@ -15282,7 +15282,7 @@
         <p:spPr>
           <a:xfrm>
             <a:off x="342360" y="1529280"/>
-            <a:ext cx="9373680" cy="5357160"/>
+            <a:ext cx="9373320" cy="5356800"/>
           </a:xfrm>
           <a:prstGeom prst="rect">
             <a:avLst/>
@@ -15753,7 +15753,7 @@
         <p:spPr>
           <a:xfrm>
             <a:off x="159840" y="1475280"/>
-            <a:ext cx="9373680" cy="5357160"/>
+            <a:ext cx="9373320" cy="5356800"/>
           </a:xfrm>
           <a:prstGeom prst="rect">
             <a:avLst/>
@@ -16450,7 +16450,7 @@
         <p:spPr>
           <a:xfrm>
             <a:off x="360000" y="360000"/>
-            <a:ext cx="9347400" cy="887400"/>
+            <a:ext cx="9347040" cy="887040"/>
           </a:xfrm>
           <a:prstGeom prst="rect">
             <a:avLst/>
@@ -16502,7 +16502,7 @@
         <p:spPr>
           <a:xfrm>
             <a:off x="360000" y="1980000"/>
-            <a:ext cx="9167400" cy="4667400"/>
+            <a:ext cx="9167040" cy="4667040"/>
           </a:xfrm>
           <a:prstGeom prst="rect">
             <a:avLst/>
@@ -16545,7 +16545,7 @@
                 <a:latin typeface="Latin Modern Sans"/>
                 <a:ea typeface="DejaVu Sans"/>
               </a:rPr>
-              <a:t>Revisão Avaliação 1</a:t>
+              <a:t> </a:t>
             </a:r>
             <a:endParaRPr b="0" lang="pt-BR" sz="1600" spc="-1" strike="noStrike">
               <a:latin typeface="Arial"/>
@@ -16634,7 +16634,7 @@
         <p:spPr>
           <a:xfrm>
             <a:off x="897120" y="6886080"/>
-            <a:ext cx="6434640" cy="352440"/>
+            <a:ext cx="6434280" cy="352080"/>
           </a:xfrm>
           <a:prstGeom prst="rect">
             <a:avLst/>
@@ -16686,7 +16686,7 @@
         <p:spPr>
           <a:xfrm>
             <a:off x="7608600" y="6886080"/>
-            <a:ext cx="2272680" cy="352440"/>
+            <a:ext cx="2272320" cy="352080"/>
           </a:xfrm>
           <a:prstGeom prst="rect">
             <a:avLst/>
@@ -16742,7 +16742,7 @@
         <p:spPr>
           <a:xfrm>
             <a:off x="1440000" y="4140000"/>
-            <a:ext cx="7183800" cy="2152440"/>
+            <a:ext cx="7183440" cy="2152080"/>
           </a:xfrm>
           <a:prstGeom prst="rect">
             <a:avLst/>
@@ -16791,7 +16791,7 @@
         <p:spPr>
           <a:xfrm>
             <a:off x="360000" y="360000"/>
-            <a:ext cx="9347400" cy="887400"/>
+            <a:ext cx="9347040" cy="887040"/>
           </a:xfrm>
           <a:prstGeom prst="rect">
             <a:avLst/>
@@ -16843,7 +16843,7 @@
         <p:spPr>
           <a:xfrm>
             <a:off x="360000" y="1980000"/>
-            <a:ext cx="9167400" cy="4667400"/>
+            <a:ext cx="9167040" cy="4667040"/>
           </a:xfrm>
           <a:prstGeom prst="rect">
             <a:avLst/>
@@ -16902,7 +16902,7 @@
         <p:spPr>
           <a:xfrm>
             <a:off x="897120" y="6886080"/>
-            <a:ext cx="6434640" cy="352440"/>
+            <a:ext cx="6434280" cy="352080"/>
           </a:xfrm>
           <a:prstGeom prst="rect">
             <a:avLst/>
@@ -16954,7 +16954,7 @@
         <p:spPr>
           <a:xfrm>
             <a:off x="7608600" y="6886080"/>
-            <a:ext cx="2272680" cy="352440"/>
+            <a:ext cx="2272320" cy="352080"/>
           </a:xfrm>
           <a:prstGeom prst="rect">
             <a:avLst/>
@@ -17006,7 +17006,7 @@
         <p:spPr>
           <a:xfrm>
             <a:off x="342360" y="1529280"/>
-            <a:ext cx="9373680" cy="5357160"/>
+            <a:ext cx="9373320" cy="5356800"/>
           </a:xfrm>
           <a:prstGeom prst="rect">
             <a:avLst/>
@@ -17401,7 +17401,7 @@
         <p:spPr>
           <a:xfrm>
             <a:off x="2004480" y="2880000"/>
-            <a:ext cx="6094080" cy="3046320"/>
+            <a:ext cx="6093720" cy="3045960"/>
           </a:xfrm>
           <a:prstGeom prst="rect">
             <a:avLst/>
@@ -17450,7 +17450,7 @@
         <p:spPr>
           <a:xfrm>
             <a:off x="360000" y="360000"/>
-            <a:ext cx="9347400" cy="887400"/>
+            <a:ext cx="9347040" cy="887040"/>
           </a:xfrm>
           <a:prstGeom prst="rect">
             <a:avLst/>
@@ -17502,7 +17502,7 @@
         <p:spPr>
           <a:xfrm>
             <a:off x="360000" y="1980000"/>
-            <a:ext cx="9167400" cy="4667400"/>
+            <a:ext cx="9167040" cy="4667040"/>
           </a:xfrm>
           <a:prstGeom prst="rect">
             <a:avLst/>
@@ -17561,7 +17561,7 @@
         <p:spPr>
           <a:xfrm>
             <a:off x="897120" y="6886080"/>
-            <a:ext cx="6434640" cy="352440"/>
+            <a:ext cx="6434280" cy="352080"/>
           </a:xfrm>
           <a:prstGeom prst="rect">
             <a:avLst/>
@@ -17613,7 +17613,7 @@
         <p:spPr>
           <a:xfrm>
             <a:off x="7608600" y="6886080"/>
-            <a:ext cx="2272680" cy="352440"/>
+            <a:ext cx="2272320" cy="352080"/>
           </a:xfrm>
           <a:prstGeom prst="rect">
             <a:avLst/>
@@ -17665,7 +17665,7 @@
         <p:spPr>
           <a:xfrm>
             <a:off x="342360" y="1529280"/>
-            <a:ext cx="9373680" cy="5357160"/>
+            <a:ext cx="9373320" cy="5356800"/>
           </a:xfrm>
           <a:prstGeom prst="rect">
             <a:avLst/>
@@ -18158,7 +18158,7 @@
         <p:spPr>
           <a:xfrm>
             <a:off x="2880000" y="3060000"/>
-            <a:ext cx="5629680" cy="2928960"/>
+            <a:ext cx="5629320" cy="2928600"/>
           </a:xfrm>
           <a:prstGeom prst="rect">
             <a:avLst/>
@@ -18207,7 +18207,7 @@
         <p:spPr>
           <a:xfrm>
             <a:off x="360000" y="360000"/>
-            <a:ext cx="9347400" cy="887400"/>
+            <a:ext cx="9347040" cy="887040"/>
           </a:xfrm>
           <a:prstGeom prst="rect">
             <a:avLst/>
@@ -18259,7 +18259,7 @@
         <p:spPr>
           <a:xfrm>
             <a:off x="360000" y="1980000"/>
-            <a:ext cx="9167400" cy="4667400"/>
+            <a:ext cx="9167040" cy="4667040"/>
           </a:xfrm>
           <a:prstGeom prst="rect">
             <a:avLst/>
@@ -18318,7 +18318,7 @@
         <p:spPr>
           <a:xfrm>
             <a:off x="897120" y="6886080"/>
-            <a:ext cx="6434640" cy="352440"/>
+            <a:ext cx="6434280" cy="352080"/>
           </a:xfrm>
           <a:prstGeom prst="rect">
             <a:avLst/>
@@ -18370,7 +18370,7 @@
         <p:spPr>
           <a:xfrm>
             <a:off x="7608600" y="6886080"/>
-            <a:ext cx="2272680" cy="352440"/>
+            <a:ext cx="2272320" cy="352080"/>
           </a:xfrm>
           <a:prstGeom prst="rect">
             <a:avLst/>
@@ -18422,7 +18422,7 @@
         <p:spPr>
           <a:xfrm>
             <a:off x="342360" y="1529280"/>
-            <a:ext cx="9373680" cy="5357160"/>
+            <a:ext cx="9373320" cy="5356800"/>
           </a:xfrm>
           <a:prstGeom prst="rect">
             <a:avLst/>
@@ -18962,7 +18962,7 @@
         <p:spPr>
           <a:xfrm>
             <a:off x="360000" y="2700000"/>
-            <a:ext cx="4369320" cy="2446560"/>
+            <a:ext cx="4368960" cy="2446200"/>
           </a:xfrm>
           <a:prstGeom prst="rect">
             <a:avLst/>
@@ -18985,7 +18985,7 @@
         <p:spPr>
           <a:xfrm>
             <a:off x="4860000" y="2532600"/>
-            <a:ext cx="4678560" cy="2865960"/>
+            <a:ext cx="4678200" cy="2865600"/>
           </a:xfrm>
           <a:prstGeom prst="rect">
             <a:avLst/>
@@ -19034,7 +19034,7 @@
         <p:spPr>
           <a:xfrm>
             <a:off x="360000" y="360000"/>
-            <a:ext cx="9347400" cy="887400"/>
+            <a:ext cx="9347040" cy="887040"/>
           </a:xfrm>
           <a:prstGeom prst="rect">
             <a:avLst/>
@@ -19086,7 +19086,7 @@
         <p:spPr>
           <a:xfrm>
             <a:off x="360000" y="1980000"/>
-            <a:ext cx="9167400" cy="4667400"/>
+            <a:ext cx="9167040" cy="4667040"/>
           </a:xfrm>
           <a:prstGeom prst="rect">
             <a:avLst/>
@@ -19145,7 +19145,7 @@
         <p:spPr>
           <a:xfrm>
             <a:off x="897120" y="6886080"/>
-            <a:ext cx="6434640" cy="352440"/>
+            <a:ext cx="6434280" cy="352080"/>
           </a:xfrm>
           <a:prstGeom prst="rect">
             <a:avLst/>
@@ -19197,7 +19197,7 @@
         <p:spPr>
           <a:xfrm>
             <a:off x="7608600" y="6886080"/>
-            <a:ext cx="2272680" cy="352440"/>
+            <a:ext cx="2272320" cy="352080"/>
           </a:xfrm>
           <a:prstGeom prst="rect">
             <a:avLst/>
@@ -19249,7 +19249,7 @@
         <p:spPr>
           <a:xfrm>
             <a:off x="342360" y="1529280"/>
-            <a:ext cx="9373680" cy="5357160"/>
+            <a:ext cx="9373320" cy="5356800"/>
           </a:xfrm>
           <a:prstGeom prst="rect">
             <a:avLst/>
@@ -19820,7 +19820,7 @@
         <p:spPr>
           <a:xfrm>
             <a:off x="4140000" y="2103120"/>
-            <a:ext cx="5437080" cy="4627440"/>
+            <a:ext cx="5436720" cy="4627080"/>
           </a:xfrm>
           <a:prstGeom prst="rect">
             <a:avLst/>
@@ -19843,7 +19843,7 @@
         <p:spPr>
           <a:xfrm>
             <a:off x="540000" y="2700000"/>
-            <a:ext cx="1769760" cy="703080"/>
+            <a:ext cx="1769400" cy="702720"/>
           </a:xfrm>
           <a:prstGeom prst="rect">
             <a:avLst/>
@@ -19866,7 +19866,7 @@
         <p:spPr>
           <a:xfrm>
             <a:off x="540000" y="4140000"/>
-            <a:ext cx="2570040" cy="712440"/>
+            <a:ext cx="2569680" cy="712080"/>
           </a:xfrm>
           <a:prstGeom prst="rect">
             <a:avLst/>
@@ -19890,7 +19890,7 @@
         <p:spPr>
           <a:xfrm>
             <a:off x="7457040" y="4140000"/>
-            <a:ext cx="2208960" cy="909000"/>
+            <a:ext cx="2208600" cy="908640"/>
           </a:xfrm>
           <a:prstGeom prst="rect">
             <a:avLst/>
@@ -19939,7 +19939,7 @@
         <p:spPr>
           <a:xfrm>
             <a:off x="360000" y="360000"/>
-            <a:ext cx="9347400" cy="887400"/>
+            <a:ext cx="9347040" cy="887040"/>
           </a:xfrm>
           <a:prstGeom prst="rect">
             <a:avLst/>
@@ -19991,7 +19991,7 @@
         <p:spPr>
           <a:xfrm>
             <a:off x="360000" y="1980000"/>
-            <a:ext cx="9167400" cy="4667400"/>
+            <a:ext cx="9167040" cy="4667040"/>
           </a:xfrm>
           <a:prstGeom prst="rect">
             <a:avLst/>
@@ -20050,7 +20050,7 @@
         <p:spPr>
           <a:xfrm>
             <a:off x="897120" y="6886080"/>
-            <a:ext cx="6434640" cy="352440"/>
+            <a:ext cx="6434280" cy="352080"/>
           </a:xfrm>
           <a:prstGeom prst="rect">
             <a:avLst/>
@@ -20102,7 +20102,7 @@
         <p:spPr>
           <a:xfrm>
             <a:off x="7608600" y="6886080"/>
-            <a:ext cx="2272680" cy="352440"/>
+            <a:ext cx="2272320" cy="352080"/>
           </a:xfrm>
           <a:prstGeom prst="rect">
             <a:avLst/>
@@ -20154,7 +20154,7 @@
         <p:spPr>
           <a:xfrm>
             <a:off x="342360" y="1529280"/>
-            <a:ext cx="9373680" cy="5357160"/>
+            <a:ext cx="9373320" cy="5356800"/>
           </a:xfrm>
           <a:prstGeom prst="rect">
             <a:avLst/>
@@ -20649,7 +20649,7 @@
         <p:spPr>
           <a:xfrm>
             <a:off x="500040" y="2880000"/>
-            <a:ext cx="2558520" cy="1438560"/>
+            <a:ext cx="2558160" cy="1438200"/>
           </a:xfrm>
           <a:prstGeom prst="rect">
             <a:avLst/>
@@ -22386,7 +22386,7 @@
         <p:spPr>
           <a:xfrm>
             <a:off x="360000" y="360000"/>
-            <a:ext cx="9347400" cy="887400"/>
+            <a:ext cx="9347040" cy="887040"/>
           </a:xfrm>
           <a:prstGeom prst="rect">
             <a:avLst/>
@@ -22438,7 +22438,7 @@
         <p:spPr>
           <a:xfrm>
             <a:off x="360000" y="1980000"/>
-            <a:ext cx="9167400" cy="4667400"/>
+            <a:ext cx="9167040" cy="4667040"/>
           </a:xfrm>
           <a:prstGeom prst="rect">
             <a:avLst/>
@@ -22497,7 +22497,7 @@
         <p:spPr>
           <a:xfrm>
             <a:off x="897120" y="6886080"/>
-            <a:ext cx="6434640" cy="352440"/>
+            <a:ext cx="6434280" cy="352080"/>
           </a:xfrm>
           <a:prstGeom prst="rect">
             <a:avLst/>
@@ -22549,7 +22549,7 @@
         <p:spPr>
           <a:xfrm>
             <a:off x="7608600" y="6886080"/>
-            <a:ext cx="2272680" cy="352440"/>
+            <a:ext cx="2272320" cy="352080"/>
           </a:xfrm>
           <a:prstGeom prst="rect">
             <a:avLst/>
@@ -22601,7 +22601,7 @@
         <p:spPr>
           <a:xfrm>
             <a:off x="342360" y="1529280"/>
-            <a:ext cx="9373680" cy="5357160"/>
+            <a:ext cx="9373320" cy="5356800"/>
           </a:xfrm>
           <a:prstGeom prst="rect">
             <a:avLst/>
@@ -23032,7 +23032,7 @@
         <p:spPr>
           <a:xfrm>
             <a:off x="180000" y="2160000"/>
-            <a:ext cx="4678560" cy="3254400"/>
+            <a:ext cx="4678200" cy="3254040"/>
           </a:xfrm>
           <a:prstGeom prst="rect">
             <a:avLst/>
@@ -23055,7 +23055,7 @@
         <p:spPr>
           <a:xfrm>
             <a:off x="5299560" y="2520000"/>
-            <a:ext cx="4059000" cy="2800440"/>
+            <a:ext cx="4058640" cy="2800080"/>
           </a:xfrm>
           <a:prstGeom prst="rect">
             <a:avLst/>
@@ -23104,7 +23104,7 @@
         <p:spPr>
           <a:xfrm>
             <a:off x="360000" y="360000"/>
-            <a:ext cx="9347400" cy="887400"/>
+            <a:ext cx="9347040" cy="887040"/>
           </a:xfrm>
           <a:prstGeom prst="rect">
             <a:avLst/>
@@ -23156,7 +23156,7 @@
         <p:spPr>
           <a:xfrm>
             <a:off x="360000" y="1980000"/>
-            <a:ext cx="9167400" cy="4667400"/>
+            <a:ext cx="9167040" cy="4667040"/>
           </a:xfrm>
           <a:prstGeom prst="rect">
             <a:avLst/>
@@ -23215,7 +23215,7 @@
         <p:spPr>
           <a:xfrm>
             <a:off x="897120" y="6886080"/>
-            <a:ext cx="6434640" cy="352440"/>
+            <a:ext cx="6434280" cy="352080"/>
           </a:xfrm>
           <a:prstGeom prst="rect">
             <a:avLst/>
@@ -23267,7 +23267,7 @@
         <p:spPr>
           <a:xfrm>
             <a:off x="7608600" y="6886080"/>
-            <a:ext cx="2272680" cy="352440"/>
+            <a:ext cx="2272320" cy="352080"/>
           </a:xfrm>
           <a:prstGeom prst="rect">
             <a:avLst/>
@@ -23319,7 +23319,7 @@
         <p:spPr>
           <a:xfrm>
             <a:off x="342360" y="1529280"/>
-            <a:ext cx="9373680" cy="5357160"/>
+            <a:ext cx="9373320" cy="5356800"/>
           </a:xfrm>
           <a:prstGeom prst="rect">
             <a:avLst/>
@@ -23782,7 +23782,7 @@
         <p:spPr>
           <a:xfrm>
             <a:off x="1260000" y="2520000"/>
-            <a:ext cx="7359480" cy="3598560"/>
+            <a:ext cx="7359120" cy="3598200"/>
           </a:xfrm>
           <a:prstGeom prst="rect">
             <a:avLst/>

--- a/AprendizadoMaquina/Tópico 02 - Aprendizado Supervisionado/06 - Regressão/Tópico 02 - Aprendizado-Supervisionado - Regressao.pptx
+++ b/AprendizadoMaquina/Tópico 02 - Aprendizado Supervisionado/06 - Regressão/Tópico 02 - Aprendizado-Supervisionado - Regressao.pptx
@@ -86,7 +86,49 @@
               <a:rPr b="0" lang="pt-BR" sz="4400" spc="-1" strike="noStrike">
                 <a:latin typeface="Arial"/>
               </a:rPr>
-              <a:t>Click to move the slide</a:t>
+              <a:t>Cli</a:t>
+            </a:r>
+            <a:r>
+              <a:rPr b="0" lang="pt-BR" sz="4400" spc="-1" strike="noStrike">
+                <a:latin typeface="Arial"/>
+              </a:rPr>
+              <a:t>ck </a:t>
+            </a:r>
+            <a:r>
+              <a:rPr b="0" lang="pt-BR" sz="4400" spc="-1" strike="noStrike">
+                <a:latin typeface="Arial"/>
+              </a:rPr>
+              <a:t>to </a:t>
+            </a:r>
+            <a:r>
+              <a:rPr b="0" lang="pt-BR" sz="4400" spc="-1" strike="noStrike">
+                <a:latin typeface="Arial"/>
+              </a:rPr>
+              <a:t>mo</a:t>
+            </a:r>
+            <a:r>
+              <a:rPr b="0" lang="pt-BR" sz="4400" spc="-1" strike="noStrike">
+                <a:latin typeface="Arial"/>
+              </a:rPr>
+              <a:t>ve </a:t>
+            </a:r>
+            <a:r>
+              <a:rPr b="0" lang="pt-BR" sz="4400" spc="-1" strike="noStrike">
+                <a:latin typeface="Arial"/>
+              </a:rPr>
+              <a:t>the </a:t>
+            </a:r>
+            <a:r>
+              <a:rPr b="0" lang="pt-BR" sz="4400" spc="-1" strike="noStrike">
+                <a:latin typeface="Arial"/>
+              </a:rPr>
+              <a:t>slid</a:t>
+            </a:r>
+            <a:r>
+              <a:rPr b="0" lang="pt-BR" sz="4400" spc="-1" strike="noStrike">
+                <a:latin typeface="Arial"/>
+              </a:rPr>
+              <a:t>e</a:t>
             </a:r>
             <a:endParaRPr b="0" lang="pt-BR" sz="4400" spc="-1" strike="noStrike">
               <a:latin typeface="Arial"/>
@@ -126,7 +168,37 @@
               <a:rPr b="0" lang="pt-BR" sz="2000" spc="-1" strike="noStrike">
                 <a:latin typeface="Arial"/>
               </a:rPr>
-              <a:t>Click to edit the notes format</a:t>
+              <a:t>Click to </a:t>
+            </a:r>
+            <a:r>
+              <a:rPr b="0" lang="pt-BR" sz="2000" spc="-1" strike="noStrike">
+                <a:latin typeface="Arial"/>
+              </a:rPr>
+              <a:t>edit </a:t>
+            </a:r>
+            <a:r>
+              <a:rPr b="0" lang="pt-BR" sz="2000" spc="-1" strike="noStrike">
+                <a:latin typeface="Arial"/>
+              </a:rPr>
+              <a:t>the </a:t>
+            </a:r>
+            <a:r>
+              <a:rPr b="0" lang="pt-BR" sz="2000" spc="-1" strike="noStrike">
+                <a:latin typeface="Arial"/>
+              </a:rPr>
+              <a:t>notes </a:t>
+            </a:r>
+            <a:r>
+              <a:rPr b="0" lang="pt-BR" sz="2000" spc="-1" strike="noStrike">
+                <a:latin typeface="Arial"/>
+              </a:rPr>
+              <a:t>form</a:t>
+            </a:r>
+            <a:r>
+              <a:rPr b="0" lang="pt-BR" sz="2000" spc="-1" strike="noStrike">
+                <a:latin typeface="Arial"/>
+              </a:rPr>
+              <a:t>at</a:t>
             </a:r>
             <a:endParaRPr b="0" lang="pt-BR" sz="2000" spc="-1" strike="noStrike">
               <a:latin typeface="Arial"/>
@@ -311,7 +383,7 @@
             <a:pPr algn="r">
               <a:buNone/>
             </a:pPr>
-            <a:fld id="{C3B89082-71E8-46A1-88D7-FC82B8A8B3B4}" type="slidenum">
+            <a:fld id="{D948323B-3236-4E37-B86A-8EE348853CB6}" type="slidenum">
               <a:rPr b="0" lang="pt-BR" sz="1400" spc="-1" strike="noStrike">
                 <a:latin typeface="Times New Roman"/>
               </a:rPr>
@@ -348,7 +420,7 @@
       </p:grpSpPr>
       <p:sp>
         <p:nvSpPr>
-          <p:cNvPr id="209" name="PlaceHolder 1"/>
+          <p:cNvPr id="210" name="PlaceHolder 1"/>
           <p:cNvSpPr>
             <a:spLocks noGrp="1"/>
           </p:cNvSpPr>
@@ -371,7 +443,7 @@
       </p:sp>
       <p:sp>
         <p:nvSpPr>
-          <p:cNvPr id="210" name="PlaceHolder 2"/>
+          <p:cNvPr id="211" name="PlaceHolder 2"/>
           <p:cNvSpPr>
             <a:spLocks noGrp="1"/>
           </p:cNvSpPr>
@@ -405,7 +477,7 @@
       </p:sp>
       <p:sp>
         <p:nvSpPr>
-          <p:cNvPr id="211" name="CustomShape 3"/>
+          <p:cNvPr id="212" name="CustomShape 3"/>
           <p:cNvSpPr/>
           <p:nvPr/>
         </p:nvSpPr>
@@ -479,7 +551,7 @@
       </p:grpSpPr>
       <p:sp>
         <p:nvSpPr>
-          <p:cNvPr id="236" name="PlaceHolder 1"/>
+          <p:cNvPr id="237" name="PlaceHolder 1"/>
           <p:cNvSpPr>
             <a:spLocks noGrp="1"/>
           </p:cNvSpPr>
@@ -502,7 +574,7 @@
       </p:sp>
       <p:sp>
         <p:nvSpPr>
-          <p:cNvPr id="237" name="PlaceHolder 2"/>
+          <p:cNvPr id="238" name="PlaceHolder 2"/>
           <p:cNvSpPr>
             <a:spLocks noGrp="1"/>
           </p:cNvSpPr>
@@ -536,7 +608,7 @@
       </p:sp>
       <p:sp>
         <p:nvSpPr>
-          <p:cNvPr id="238" name="CustomShape 44"/>
+          <p:cNvPr id="239" name="CustomShape 44"/>
           <p:cNvSpPr/>
           <p:nvPr/>
         </p:nvSpPr>
@@ -610,7 +682,7 @@
       </p:grpSpPr>
       <p:sp>
         <p:nvSpPr>
-          <p:cNvPr id="239" name="PlaceHolder 1"/>
+          <p:cNvPr id="240" name="PlaceHolder 1"/>
           <p:cNvSpPr>
             <a:spLocks noGrp="1"/>
           </p:cNvSpPr>
@@ -633,7 +705,7 @@
       </p:sp>
       <p:sp>
         <p:nvSpPr>
-          <p:cNvPr id="240" name="PlaceHolder 2"/>
+          <p:cNvPr id="241" name="PlaceHolder 2"/>
           <p:cNvSpPr>
             <a:spLocks noGrp="1"/>
           </p:cNvSpPr>
@@ -667,7 +739,7 @@
       </p:sp>
       <p:sp>
         <p:nvSpPr>
-          <p:cNvPr id="241" name="CustomShape 49"/>
+          <p:cNvPr id="242" name="CustomShape 49"/>
           <p:cNvSpPr/>
           <p:nvPr/>
         </p:nvSpPr>
@@ -741,7 +813,7 @@
       </p:grpSpPr>
       <p:sp>
         <p:nvSpPr>
-          <p:cNvPr id="242" name="PlaceHolder 1"/>
+          <p:cNvPr id="243" name="PlaceHolder 1"/>
           <p:cNvSpPr>
             <a:spLocks noGrp="1"/>
           </p:cNvSpPr>
@@ -764,7 +836,7 @@
       </p:sp>
       <p:sp>
         <p:nvSpPr>
-          <p:cNvPr id="243" name="PlaceHolder 2"/>
+          <p:cNvPr id="244" name="PlaceHolder 2"/>
           <p:cNvSpPr>
             <a:spLocks noGrp="1"/>
           </p:cNvSpPr>
@@ -798,7 +870,7 @@
       </p:sp>
       <p:sp>
         <p:nvSpPr>
-          <p:cNvPr id="244" name="CustomShape 54"/>
+          <p:cNvPr id="245" name="CustomShape 54"/>
           <p:cNvSpPr/>
           <p:nvPr/>
         </p:nvSpPr>
@@ -872,7 +944,7 @@
       </p:grpSpPr>
       <p:sp>
         <p:nvSpPr>
-          <p:cNvPr id="245" name="PlaceHolder 1"/>
+          <p:cNvPr id="246" name="PlaceHolder 1"/>
           <p:cNvSpPr>
             <a:spLocks noGrp="1"/>
           </p:cNvSpPr>
@@ -895,7 +967,7 @@
       </p:sp>
       <p:sp>
         <p:nvSpPr>
-          <p:cNvPr id="246" name="PlaceHolder 2"/>
+          <p:cNvPr id="247" name="PlaceHolder 2"/>
           <p:cNvSpPr>
             <a:spLocks noGrp="1"/>
           </p:cNvSpPr>
@@ -929,7 +1001,7 @@
       </p:sp>
       <p:sp>
         <p:nvSpPr>
-          <p:cNvPr id="247" name="CustomShape 59"/>
+          <p:cNvPr id="248" name="CustomShape 59"/>
           <p:cNvSpPr/>
           <p:nvPr/>
         </p:nvSpPr>
@@ -1003,7 +1075,7 @@
       </p:grpSpPr>
       <p:sp>
         <p:nvSpPr>
-          <p:cNvPr id="248" name="PlaceHolder 1"/>
+          <p:cNvPr id="249" name="PlaceHolder 1"/>
           <p:cNvSpPr>
             <a:spLocks noGrp="1"/>
           </p:cNvSpPr>
@@ -1026,7 +1098,7 @@
       </p:sp>
       <p:sp>
         <p:nvSpPr>
-          <p:cNvPr id="249" name="PlaceHolder 2"/>
+          <p:cNvPr id="250" name="PlaceHolder 2"/>
           <p:cNvSpPr>
             <a:spLocks noGrp="1"/>
           </p:cNvSpPr>
@@ -1060,7 +1132,7 @@
       </p:sp>
       <p:sp>
         <p:nvSpPr>
-          <p:cNvPr id="250" name="CustomShape 64"/>
+          <p:cNvPr id="251" name="CustomShape 64"/>
           <p:cNvSpPr/>
           <p:nvPr/>
         </p:nvSpPr>
@@ -1134,7 +1206,7 @@
       </p:grpSpPr>
       <p:sp>
         <p:nvSpPr>
-          <p:cNvPr id="251" name="PlaceHolder 1"/>
+          <p:cNvPr id="252" name="PlaceHolder 1"/>
           <p:cNvSpPr>
             <a:spLocks noGrp="1"/>
           </p:cNvSpPr>
@@ -1157,7 +1229,7 @@
       </p:sp>
       <p:sp>
         <p:nvSpPr>
-          <p:cNvPr id="252" name="PlaceHolder 2"/>
+          <p:cNvPr id="253" name="PlaceHolder 2"/>
           <p:cNvSpPr>
             <a:spLocks noGrp="1"/>
           </p:cNvSpPr>
@@ -1191,7 +1263,7 @@
       </p:sp>
       <p:sp>
         <p:nvSpPr>
-          <p:cNvPr id="253" name="CustomShape 69"/>
+          <p:cNvPr id="254" name="CustomShape 69"/>
           <p:cNvSpPr/>
           <p:nvPr/>
         </p:nvSpPr>
@@ -1265,7 +1337,7 @@
       </p:grpSpPr>
       <p:sp>
         <p:nvSpPr>
-          <p:cNvPr id="254" name="PlaceHolder 1"/>
+          <p:cNvPr id="255" name="PlaceHolder 1"/>
           <p:cNvSpPr>
             <a:spLocks noGrp="1"/>
           </p:cNvSpPr>
@@ -1288,7 +1360,7 @@
       </p:sp>
       <p:sp>
         <p:nvSpPr>
-          <p:cNvPr id="255" name="PlaceHolder 2"/>
+          <p:cNvPr id="256" name="PlaceHolder 2"/>
           <p:cNvSpPr>
             <a:spLocks noGrp="1"/>
           </p:cNvSpPr>
@@ -1322,7 +1394,7 @@
       </p:sp>
       <p:sp>
         <p:nvSpPr>
-          <p:cNvPr id="256" name="CustomShape 74"/>
+          <p:cNvPr id="257" name="CustomShape 74"/>
           <p:cNvSpPr/>
           <p:nvPr/>
         </p:nvSpPr>
@@ -1396,7 +1468,7 @@
       </p:grpSpPr>
       <p:sp>
         <p:nvSpPr>
-          <p:cNvPr id="257" name="PlaceHolder 1"/>
+          <p:cNvPr id="258" name="PlaceHolder 1"/>
           <p:cNvSpPr>
             <a:spLocks noGrp="1"/>
           </p:cNvSpPr>
@@ -1419,7 +1491,7 @@
       </p:sp>
       <p:sp>
         <p:nvSpPr>
-          <p:cNvPr id="258" name="PlaceHolder 2"/>
+          <p:cNvPr id="259" name="PlaceHolder 2"/>
           <p:cNvSpPr>
             <a:spLocks noGrp="1"/>
           </p:cNvSpPr>
@@ -1453,7 +1525,7 @@
       </p:sp>
       <p:sp>
         <p:nvSpPr>
-          <p:cNvPr id="259" name="CustomShape 84"/>
+          <p:cNvPr id="260" name="CustomShape 84"/>
           <p:cNvSpPr/>
           <p:nvPr/>
         </p:nvSpPr>
@@ -1527,7 +1599,7 @@
       </p:grpSpPr>
       <p:sp>
         <p:nvSpPr>
-          <p:cNvPr id="260" name="PlaceHolder 1"/>
+          <p:cNvPr id="261" name="PlaceHolder 1"/>
           <p:cNvSpPr>
             <a:spLocks noGrp="1"/>
           </p:cNvSpPr>
@@ -1550,7 +1622,7 @@
       </p:sp>
       <p:sp>
         <p:nvSpPr>
-          <p:cNvPr id="261" name="PlaceHolder 2"/>
+          <p:cNvPr id="262" name="PlaceHolder 2"/>
           <p:cNvSpPr>
             <a:spLocks noGrp="1"/>
           </p:cNvSpPr>
@@ -1584,7 +1656,7 @@
       </p:sp>
       <p:sp>
         <p:nvSpPr>
-          <p:cNvPr id="262" name="CustomShape 79"/>
+          <p:cNvPr id="263" name="CustomShape 79"/>
           <p:cNvSpPr/>
           <p:nvPr/>
         </p:nvSpPr>
@@ -1658,7 +1730,7 @@
       </p:grpSpPr>
       <p:sp>
         <p:nvSpPr>
-          <p:cNvPr id="263" name="PlaceHolder 1"/>
+          <p:cNvPr id="264" name="PlaceHolder 1"/>
           <p:cNvSpPr>
             <a:spLocks noGrp="1"/>
           </p:cNvSpPr>
@@ -1681,7 +1753,7 @@
       </p:sp>
       <p:sp>
         <p:nvSpPr>
-          <p:cNvPr id="264" name="PlaceHolder 2"/>
+          <p:cNvPr id="265" name="PlaceHolder 2"/>
           <p:cNvSpPr>
             <a:spLocks noGrp="1"/>
           </p:cNvSpPr>
@@ -1715,7 +1787,7 @@
       </p:sp>
       <p:sp>
         <p:nvSpPr>
-          <p:cNvPr id="265" name="CustomShape 89"/>
+          <p:cNvPr id="266" name="CustomShape 89"/>
           <p:cNvSpPr/>
           <p:nvPr/>
         </p:nvSpPr>
@@ -1789,7 +1861,7 @@
       </p:grpSpPr>
       <p:sp>
         <p:nvSpPr>
-          <p:cNvPr id="212" name="PlaceHolder 1"/>
+          <p:cNvPr id="213" name="PlaceHolder 1"/>
           <p:cNvSpPr>
             <a:spLocks noGrp="1"/>
           </p:cNvSpPr>
@@ -1812,7 +1884,7 @@
       </p:sp>
       <p:sp>
         <p:nvSpPr>
-          <p:cNvPr id="213" name="PlaceHolder 2"/>
+          <p:cNvPr id="214" name="PlaceHolder 2"/>
           <p:cNvSpPr>
             <a:spLocks noGrp="1"/>
           </p:cNvSpPr>
@@ -1846,7 +1918,7 @@
       </p:sp>
       <p:sp>
         <p:nvSpPr>
-          <p:cNvPr id="214" name="CustomShape 3"/>
+          <p:cNvPr id="215" name="CustomShape 3"/>
           <p:cNvSpPr/>
           <p:nvPr/>
         </p:nvSpPr>
@@ -1920,7 +1992,7 @@
       </p:grpSpPr>
       <p:sp>
         <p:nvSpPr>
-          <p:cNvPr id="215" name="PlaceHolder 1"/>
+          <p:cNvPr id="216" name="PlaceHolder 1"/>
           <p:cNvSpPr>
             <a:spLocks noGrp="1"/>
           </p:cNvSpPr>
@@ -1943,7 +2015,7 @@
       </p:sp>
       <p:sp>
         <p:nvSpPr>
-          <p:cNvPr id="216" name="PlaceHolder 2"/>
+          <p:cNvPr id="217" name="PlaceHolder 2"/>
           <p:cNvSpPr>
             <a:spLocks noGrp="1"/>
           </p:cNvSpPr>
@@ -1977,7 +2049,7 @@
       </p:sp>
       <p:sp>
         <p:nvSpPr>
-          <p:cNvPr id="217" name="CustomShape 5"/>
+          <p:cNvPr id="218" name="CustomShape 5"/>
           <p:cNvSpPr/>
           <p:nvPr/>
         </p:nvSpPr>
@@ -2051,7 +2123,7 @@
       </p:grpSpPr>
       <p:sp>
         <p:nvSpPr>
-          <p:cNvPr id="218" name="PlaceHolder 1"/>
+          <p:cNvPr id="219" name="PlaceHolder 1"/>
           <p:cNvSpPr>
             <a:spLocks noGrp="1"/>
           </p:cNvSpPr>
@@ -2074,7 +2146,7 @@
       </p:sp>
       <p:sp>
         <p:nvSpPr>
-          <p:cNvPr id="219" name="PlaceHolder 2"/>
+          <p:cNvPr id="220" name="PlaceHolder 2"/>
           <p:cNvSpPr>
             <a:spLocks noGrp="1"/>
           </p:cNvSpPr>
@@ -2108,7 +2180,7 @@
       </p:sp>
       <p:sp>
         <p:nvSpPr>
-          <p:cNvPr id="220" name="CustomShape 14"/>
+          <p:cNvPr id="221" name="CustomShape 14"/>
           <p:cNvSpPr/>
           <p:nvPr/>
         </p:nvSpPr>
@@ -2182,7 +2254,7 @@
       </p:grpSpPr>
       <p:sp>
         <p:nvSpPr>
-          <p:cNvPr id="221" name="PlaceHolder 1"/>
+          <p:cNvPr id="222" name="PlaceHolder 1"/>
           <p:cNvSpPr>
             <a:spLocks noGrp="1"/>
           </p:cNvSpPr>
@@ -2205,7 +2277,7 @@
       </p:sp>
       <p:sp>
         <p:nvSpPr>
-          <p:cNvPr id="222" name="PlaceHolder 2"/>
+          <p:cNvPr id="223" name="PlaceHolder 2"/>
           <p:cNvSpPr>
             <a:spLocks noGrp="1"/>
           </p:cNvSpPr>
@@ -2239,7 +2311,7 @@
       </p:sp>
       <p:sp>
         <p:nvSpPr>
-          <p:cNvPr id="223" name="CustomShape 19"/>
+          <p:cNvPr id="224" name="CustomShape 19"/>
           <p:cNvSpPr/>
           <p:nvPr/>
         </p:nvSpPr>
@@ -2313,7 +2385,7 @@
       </p:grpSpPr>
       <p:sp>
         <p:nvSpPr>
-          <p:cNvPr id="224" name="PlaceHolder 1"/>
+          <p:cNvPr id="225" name="PlaceHolder 1"/>
           <p:cNvSpPr>
             <a:spLocks noGrp="1"/>
           </p:cNvSpPr>
@@ -2336,7 +2408,7 @@
       </p:sp>
       <p:sp>
         <p:nvSpPr>
-          <p:cNvPr id="225" name="PlaceHolder 2"/>
+          <p:cNvPr id="226" name="PlaceHolder 2"/>
           <p:cNvSpPr>
             <a:spLocks noGrp="1"/>
           </p:cNvSpPr>
@@ -2370,7 +2442,7 @@
       </p:sp>
       <p:sp>
         <p:nvSpPr>
-          <p:cNvPr id="226" name="CustomShape 29"/>
+          <p:cNvPr id="227" name="CustomShape 29"/>
           <p:cNvSpPr/>
           <p:nvPr/>
         </p:nvSpPr>
@@ -2444,7 +2516,7 @@
       </p:grpSpPr>
       <p:sp>
         <p:nvSpPr>
-          <p:cNvPr id="227" name="PlaceHolder 1"/>
+          <p:cNvPr id="228" name="PlaceHolder 1"/>
           <p:cNvSpPr>
             <a:spLocks noGrp="1"/>
           </p:cNvSpPr>
@@ -2467,7 +2539,7 @@
       </p:sp>
       <p:sp>
         <p:nvSpPr>
-          <p:cNvPr id="228" name="PlaceHolder 2"/>
+          <p:cNvPr id="229" name="PlaceHolder 2"/>
           <p:cNvSpPr>
             <a:spLocks noGrp="1"/>
           </p:cNvSpPr>
@@ -2501,7 +2573,7 @@
       </p:sp>
       <p:sp>
         <p:nvSpPr>
-          <p:cNvPr id="229" name="CustomShape 24"/>
+          <p:cNvPr id="230" name="CustomShape 24"/>
           <p:cNvSpPr/>
           <p:nvPr/>
         </p:nvSpPr>
@@ -2575,7 +2647,7 @@
       </p:grpSpPr>
       <p:sp>
         <p:nvSpPr>
-          <p:cNvPr id="230" name="PlaceHolder 1"/>
+          <p:cNvPr id="231" name="PlaceHolder 1"/>
           <p:cNvSpPr>
             <a:spLocks noGrp="1"/>
           </p:cNvSpPr>
@@ -2598,7 +2670,7 @@
       </p:sp>
       <p:sp>
         <p:nvSpPr>
-          <p:cNvPr id="231" name="PlaceHolder 2"/>
+          <p:cNvPr id="232" name="PlaceHolder 2"/>
           <p:cNvSpPr>
             <a:spLocks noGrp="1"/>
           </p:cNvSpPr>
@@ -2632,7 +2704,7 @@
       </p:sp>
       <p:sp>
         <p:nvSpPr>
-          <p:cNvPr id="232" name="CustomShape 34"/>
+          <p:cNvPr id="233" name="CustomShape 34"/>
           <p:cNvSpPr/>
           <p:nvPr/>
         </p:nvSpPr>
@@ -2706,7 +2778,7 @@
       </p:grpSpPr>
       <p:sp>
         <p:nvSpPr>
-          <p:cNvPr id="233" name="PlaceHolder 1"/>
+          <p:cNvPr id="234" name="PlaceHolder 1"/>
           <p:cNvSpPr>
             <a:spLocks noGrp="1"/>
           </p:cNvSpPr>
@@ -2729,7 +2801,7 @@
       </p:sp>
       <p:sp>
         <p:nvSpPr>
-          <p:cNvPr id="234" name="PlaceHolder 2"/>
+          <p:cNvPr id="235" name="PlaceHolder 2"/>
           <p:cNvSpPr>
             <a:spLocks noGrp="1"/>
           </p:cNvSpPr>
@@ -2763,7 +2835,7 @@
       </p:sp>
       <p:sp>
         <p:nvSpPr>
-          <p:cNvPr id="235" name="CustomShape 39"/>
+          <p:cNvPr id="236" name="CustomShape 39"/>
           <p:cNvSpPr/>
           <p:nvPr/>
         </p:nvSpPr>
@@ -5953,7 +6025,79 @@
               <a:rPr b="0" lang="pt-BR" sz="4400" spc="-1" strike="noStrike">
                 <a:latin typeface="Arial"/>
               </a:rPr>
-              <a:t>Click to edit the title text format</a:t>
+              <a:t>Cli</a:t>
+            </a:r>
+            <a:r>
+              <a:rPr b="0" lang="pt-BR" sz="4400" spc="-1" strike="noStrike">
+                <a:latin typeface="Arial"/>
+              </a:rPr>
+              <a:t>ck </a:t>
+            </a:r>
+            <a:r>
+              <a:rPr b="0" lang="pt-BR" sz="4400" spc="-1" strike="noStrike">
+                <a:latin typeface="Arial"/>
+              </a:rPr>
+              <a:t>to </a:t>
+            </a:r>
+            <a:r>
+              <a:rPr b="0" lang="pt-BR" sz="4400" spc="-1" strike="noStrike">
+                <a:latin typeface="Arial"/>
+              </a:rPr>
+              <a:t>edi</a:t>
+            </a:r>
+            <a:r>
+              <a:rPr b="0" lang="pt-BR" sz="4400" spc="-1" strike="noStrike">
+                <a:latin typeface="Arial"/>
+              </a:rPr>
+              <a:t>t </a:t>
+            </a:r>
+            <a:r>
+              <a:rPr b="0" lang="pt-BR" sz="4400" spc="-1" strike="noStrike">
+                <a:latin typeface="Arial"/>
+              </a:rPr>
+              <a:t>the </a:t>
+            </a:r>
+            <a:r>
+              <a:rPr b="0" lang="pt-BR" sz="4400" spc="-1" strike="noStrike">
+                <a:latin typeface="Arial"/>
+              </a:rPr>
+              <a:t>titl</a:t>
+            </a:r>
+            <a:r>
+              <a:rPr b="0" lang="pt-BR" sz="4400" spc="-1" strike="noStrike">
+                <a:latin typeface="Arial"/>
+              </a:rPr>
+              <a:t>e </a:t>
+            </a:r>
+            <a:r>
+              <a:rPr b="0" lang="pt-BR" sz="4400" spc="-1" strike="noStrike">
+                <a:latin typeface="Arial"/>
+              </a:rPr>
+              <a:t>tex</a:t>
+            </a:r>
+            <a:r>
+              <a:rPr b="0" lang="pt-BR" sz="4400" spc="-1" strike="noStrike">
+                <a:latin typeface="Arial"/>
+              </a:rPr>
+              <a:t>t </a:t>
+            </a:r>
+            <a:r>
+              <a:rPr b="0" lang="pt-BR" sz="4400" spc="-1" strike="noStrike">
+                <a:latin typeface="Arial"/>
+              </a:rPr>
+              <a:t>for</a:t>
+            </a:r>
+            <a:r>
+              <a:rPr b="0" lang="pt-BR" sz="4400" spc="-1" strike="noStrike">
+                <a:latin typeface="Arial"/>
+              </a:rPr>
+              <a:t>ma</a:t>
+            </a:r>
+            <a:r>
+              <a:rPr b="0" lang="pt-BR" sz="4400" spc="-1" strike="noStrike">
+                <a:latin typeface="Arial"/>
+              </a:rPr>
+              <a:t>t</a:t>
             </a:r>
             <a:endParaRPr b="0" lang="pt-BR" sz="4400" spc="-1" strike="noStrike">
               <a:latin typeface="Arial"/>
@@ -6333,7 +6477,79 @@
               <a:rPr b="0" lang="pt-BR" sz="4400" spc="-1" strike="noStrike">
                 <a:latin typeface="Arial"/>
               </a:rPr>
-              <a:t>Click to edit the title text format</a:t>
+              <a:t>Cli</a:t>
+            </a:r>
+            <a:r>
+              <a:rPr b="0" lang="pt-BR" sz="4400" spc="-1" strike="noStrike">
+                <a:latin typeface="Arial"/>
+              </a:rPr>
+              <a:t>ck </a:t>
+            </a:r>
+            <a:r>
+              <a:rPr b="0" lang="pt-BR" sz="4400" spc="-1" strike="noStrike">
+                <a:latin typeface="Arial"/>
+              </a:rPr>
+              <a:t>to </a:t>
+            </a:r>
+            <a:r>
+              <a:rPr b="0" lang="pt-BR" sz="4400" spc="-1" strike="noStrike">
+                <a:latin typeface="Arial"/>
+              </a:rPr>
+              <a:t>edi</a:t>
+            </a:r>
+            <a:r>
+              <a:rPr b="0" lang="pt-BR" sz="4400" spc="-1" strike="noStrike">
+                <a:latin typeface="Arial"/>
+              </a:rPr>
+              <a:t>t </a:t>
+            </a:r>
+            <a:r>
+              <a:rPr b="0" lang="pt-BR" sz="4400" spc="-1" strike="noStrike">
+                <a:latin typeface="Arial"/>
+              </a:rPr>
+              <a:t>the </a:t>
+            </a:r>
+            <a:r>
+              <a:rPr b="0" lang="pt-BR" sz="4400" spc="-1" strike="noStrike">
+                <a:latin typeface="Arial"/>
+              </a:rPr>
+              <a:t>titl</a:t>
+            </a:r>
+            <a:r>
+              <a:rPr b="0" lang="pt-BR" sz="4400" spc="-1" strike="noStrike">
+                <a:latin typeface="Arial"/>
+              </a:rPr>
+              <a:t>e </a:t>
+            </a:r>
+            <a:r>
+              <a:rPr b="0" lang="pt-BR" sz="4400" spc="-1" strike="noStrike">
+                <a:latin typeface="Arial"/>
+              </a:rPr>
+              <a:t>tex</a:t>
+            </a:r>
+            <a:r>
+              <a:rPr b="0" lang="pt-BR" sz="4400" spc="-1" strike="noStrike">
+                <a:latin typeface="Arial"/>
+              </a:rPr>
+              <a:t>t </a:t>
+            </a:r>
+            <a:r>
+              <a:rPr b="0" lang="pt-BR" sz="4400" spc="-1" strike="noStrike">
+                <a:latin typeface="Arial"/>
+              </a:rPr>
+              <a:t>for</a:t>
+            </a:r>
+            <a:r>
+              <a:rPr b="0" lang="pt-BR" sz="4400" spc="-1" strike="noStrike">
+                <a:latin typeface="Arial"/>
+              </a:rPr>
+              <a:t>ma</a:t>
+            </a:r>
+            <a:r>
+              <a:rPr b="0" lang="pt-BR" sz="4400" spc="-1" strike="noStrike">
+                <a:latin typeface="Arial"/>
+              </a:rPr>
+              <a:t>t</a:t>
             </a:r>
             <a:endParaRPr b="0" lang="pt-BR" sz="4400" spc="-1" strike="noStrike">
               <a:latin typeface="Arial"/>
@@ -6854,7 +7070,7 @@
       </p:grpSpPr>
       <p:sp>
         <p:nvSpPr>
-          <p:cNvPr id="142" name="CustomShape 40"/>
+          <p:cNvPr id="143" name="CustomShape 40"/>
           <p:cNvSpPr/>
           <p:nvPr/>
         </p:nvSpPr>
@@ -6906,7 +7122,7 @@
       </p:sp>
       <p:sp>
         <p:nvSpPr>
-          <p:cNvPr id="143" name="CustomShape 41"/>
+          <p:cNvPr id="144" name="CustomShape 41"/>
           <p:cNvSpPr/>
           <p:nvPr/>
         </p:nvSpPr>
@@ -6965,7 +7181,7 @@
       </p:sp>
       <p:sp>
         <p:nvSpPr>
-          <p:cNvPr id="144" name="CustomShape 42"/>
+          <p:cNvPr id="145" name="CustomShape 42"/>
           <p:cNvSpPr/>
           <p:nvPr/>
         </p:nvSpPr>
@@ -7017,7 +7233,7 @@
       </p:sp>
       <p:sp>
         <p:nvSpPr>
-          <p:cNvPr id="145" name="CustomShape 43"/>
+          <p:cNvPr id="146" name="CustomShape 43"/>
           <p:cNvSpPr/>
           <p:nvPr/>
         </p:nvSpPr>
@@ -7069,7 +7285,7 @@
       </p:sp>
       <p:sp>
         <p:nvSpPr>
-          <p:cNvPr id="146" name=""/>
+          <p:cNvPr id="147" name=""/>
           <p:cNvSpPr/>
           <p:nvPr/>
         </p:nvSpPr>
@@ -7528,7 +7744,7 @@
       </p:sp>
       <p:pic>
         <p:nvPicPr>
-          <p:cNvPr id="147" name="" descr=""/>
+          <p:cNvPr id="148" name="" descr=""/>
           <p:cNvPicPr/>
           <p:nvPr/>
         </p:nvPicPr>
@@ -7582,7 +7798,7 @@
       </p:grpSpPr>
       <p:sp>
         <p:nvSpPr>
-          <p:cNvPr id="148" name="CustomShape 45"/>
+          <p:cNvPr id="149" name="CustomShape 45"/>
           <p:cNvSpPr/>
           <p:nvPr/>
         </p:nvSpPr>
@@ -7634,7 +7850,7 @@
       </p:sp>
       <p:sp>
         <p:nvSpPr>
-          <p:cNvPr id="149" name="CustomShape 46"/>
+          <p:cNvPr id="150" name="CustomShape 46"/>
           <p:cNvSpPr/>
           <p:nvPr/>
         </p:nvSpPr>
@@ -7693,7 +7909,7 @@
       </p:sp>
       <p:sp>
         <p:nvSpPr>
-          <p:cNvPr id="150" name="CustomShape 47"/>
+          <p:cNvPr id="151" name="CustomShape 47"/>
           <p:cNvSpPr/>
           <p:nvPr/>
         </p:nvSpPr>
@@ -7745,7 +7961,7 @@
       </p:sp>
       <p:sp>
         <p:nvSpPr>
-          <p:cNvPr id="151" name="CustomShape 48"/>
+          <p:cNvPr id="152" name="CustomShape 48"/>
           <p:cNvSpPr/>
           <p:nvPr/>
         </p:nvSpPr>
@@ -7797,7 +8013,7 @@
       </p:sp>
       <p:sp>
         <p:nvSpPr>
-          <p:cNvPr id="152" name=""/>
+          <p:cNvPr id="153" name=""/>
           <p:cNvSpPr/>
           <p:nvPr/>
         </p:nvSpPr>
@@ -8310,7 +8526,7 @@
       </p:sp>
       <p:pic>
         <p:nvPicPr>
-          <p:cNvPr id="153" name="" descr=""/>
+          <p:cNvPr id="154" name="" descr=""/>
           <p:cNvPicPr/>
           <p:nvPr/>
         </p:nvPicPr>
@@ -8333,7 +8549,7 @@
       </p:pic>
       <p:pic>
         <p:nvPicPr>
-          <p:cNvPr id="154" name="" descr=""/>
+          <p:cNvPr id="155" name="" descr=""/>
           <p:cNvPicPr/>
           <p:nvPr/>
         </p:nvPicPr>
@@ -8356,7 +8572,7 @@
       </p:pic>
       <p:pic>
         <p:nvPicPr>
-          <p:cNvPr id="155" name="" descr=""/>
+          <p:cNvPr id="156" name="" descr=""/>
           <p:cNvPicPr/>
           <p:nvPr/>
         </p:nvPicPr>
@@ -8409,7 +8625,7 @@
       </p:grpSpPr>
       <p:sp>
         <p:nvSpPr>
-          <p:cNvPr id="156" name="CustomShape 50"/>
+          <p:cNvPr id="157" name="CustomShape 50"/>
           <p:cNvSpPr/>
           <p:nvPr/>
         </p:nvSpPr>
@@ -8461,7 +8677,7 @@
       </p:sp>
       <p:sp>
         <p:nvSpPr>
-          <p:cNvPr id="157" name="CustomShape 51"/>
+          <p:cNvPr id="158" name="CustomShape 51"/>
           <p:cNvSpPr/>
           <p:nvPr/>
         </p:nvSpPr>
@@ -8520,7 +8736,7 @@
       </p:sp>
       <p:sp>
         <p:nvSpPr>
-          <p:cNvPr id="158" name="CustomShape 52"/>
+          <p:cNvPr id="159" name="CustomShape 52"/>
           <p:cNvSpPr/>
           <p:nvPr/>
         </p:nvSpPr>
@@ -8572,7 +8788,7 @@
       </p:sp>
       <p:sp>
         <p:nvSpPr>
-          <p:cNvPr id="159" name="CustomShape 53"/>
+          <p:cNvPr id="160" name="CustomShape 53"/>
           <p:cNvSpPr/>
           <p:nvPr/>
         </p:nvSpPr>
@@ -8624,7 +8840,7 @@
       </p:sp>
       <p:sp>
         <p:nvSpPr>
-          <p:cNvPr id="160" name=""/>
+          <p:cNvPr id="161" name=""/>
           <p:cNvSpPr/>
           <p:nvPr/>
         </p:nvSpPr>
@@ -9072,7 +9288,7 @@
       </p:sp>
       <p:pic>
         <p:nvPicPr>
-          <p:cNvPr id="161" name="" descr=""/>
+          <p:cNvPr id="162" name="" descr=""/>
           <p:cNvPicPr/>
           <p:nvPr/>
         </p:nvPicPr>
@@ -9125,7 +9341,7 @@
       </p:grpSpPr>
       <p:sp>
         <p:nvSpPr>
-          <p:cNvPr id="162" name="CustomShape 55"/>
+          <p:cNvPr id="163" name="CustomShape 55"/>
           <p:cNvSpPr/>
           <p:nvPr/>
         </p:nvSpPr>
@@ -9177,7 +9393,7 @@
       </p:sp>
       <p:sp>
         <p:nvSpPr>
-          <p:cNvPr id="163" name="CustomShape 56"/>
+          <p:cNvPr id="164" name="CustomShape 56"/>
           <p:cNvSpPr/>
           <p:nvPr/>
         </p:nvSpPr>
@@ -9236,7 +9452,7 @@
       </p:sp>
       <p:sp>
         <p:nvSpPr>
-          <p:cNvPr id="164" name="CustomShape 57"/>
+          <p:cNvPr id="165" name="CustomShape 57"/>
           <p:cNvSpPr/>
           <p:nvPr/>
         </p:nvSpPr>
@@ -9288,7 +9504,7 @@
       </p:sp>
       <p:sp>
         <p:nvSpPr>
-          <p:cNvPr id="165" name="CustomShape 58"/>
+          <p:cNvPr id="166" name="CustomShape 58"/>
           <p:cNvSpPr/>
           <p:nvPr/>
         </p:nvSpPr>
@@ -9340,7 +9556,7 @@
       </p:sp>
       <p:sp>
         <p:nvSpPr>
-          <p:cNvPr id="166" name=""/>
+          <p:cNvPr id="167" name=""/>
           <p:cNvSpPr/>
           <p:nvPr/>
         </p:nvSpPr>
@@ -9863,7 +10079,7 @@
       </p:sp>
       <p:pic>
         <p:nvPicPr>
-          <p:cNvPr id="167" name="" descr=""/>
+          <p:cNvPr id="168" name="" descr=""/>
           <p:cNvPicPr/>
           <p:nvPr/>
         </p:nvPicPr>
@@ -9916,7 +10132,7 @@
       </p:grpSpPr>
       <p:sp>
         <p:nvSpPr>
-          <p:cNvPr id="168" name="CustomShape 60"/>
+          <p:cNvPr id="169" name="CustomShape 60"/>
           <p:cNvSpPr/>
           <p:nvPr/>
         </p:nvSpPr>
@@ -9968,7 +10184,7 @@
       </p:sp>
       <p:sp>
         <p:nvSpPr>
-          <p:cNvPr id="169" name="CustomShape 61"/>
+          <p:cNvPr id="170" name="CustomShape 61"/>
           <p:cNvSpPr/>
           <p:nvPr/>
         </p:nvSpPr>
@@ -10027,7 +10243,7 @@
       </p:sp>
       <p:sp>
         <p:nvSpPr>
-          <p:cNvPr id="170" name="CustomShape 62"/>
+          <p:cNvPr id="171" name="CustomShape 62"/>
           <p:cNvSpPr/>
           <p:nvPr/>
         </p:nvSpPr>
@@ -10079,7 +10295,7 @@
       </p:sp>
       <p:sp>
         <p:nvSpPr>
-          <p:cNvPr id="171" name="CustomShape 63"/>
+          <p:cNvPr id="172" name="CustomShape 63"/>
           <p:cNvSpPr/>
           <p:nvPr/>
         </p:nvSpPr>
@@ -10131,7 +10347,7 @@
       </p:sp>
       <p:sp>
         <p:nvSpPr>
-          <p:cNvPr id="172" name=""/>
+          <p:cNvPr id="173" name=""/>
           <p:cNvSpPr/>
           <p:nvPr/>
         </p:nvSpPr>
@@ -10729,7 +10945,7 @@
       </p:sp>
       <p:pic>
         <p:nvPicPr>
-          <p:cNvPr id="173" name="" descr=""/>
+          <p:cNvPr id="174" name="" descr=""/>
           <p:cNvPicPr/>
           <p:nvPr/>
         </p:nvPicPr>
@@ -10752,7 +10968,7 @@
       </p:pic>
       <p:pic>
         <p:nvPicPr>
-          <p:cNvPr id="174" name="" descr=""/>
+          <p:cNvPr id="175" name="" descr=""/>
           <p:cNvPicPr/>
           <p:nvPr/>
         </p:nvPicPr>
@@ -10805,7 +11021,7 @@
       </p:grpSpPr>
       <p:pic>
         <p:nvPicPr>
-          <p:cNvPr id="175" name="" descr=""/>
+          <p:cNvPr id="176" name="" descr=""/>
           <p:cNvPicPr/>
           <p:nvPr/>
         </p:nvPicPr>
@@ -10828,7 +11044,7 @@
       </p:pic>
       <p:sp>
         <p:nvSpPr>
-          <p:cNvPr id="176" name="CustomShape 65"/>
+          <p:cNvPr id="177" name="CustomShape 65"/>
           <p:cNvSpPr/>
           <p:nvPr/>
         </p:nvSpPr>
@@ -10880,7 +11096,7 @@
       </p:sp>
       <p:sp>
         <p:nvSpPr>
-          <p:cNvPr id="177" name="CustomShape 66"/>
+          <p:cNvPr id="178" name="CustomShape 66"/>
           <p:cNvSpPr/>
           <p:nvPr/>
         </p:nvSpPr>
@@ -10939,7 +11155,7 @@
       </p:sp>
       <p:sp>
         <p:nvSpPr>
-          <p:cNvPr id="178" name="CustomShape 67"/>
+          <p:cNvPr id="179" name="CustomShape 67"/>
           <p:cNvSpPr/>
           <p:nvPr/>
         </p:nvSpPr>
@@ -10991,7 +11207,7 @@
       </p:sp>
       <p:sp>
         <p:nvSpPr>
-          <p:cNvPr id="179" name="CustomShape 68"/>
+          <p:cNvPr id="180" name="CustomShape 68"/>
           <p:cNvSpPr/>
           <p:nvPr/>
         </p:nvSpPr>
@@ -11043,7 +11259,7 @@
       </p:sp>
       <p:sp>
         <p:nvSpPr>
-          <p:cNvPr id="180" name=""/>
+          <p:cNvPr id="181" name=""/>
           <p:cNvSpPr/>
           <p:nvPr/>
         </p:nvSpPr>
@@ -11619,7 +11835,7 @@
       </p:sp>
       <p:pic>
         <p:nvPicPr>
-          <p:cNvPr id="181" name="" descr=""/>
+          <p:cNvPr id="182" name="" descr=""/>
           <p:cNvPicPr/>
           <p:nvPr/>
         </p:nvPicPr>
@@ -11672,7 +11888,7 @@
       </p:grpSpPr>
       <p:sp>
         <p:nvSpPr>
-          <p:cNvPr id="182" name="CustomShape 70"/>
+          <p:cNvPr id="183" name="CustomShape 70"/>
           <p:cNvSpPr/>
           <p:nvPr/>
         </p:nvSpPr>
@@ -11724,7 +11940,7 @@
       </p:sp>
       <p:sp>
         <p:nvSpPr>
-          <p:cNvPr id="183" name="CustomShape 71"/>
+          <p:cNvPr id="184" name="CustomShape 71"/>
           <p:cNvSpPr/>
           <p:nvPr/>
         </p:nvSpPr>
@@ -11783,7 +11999,7 @@
       </p:sp>
       <p:sp>
         <p:nvSpPr>
-          <p:cNvPr id="184" name="CustomShape 72"/>
+          <p:cNvPr id="185" name="CustomShape 72"/>
           <p:cNvSpPr/>
           <p:nvPr/>
         </p:nvSpPr>
@@ -11835,7 +12051,7 @@
       </p:sp>
       <p:sp>
         <p:nvSpPr>
-          <p:cNvPr id="185" name="CustomShape 73"/>
+          <p:cNvPr id="186" name="CustomShape 73"/>
           <p:cNvSpPr/>
           <p:nvPr/>
         </p:nvSpPr>
@@ -11887,7 +12103,7 @@
       </p:sp>
       <p:sp>
         <p:nvSpPr>
-          <p:cNvPr id="186" name=""/>
+          <p:cNvPr id="187" name=""/>
           <p:cNvSpPr/>
           <p:nvPr/>
         </p:nvSpPr>
@@ -12358,7 +12574,7 @@
       </p:sp>
       <p:pic>
         <p:nvPicPr>
-          <p:cNvPr id="187" name="" descr=""/>
+          <p:cNvPr id="188" name="" descr=""/>
           <p:cNvPicPr/>
           <p:nvPr/>
         </p:nvPicPr>
@@ -12411,7 +12627,7 @@
       </p:grpSpPr>
       <p:sp>
         <p:nvSpPr>
-          <p:cNvPr id="188" name="CustomShape 80"/>
+          <p:cNvPr id="189" name="CustomShape 80"/>
           <p:cNvSpPr/>
           <p:nvPr/>
         </p:nvSpPr>
@@ -12463,7 +12679,7 @@
       </p:sp>
       <p:sp>
         <p:nvSpPr>
-          <p:cNvPr id="189" name="CustomShape 81"/>
+          <p:cNvPr id="190" name="CustomShape 81"/>
           <p:cNvSpPr/>
           <p:nvPr/>
         </p:nvSpPr>
@@ -12522,7 +12738,7 @@
       </p:sp>
       <p:sp>
         <p:nvSpPr>
-          <p:cNvPr id="190" name="CustomShape 82"/>
+          <p:cNvPr id="191" name="CustomShape 82"/>
           <p:cNvSpPr/>
           <p:nvPr/>
         </p:nvSpPr>
@@ -12574,7 +12790,7 @@
       </p:sp>
       <p:sp>
         <p:nvSpPr>
-          <p:cNvPr id="191" name="CustomShape 83"/>
+          <p:cNvPr id="192" name="CustomShape 83"/>
           <p:cNvSpPr/>
           <p:nvPr/>
         </p:nvSpPr>
@@ -12626,7 +12842,7 @@
       </p:sp>
       <p:sp>
         <p:nvSpPr>
-          <p:cNvPr id="192" name=""/>
+          <p:cNvPr id="193" name=""/>
           <p:cNvSpPr/>
           <p:nvPr/>
         </p:nvSpPr>
@@ -13097,7 +13313,7 @@
       </p:sp>
       <p:sp>
         <p:nvSpPr>
-          <p:cNvPr id="193" name=""/>
+          <p:cNvPr id="194" name=""/>
           <p:cNvSpPr/>
           <p:nvPr/>
         </p:nvSpPr>
@@ -13676,7 +13892,7 @@
       </p:sp>
       <p:pic>
         <p:nvPicPr>
-          <p:cNvPr id="194" name="" descr=""/>
+          <p:cNvPr id="195" name="" descr=""/>
           <p:cNvPicPr/>
           <p:nvPr/>
         </p:nvPicPr>
@@ -13699,7 +13915,7 @@
       </p:pic>
       <p:pic>
         <p:nvPicPr>
-          <p:cNvPr id="195" name="" descr=""/>
+          <p:cNvPr id="196" name="" descr=""/>
           <p:cNvPicPr/>
           <p:nvPr/>
         </p:nvPicPr>
@@ -13752,7 +13968,7 @@
       </p:grpSpPr>
       <p:sp>
         <p:nvSpPr>
-          <p:cNvPr id="196" name="CustomShape 75"/>
+          <p:cNvPr id="197" name="CustomShape 75"/>
           <p:cNvSpPr/>
           <p:nvPr/>
         </p:nvSpPr>
@@ -13804,7 +14020,7 @@
       </p:sp>
       <p:sp>
         <p:nvSpPr>
-          <p:cNvPr id="197" name="CustomShape 76"/>
+          <p:cNvPr id="198" name="CustomShape 76"/>
           <p:cNvSpPr/>
           <p:nvPr/>
         </p:nvSpPr>
@@ -13863,7 +14079,7 @@
       </p:sp>
       <p:sp>
         <p:nvSpPr>
-          <p:cNvPr id="198" name="CustomShape 77"/>
+          <p:cNvPr id="199" name="CustomShape 77"/>
           <p:cNvSpPr/>
           <p:nvPr/>
         </p:nvSpPr>
@@ -13915,7 +14131,7 @@
       </p:sp>
       <p:sp>
         <p:nvSpPr>
-          <p:cNvPr id="199" name="CustomShape 78"/>
+          <p:cNvPr id="200" name="CustomShape 78"/>
           <p:cNvSpPr/>
           <p:nvPr/>
         </p:nvSpPr>
@@ -13967,7 +14183,7 @@
       </p:sp>
       <p:sp>
         <p:nvSpPr>
-          <p:cNvPr id="200" name=""/>
+          <p:cNvPr id="201" name=""/>
           <p:cNvSpPr/>
           <p:nvPr/>
         </p:nvSpPr>
@@ -14438,7 +14654,7 @@
       </p:sp>
       <p:sp>
         <p:nvSpPr>
-          <p:cNvPr id="201" name=""/>
+          <p:cNvPr id="202" name=""/>
           <p:cNvSpPr/>
           <p:nvPr/>
         </p:nvSpPr>
@@ -15007,7 +15223,7 @@
       </p:sp>
       <p:pic>
         <p:nvPicPr>
-          <p:cNvPr id="202" name="" descr=""/>
+          <p:cNvPr id="203" name="" descr=""/>
           <p:cNvPicPr/>
           <p:nvPr/>
         </p:nvPicPr>
@@ -15060,7 +15276,7 @@
       </p:grpSpPr>
       <p:sp>
         <p:nvSpPr>
-          <p:cNvPr id="203" name="CustomShape 85"/>
+          <p:cNvPr id="204" name="CustomShape 85"/>
           <p:cNvSpPr/>
           <p:nvPr/>
         </p:nvSpPr>
@@ -15112,7 +15328,7 @@
       </p:sp>
       <p:sp>
         <p:nvSpPr>
-          <p:cNvPr id="204" name="CustomShape 86"/>
+          <p:cNvPr id="205" name="CustomShape 86"/>
           <p:cNvSpPr/>
           <p:nvPr/>
         </p:nvSpPr>
@@ -15171,7 +15387,7 @@
       </p:sp>
       <p:sp>
         <p:nvSpPr>
-          <p:cNvPr id="205" name="CustomShape 87"/>
+          <p:cNvPr id="206" name="CustomShape 87"/>
           <p:cNvSpPr/>
           <p:nvPr/>
         </p:nvSpPr>
@@ -15223,7 +15439,7 @@
       </p:sp>
       <p:sp>
         <p:nvSpPr>
-          <p:cNvPr id="206" name="CustomShape 88"/>
+          <p:cNvPr id="207" name="CustomShape 88"/>
           <p:cNvSpPr/>
           <p:nvPr/>
         </p:nvSpPr>
@@ -15275,7 +15491,7 @@
       </p:sp>
       <p:sp>
         <p:nvSpPr>
-          <p:cNvPr id="207" name=""/>
+          <p:cNvPr id="208" name=""/>
           <p:cNvSpPr/>
           <p:nvPr/>
         </p:nvSpPr>
@@ -15746,7 +15962,7 @@
       </p:sp>
       <p:sp>
         <p:nvSpPr>
-          <p:cNvPr id="208" name=""/>
+          <p:cNvPr id="209" name=""/>
           <p:cNvSpPr/>
           <p:nvPr/>
         </p:nvSpPr>
@@ -19403,7 +19619,7 @@
                 <a:latin typeface="Latin Modern Sans"/>
                 <a:ea typeface="DejaVu Sans"/>
               </a:rPr>
-              <a:t>K=50</a:t>
+              <a:t>K=5</a:t>
             </a:r>
             <a:endParaRPr b="0" lang="pt-BR" sz="1600" spc="-1" strike="noStrike">
               <a:latin typeface="Arial"/>
@@ -22347,6 +22563,86 @@
           </a:graphicData>
         </a:graphic>
       </p:graphicFrame>
+      <p:sp>
+        <p:nvSpPr>
+          <p:cNvPr id="129" name=""/>
+          <p:cNvSpPr txBox="1"/>
+          <p:nvPr/>
+        </p:nvSpPr>
+        <p:spPr>
+          <a:xfrm>
+            <a:off x="3657600" y="5295600"/>
+            <a:ext cx="2741040" cy="559800"/>
+          </a:xfrm>
+          <a:prstGeom prst="rect">
+            <a:avLst/>
+          </a:prstGeom>
+          <a:noFill/>
+          <a:ln w="0">
+            <a:noFill/>
+          </a:ln>
+        </p:spPr>
+        <p:txBody>
+          <a:bodyPr lIns="90000" rIns="90000" tIns="45000" bIns="45000" anchor="t">
+            <a:noAutofit/>
+          </a:bodyPr>
+          <a:p>
+            <a:r>
+              <a:rPr b="0" lang="pt-BR" sz="1600" spc="-1" strike="noStrike">
+                <a:solidFill>
+                  <a:srgbClr val="1c1c1c"/>
+                </a:solidFill>
+                <a:latin typeface="Latin Modern Sans"/>
+                <a:ea typeface="DejaVu Sans"/>
+              </a:rPr>
+              <a:t>ROOT </a:t>
+            </a:r>
+            <a:r>
+              <a:rPr b="0" lang="pt-BR" sz="1600" spc="-1" strike="noStrike">
+                <a:solidFill>
+                  <a:srgbClr val="1c1c1c"/>
+                </a:solidFill>
+                <a:latin typeface="Latin Modern Sans"/>
+                <a:ea typeface="DejaVu Sans"/>
+              </a:rPr>
+              <a:t>Mean-</a:t>
+            </a:r>
+            <a:r>
+              <a:rPr b="0" lang="pt-BR" sz="1600" spc="-1" strike="noStrike">
+                <a:solidFill>
+                  <a:srgbClr val="1c1c1c"/>
+                </a:solidFill>
+                <a:latin typeface="Latin Modern Sans"/>
+                <a:ea typeface="DejaVu Sans"/>
+              </a:rPr>
+              <a:t>Square-</a:t>
+            </a:r>
+            <a:r>
+              <a:rPr b="0" lang="pt-BR" sz="1600" spc="-1" strike="noStrike">
+                <a:solidFill>
+                  <a:srgbClr val="1c1c1c"/>
+                </a:solidFill>
+                <a:latin typeface="Latin Modern Sans"/>
+                <a:ea typeface="DejaVu Sans"/>
+              </a:rPr>
+              <a:t>Error </a:t>
+            </a:r>
+            <a:r>
+              <a:rPr b="0" lang="pt-BR" sz="1600" spc="-1" strike="noStrike">
+                <a:solidFill>
+                  <a:srgbClr val="1c1c1c"/>
+                </a:solidFill>
+                <a:latin typeface="Latin Modern Sans"/>
+                <a:ea typeface="DejaVu Sans"/>
+              </a:rPr>
+              <a:t>(RMSE)</a:t>
+            </a:r>
+            <a:endParaRPr b="0" lang="pt-BR" sz="1600" spc="-1" strike="noStrike">
+              <a:latin typeface="Arial"/>
+            </a:endParaRPr>
+          </a:p>
+        </p:txBody>
+      </p:sp>
     </p:spTree>
   </p:cSld>
   <mc:AlternateContent>
@@ -22379,7 +22675,7 @@
       </p:grpSpPr>
       <p:sp>
         <p:nvSpPr>
-          <p:cNvPr id="129" name="CustomShape 30"/>
+          <p:cNvPr id="130" name="CustomShape 30"/>
           <p:cNvSpPr/>
           <p:nvPr/>
         </p:nvSpPr>
@@ -22431,7 +22727,7 @@
       </p:sp>
       <p:sp>
         <p:nvSpPr>
-          <p:cNvPr id="130" name="CustomShape 31"/>
+          <p:cNvPr id="131" name="CustomShape 31"/>
           <p:cNvSpPr/>
           <p:nvPr/>
         </p:nvSpPr>
@@ -22490,7 +22786,7 @@
       </p:sp>
       <p:sp>
         <p:nvSpPr>
-          <p:cNvPr id="131" name="CustomShape 32"/>
+          <p:cNvPr id="132" name="CustomShape 32"/>
           <p:cNvSpPr/>
           <p:nvPr/>
         </p:nvSpPr>
@@ -22542,7 +22838,7 @@
       </p:sp>
       <p:sp>
         <p:nvSpPr>
-          <p:cNvPr id="132" name="CustomShape 33"/>
+          <p:cNvPr id="133" name="CustomShape 33"/>
           <p:cNvSpPr/>
           <p:nvPr/>
         </p:nvSpPr>
@@ -22594,7 +22890,7 @@
       </p:sp>
       <p:sp>
         <p:nvSpPr>
-          <p:cNvPr id="133" name=""/>
+          <p:cNvPr id="134" name=""/>
           <p:cNvSpPr/>
           <p:nvPr/>
         </p:nvSpPr>
@@ -23021,7 +23317,7 @@
       </p:sp>
       <p:pic>
         <p:nvPicPr>
-          <p:cNvPr id="134" name="" descr=""/>
+          <p:cNvPr id="135" name="" descr=""/>
           <p:cNvPicPr/>
           <p:nvPr/>
         </p:nvPicPr>
@@ -23044,7 +23340,7 @@
       </p:pic>
       <p:pic>
         <p:nvPicPr>
-          <p:cNvPr id="135" name="" descr=""/>
+          <p:cNvPr id="136" name="" descr=""/>
           <p:cNvPicPr/>
           <p:nvPr/>
         </p:nvPicPr>
@@ -23097,7 +23393,7 @@
       </p:grpSpPr>
       <p:sp>
         <p:nvSpPr>
-          <p:cNvPr id="136" name="CustomShape 35"/>
+          <p:cNvPr id="137" name="CustomShape 35"/>
           <p:cNvSpPr/>
           <p:nvPr/>
         </p:nvSpPr>
@@ -23149,7 +23445,7 @@
       </p:sp>
       <p:sp>
         <p:nvSpPr>
-          <p:cNvPr id="137" name="CustomShape 36"/>
+          <p:cNvPr id="138" name="CustomShape 36"/>
           <p:cNvSpPr/>
           <p:nvPr/>
         </p:nvSpPr>
@@ -23208,7 +23504,7 @@
       </p:sp>
       <p:sp>
         <p:nvSpPr>
-          <p:cNvPr id="138" name="CustomShape 37"/>
+          <p:cNvPr id="139" name="CustomShape 37"/>
           <p:cNvSpPr/>
           <p:nvPr/>
         </p:nvSpPr>
@@ -23260,7 +23556,7 @@
       </p:sp>
       <p:sp>
         <p:nvSpPr>
-          <p:cNvPr id="139" name="CustomShape 38"/>
+          <p:cNvPr id="140" name="CustomShape 38"/>
           <p:cNvSpPr/>
           <p:nvPr/>
         </p:nvSpPr>
@@ -23312,7 +23608,7 @@
       </p:sp>
       <p:sp>
         <p:nvSpPr>
-          <p:cNvPr id="140" name=""/>
+          <p:cNvPr id="141" name=""/>
           <p:cNvSpPr/>
           <p:nvPr/>
         </p:nvSpPr>
@@ -23771,7 +24067,7 @@
       </p:sp>
       <p:pic>
         <p:nvPicPr>
-          <p:cNvPr id="141" name="" descr=""/>
+          <p:cNvPr id="142" name="" descr=""/>
           <p:cNvPicPr/>
           <p:nvPr/>
         </p:nvPicPr>
